--- a/day 9/SAC_Training Day 9.pptx
+++ b/day 9/SAC_Training Day 9.pptx
@@ -6,18 +6,21 @@
     <p:sldMasterId id="2147483660" r:id="rId2"/>
   </p:sldMasterIdLst>
   <p:notesMasterIdLst>
-    <p:notesMasterId r:id="rId12"/>
+    <p:notesMasterId r:id="rId15"/>
   </p:notesMasterIdLst>
   <p:sldIdLst>
     <p:sldId id="256" r:id="rId3"/>
     <p:sldId id="463" r:id="rId4"/>
     <p:sldId id="427" r:id="rId5"/>
-    <p:sldId id="394" r:id="rId6"/>
-    <p:sldId id="465" r:id="rId7"/>
-    <p:sldId id="462" r:id="rId8"/>
-    <p:sldId id="475" r:id="rId9"/>
-    <p:sldId id="399" r:id="rId10"/>
-    <p:sldId id="409" r:id="rId11"/>
+    <p:sldId id="478" r:id="rId6"/>
+    <p:sldId id="479" r:id="rId7"/>
+    <p:sldId id="394" r:id="rId8"/>
+    <p:sldId id="465" r:id="rId9"/>
+    <p:sldId id="480" r:id="rId10"/>
+    <p:sldId id="462" r:id="rId11"/>
+    <p:sldId id="475" r:id="rId12"/>
+    <p:sldId id="399" r:id="rId13"/>
+    <p:sldId id="409" r:id="rId14"/>
   </p:sldIdLst>
   <p:sldSz cx="12192000" cy="6858000"/>
   <p:notesSz cx="6858000" cy="9144000"/>
@@ -140,7 +143,7 @@
           <inkml:channelProperty channel="T" name="resolution" value="1" units="1/dev"/>
         </inkml:channelProperties>
       </inkml:inkSource>
-      <inkml:timestamp xml:id="ts0" timeString="2020-10-25T01:44:27.674"/>
+      <inkml:timestamp xml:id="ts0" timeString="2021-11-22T13:16:29.889"/>
     </inkml:context>
     <inkml:brush xml:id="br0">
       <inkml:brushProperty name="width" value="0.05" units="cm"/>
@@ -148,23 +151,7 @@
       <inkml:brushProperty name="fitToCurve" value="1"/>
     </inkml:brush>
   </inkml:definitions>
-  <inkml:trace contextRef="#ctx0" brushRef="#br0">5276 76 0,'0'-25'15,"25"25"189,-1 0-173,0 0-16,1 0-15,-1 0 16,1-24 0,-1 24-16,1 0 0,-1 0 15,0 0-15,1-25 16,-1 25-16,1 0 16,-1 0-16,1 0 0,-1 0 31,0 0-31,1 0 15,-1 0 1,1 0 0,-1 0-1,1 0 1,-1 0-16,0 0 16,1 0 15,-25 25 125,0-1-125,-25-24-31,25 25 16,0-1 0,0 1-1,0-1 1,0 0-1,0 1-15,0-1 16,0 1 0,0-1-1,0 1-15,0-1 16,0 0 0,0 1-1,0-1-15,0 1 16,25-1-16,-25 0 15,0 1-15,0-1 16,0 1-16,24-25 16,-24 49-1,0-25-15,0 0 0,0 1 16,0-1 0,25 1-1,-25-1 1,0 1-16,0-1 15,0 0-15,24 1 16,-24-1 0,0 1-16,0-1 15,0 1 1,0-1 0,0 0-1,0 1 1,0-1-1,0 1 1,0-1-16,0 1 16,0-1-1,0 0 1,0 1 0,0-1 15,0 1-16,0-1 1,0 0 0,0 1-1,0-1 1,0 1-16,0-1 16,0 1-16,0-1 15,0 0-15,24 1 16,-24-1-1,0 1 17,-24-25 77,0 0-93,-1 0-1,1 0-15,-1 24 16,1-24-16,0 0 16,-1 0-16,1 0 0,-1 0 15,-24 25-15,25-25 0,0 0 16,-25 0-16,0 0 15,0 24-15,0-24 0,0 0 16,0 0-16,-24 0 16,24 0-16,0 0 0,-24 0 15,0 0-15,24 0 0,-24 0 16,24 0-16,-24 0 16,24 0-16,-24 24 0,24-24 15,-24 0-15,24 0 0,-25 25 16,26-25-16,-26 0 15,1 24-15,24-24 0,-24 25 16,24-25-16,-24 24 16,-1-24-16,26 24 0,-26-24 15,1 0-15,24 25 16,-24-25-16,0 24 0,24-24 16,0 0-16,-24 0 0,24 25 15,0-25-15,-24 0 16,24 0-16,25 0 0,-25 0 15,0 0-15,0 0 0,25 0 16,-25 0-16,24 0 16,-24 24-16,25-24 0,-25 0 15,25 0-15,-25 0 16,24 0-16,-23 0 16,-1 25-16,24-25 0,-23 0 0,23 0 15,-24 0-15,0 0 16,25 0-16,-25 24 0,25-24 15,-25 0-15,0 0 16,25 0-16,-25 0 0,0 0 16,25 0-16,-25 0 15,24 24-15,-24-24 0,25 0 16,-25 0-16,25 0 0,-25 0 16,24 0-16,1 0 15,0 0-15,-25 25 0,24-25 16,1 0-16,-1 0 15,1 0-15,-25 0 0,25 0 16,-1 0-16,1 0 0,-1 0 16,1 0-16,-25 24 15,25-24-15,-1 0 0,1 0 16,0 0-16,-1 0 16,1 0-16,-1 0 0,1 0 15,-1 0-15,1 0 0,0 0 16,-1 0-1,1 0-15,-1 0 0,1 0 16,-1 0-16,1 0 16,0 0-1,-1 0-15,1 0 32,-1-24-17,1 24-15,0 0 31,-1 0-31,1 0 16,-1 0-16,1 0 16,-1 0-16,25-25 15,-24 25-15,0 0 16,-1 0-16,1 0 16,-1-24 15,1 24-16,-1 0 17,1 0-17,0 0 1,-1 0 0,1 0-1,-1 0 1,1 0-1,24-24-15,0-1 32,0 1-32,0-1 31,0 1-31,0-1 16,0 1-16,0 0 15,-25-1-15,25 1 16,0-1-16,-24 1 0,24 0 15,-24-1-15,24 1 16,0-1-16,-25 1 0,25-1 16,-24-23-16,24 23 0,0 1 15,-25-1-15,25 1 16,0-1-16,-24 1 0,24 0 16,0-1-16,-25 1 15,25-1-15,-24 1 0,24 0 16,0-25-16,-24 24 15,24 1-15,0-25 0,-25 25 16,25-1-16,0 1 0,0-1 16,0 1-16,0-1 15,0 1-15,0 0 16,0-1-16,0 1 0,-24 24 16,24-25-16,0 1 15,0-1-15,0 1 16,0 0-16,0-1 15,0 1-15,0-1 16,0 1 0,0-1-1,0 1 1,24 24 0,-24-24-16,0-1 15,0 1-15,25-1 16,-25 1-1,0 0 1,0-1 0,0 1 31,24 24 78,0 0-125,1 0 15,-1 0 1,1 0-1,-1 0-15,1 0 16,-1 0 0,0 0-16,1 0 15,-1 0 1,1 24-16,-1-24 16,1 0-16,-1 0 31,0 0-31,1 0 15,-1 0 1,1 0 0,-25-24-16,24 24 15,1 0 1</inkml:trace>
-  <inkml:trace contextRef="#ctx0" brushRef="#br0" timeOffset="678">343 2 0,'24'0'32,"-24"25"-17,25-1 17,-25 1-17,24-25 1,-24 24-16,24-24 0,1 25 15,-1-1-15,1 0 16,-1-24-16,1 25 16,-1-1-1,0-24 1,1 25-16,-1-25 16,-24 24-16,25-24 15,-1 0 1,-24 25-16,-24-1 78,-1 0-62,1 1-1,-1-25-15,1 24 16,24 1-16,-24-1 0,-1-24 15,1 24-15,24 1 16,-25-1-16,1-24 0,24 25 16,-25-1-16,1 1 15,24-1 1</inkml:trace>
-  <inkml:trace contextRef="#ctx0" brushRef="#br0" timeOffset="3198">1271 2127 0,'0'-24'0,"0"-1"16,0 1 15,0 48 16,0 1-47,0-1 15,0 1-15,0-1 16,0 25-16,24-25 16,-24 25-16,0-24 0,0 23 15,0-23-15,0 24 0,0-25 16,25 1-16,-25-1 0,0 0 16,0 1-1,0-1 1,24-24-1,1-24 1,-1 24-16,0-25 0,25 25 16,-24-24-16,-1 24 15,0 0-15,1-24 0,-1 24 16,1-25-16,-1 25 16,1 0-16</inkml:trace>
-  <inkml:trace contextRef="#ctx0" brushRef="#br0" timeOffset="4117">1686 2371 0,'0'-24'0,"0"0"15,0-1 16,0 50 1,0-1-17,-24 0 1,24 1-16,0-1 0,24 1 16,-24-1-16,24 1 15,1-25-15,-1 24 16,1-24-16,-1 0 0,1 0 15,-1 0-15,0 0 0,1 0 16,-1-24-16,1 24 16,-1-25-16,-24 1 0,0-1 15,0 1 1,-24-1-16,24 1 16,-25 24-16,1-24 15,-1 24-15,1 0 0,0 0 16,-1-25-16,1 25 15,-1 0 1,25 25 0,25-25-1,-1 0-15,1 0 16,23 0-16,-23 0 0,24 0 16,0-25-16,-1 25 15,-23 0-15,24 0 0,-25 0 16,0-24-16,1 24 0,-1 0 15,1 0 1,-25-25 15,-25 25-31,25-24 16,-24 24 0,24 24-1,-25-24 1,25 25-16,-24-25 15,24 24-15,-24 1 0,24-1 16,0 0-16,0 1 16,0-1-16,24 1 15,0-1 1,1-24-16,-1 0 0,1 0 16,-1 0-16,1 0 15,-1 0-15,0-24 16,1 24-16,-1-25 15,1 1-15,-25-1 16,0 1 0,-25 24-16,25-24 0,-24 24 15,24-25-15,-25 25 0,1-24 16,0 24 0,-1 0-16,1 0 0,-1 0 15,1 24 1</inkml:trace>
-  <inkml:trace contextRef="#ctx0" brushRef="#br0" timeOffset="4711">2468 2054 0,'-25'0'16,"1"0"-16,24-24 16,-25 24-16,1 0 15,24 24 1,0 0 0,24 1-16,-24-1 15,25 25-15,-1-24 16,1 23-16,-1 1 0,0 0 15,1 0-15,-25 0 16,24 0-16,1-25 0,-1 25 16,-24 0-16,24-25 0,-24 1 15,0-1-15,0 0 16,25-24-16,-25 25 0,0-50 31,0 1-31,0 0 0,0-1 16,-25 1-16,25-25 0,0 0 15,-24 0-15,24 25 16,0-25-16,-24 25 0,24-25 16,0 24-16,0 1 15,24-1-15,0 1 16,1 24-16,-1 0 16,1 0-16,-1 0 15,1 24-15,-1-24 0,0 25 16,1-1-16,-1 1 15,-24-1-15,0 1 16,0-1-16,-24-24 0,-1 24 16,-23 1-1,-1-25-15,24 24 16,1-24-16,-25 0 0,25-24 16,-1-1-16,1 1 15,24 0-15</inkml:trace>
-  <inkml:trace contextRef="#ctx0" brushRef="#br0" timeOffset="5173">3151 2054 0,'0'-24'16,"25"24"15,-25 24-15,24 0-1,-24 1-15,25-1 16,-25 1-16,0 24 0,24-25 15,-24 0-15,0 25 16,0-24-16,24-1 0,-24 1 16,0-1-16,0 0 15</inkml:trace>
-  <inkml:trace contextRef="#ctx0" brushRef="#br0" timeOffset="5472">3151 2078 0,'0'-24'15,"-24"-25"-15,24 25 0,0-1 16,0 1-16,24-1 0,-24 1 16,25 24-16,-1-24 15,1 24-15,-1 0 0,0 0 16,1 0-16,-1 24 15,1-24-15,24 24 0,-49 1 16,24-1-16,0 1 0,-24-1 16,0 1-16,0-1 15,0 0-15,-24 1 16,0-25-16,24 24 16,-25-24-16,1 25 0,-1-25 15,1 0-15,-1 0 0</inkml:trace>
-  <inkml:trace contextRef="#ctx0" brushRef="#br0" timeOffset="5966">3518 2152 0,'-25'0'15,"25"24"-15,25-24 47,-1 0-31,1 0-1,-1 0-15,0 0 16,1 0-16,-25-24 16,24 24-16,1 0 0,-25-25 15,24 25 1,-24-24-16,0-1 16,-24 25-16,-1 0 15,1-24 1,-1 24-16,1 0 15,0 0-15,24 24 16,-25-24-16,1 25 0,24-1 16,-25 1-1,25-1-15,0 1 0,25-1 16,-25 0-16,24 1 0,1-25 16,-1 24-16,0-24 15,25 0-15,-24 0 0</inkml:trace>
-  <inkml:trace contextRef="#ctx0" brushRef="#br0" timeOffset="6337">3884 2054 0,'-24'-24'16,"24"48"15,24 0-15,-24 1-16,24-25 15,1 24-15,-25 1 0,24-1 16,1 1 0,-25-1-16,0 0 0,0 1 15,-25-25 1,1 0-1,24-25-15,0 1 16,0 0 0,0-1-16,0 1 0,0-1 15,24 1-15,-24-1 0,25 1 16,-1 0-16,1 24 16,-1-25-16,0 25 0,1 0 15,-1-24-15</inkml:trace>
-  <inkml:trace contextRef="#ctx0" brushRef="#br0" timeOffset="6943">4641 1956 0,'0'-24'31,"0"-1"-31,-24 25 16,24-24-16,-25 24 15,1-24 1,-1 24-16,1 0 0,0 0 16,-1 24-1,1-24-15,-1 0 0,1 24 16,0-24-16,24 25 0,0-1 15,0 1 1,0-1-16,24-24 0,-24 25 16,49-1-16,-25 0 15,1-24-15,23 25 0,-23-1 16,24-24-16,-25 25 0,25-1 16,-25-24-16,1 25 15,-25-1-15,24-24 0,-24 24 16,0 1-1,-24-25-15,-1 24 0,1-24 16,0 0-16,-25 0 0,24 0 16,-24 0-16,25 0 15,-25 0-15,25-24 0,-1-1 16,25 1 0,0 0-16</inkml:trace>
-  <inkml:trace contextRef="#ctx0" brushRef="#br0" timeOffset="7450">4861 2127 0,'24'0'0,"1"0"63,-1-24-47,1 24-16,-1 0 15,1 0-15,-1 0 16,0-25-16,1 25 0,-1 0 15,1 0-15,-25-24 16,24 24 0,-24-24-1,-24-1 1,-1 25-16,1-24 16,-1 24-16,1 0 15,0 0 1,-1 24-16,1-24 0,-1 0 15,1 25-15,24-1 16,0 0-16,0 1 16,0-1-16,24 1 0,1-1 15,-1-24-15,1 25 16,48-1 0,-49-24-16,25 0 0</inkml:trace>
-  <inkml:trace contextRef="#ctx0" brushRef="#br0" timeOffset="8096">5545 2030 0,'0'-25'16,"-25"25"-16,25-24 15,-24-1-15,0 1 16,-1 24-1,1 0-15,-1 0 16,1 0 0,-1 24-16,1-24 15,0 25-15,24-1 16,-25-24-16,25 25 16,0-1-16,25 0 15,-1 1 1,0-25-16,1 0 15,-1 0-15,1 0 16,-1 0-16,1-25 16,-1 25-16,-24-24 15,24 24-15,-24-24 0,0-1 16,25 1 0,-25 48 15,0 1-16,0-1-15,0 0 0,0 1 16,0 24-16,0 0 16,24-1-16,-24-23 0,0 24 15,25-1-15,-25 1 16,24-24-16,-24 24 0,0-25 16,0 0-16,0 1 0,-24-1 15,-1-24 1,1 0-16,-1-24 15,1-1-15,0 1 16,-1 0-16,25-1 0,-24 1 16,24-1-16,0 1 0,0-1 15,0 1-15,24 0 16,-24-1-16,25 25 0,-1-24 16,0 24-16,1-25 15,-1 25-15</inkml:trace>
-  <inkml:trace contextRef="#ctx0" brushRef="#br0" timeOffset="8814">5716 1956 0,'0'-24'16,"0"-1"-1,-25 25-15,25-24 16,25 24 0,-1 0-1,-24 24-15,25 1 16,-25-1-1,0 1-15,24-1 0,-24 1 16,0-1-16,0 0 16,24 1-16,-24-1 15,0 1 1,0-50 15,0 1-31,0-1 16,0 1-16,0-25 15,0 25-15,0-1 0,25-24 16,-25 25-16,0 0 16,24-1-16,1 1 15,-1 48 1,-24 1-16,0-1 16,25 0-16,-25 1 0,24 24 15,-24-25-15,0 1 0,0-1 16,24 0-16,-24 1 15,0-50 17,0 1-17,0 0 1,0-1-16,25-24 0,-1-24 31,1 49-31,-1-1 16,1 25-16,-25 25 15,24-25-15,0 24 0,-24 0 16,0 1-16,25-1 16,-25 25-16,0-24 0,0-1 15,0 0-15,0 1 16,0-1-16</inkml:trace>
-  <inkml:trace contextRef="#ctx0" brushRef="#br0" timeOffset="9278">6375 1932 0,'-24'0'16,"-1"0"15,25 24-16,25-24 1,-1 0 0,-24 25-1,25-25-15,-1 24 16,0-24-16,1 0 16,-1-24-16,25-1 15,0-24 1,-49 1-1,-49-1 17,-24 24-17,0 50 1,24-1-16,24 25 16,25 0-1,25 73 1,24-73-1,-25-25-15,-24 1 16,49-25-16,-25 24 16,1-24-16,-1 0 0</inkml:trace>
-  <inkml:trace contextRef="#ctx0" brushRef="#br0" timeOffset="9714">6644 1859 0,'-25'-25'16,"25"1"-16,-24 24 16,48 0 15,-24 24-31,25-24 16,-25 25-16,24-1 0,-24 0 15,0 25-15,25-24 16,-25-1-16,0 1 15,0-1-15,0 25 16,0 0-16,0-74 47,0 1-47,0-25 16,0 25-16,0-1 0,24-24 15,-24 25-15,25-1 16,-25 1-16,24 0 0,0 24 15,1 0-15,-1 0 16,1 0-16,-1 24 16,-24 0-16,25 1 0,-1 48 15,-24-48 1,0-1-16,0 0 0,0 1 16,0-1-16</inkml:trace>
-  <inkml:trace contextRef="#ctx0" brushRef="#br0" timeOffset="10057">7035 1639 0,'0'-25'0,"0"1"0,0 48 47,0 25-31,0-24-1,0-1-15,24 49 16,1-48-16,-25-1 16,0 25-16,24-25 0,-24 25 15,0-24-15,24-1 0,-24 25 16,25-25-16,-25 1 15,24-1-15,1 1 16,-25-1-16,24-24 16,0 0-1,1 0-15,-25-24 16,0-1-16</inkml:trace>
-  <inkml:trace contextRef="#ctx0" brushRef="#br0" timeOffset="10291">6913 1834 0,'-25'0'0,"1"0"16,24 25-16,24-25 31,1 0-31,-1 0 0,0 0 15,25 0-15,0-25 16,-24 25-16,23 0 0,-23-24 16,24 24-16,-25-25 0,0 25 15</inkml:trace>
+  <inkml:trace contextRef="#ctx0" brushRef="#br0">26 52 0,'26'0'15,"-26"-26"17,-26 26-1,26-26-15,-26 26 30,26 26 79,26-26-93,0 0 46,-26 26 16</inkml:trace>
 </inkml:ink>
 </file>
 
@@ -250,7 +237,7 @@
           <a:p>
             <a:fld id="{4AF2A06D-4991-4208-8C88-4E8BAD69A8B8}" type="datetimeFigureOut">
               <a:rPr lang="en-US" smtClean="0"/>
-              <a:t>12/16/2020</a:t>
+              <a:t>11/22/2021</a:t>
             </a:fld>
             <a:endParaRPr lang="en-US"/>
           </a:p>
@@ -713,7 +700,7 @@
                 <a:tabLst/>
                 <a:defRPr/>
               </a:pPr>
-              <a:t>9</a:t>
+              <a:t>12</a:t>
             </a:fld>
             <a:endParaRPr kumimoji="0" lang="en-US" sz="1200" b="0" i="0" u="none" strike="noStrike" kern="1200" cap="none" spc="0" normalizeH="0" baseline="0" noProof="0">
               <a:ln>
@@ -874,7 +861,7 @@
           <a:p>
             <a:fld id="{E26E0DA5-0C76-4851-AA82-0B75261F9EB4}" type="datetimeFigureOut">
               <a:rPr lang="en-US" smtClean="0"/>
-              <a:t>12/16/2020</a:t>
+              <a:t>11/22/2021</a:t>
             </a:fld>
             <a:endParaRPr lang="en-US"/>
           </a:p>
@@ -1042,7 +1029,7 @@
           <a:p>
             <a:fld id="{E26E0DA5-0C76-4851-AA82-0B75261F9EB4}" type="datetimeFigureOut">
               <a:rPr lang="en-US" smtClean="0"/>
-              <a:t>12/16/2020</a:t>
+              <a:t>11/22/2021</a:t>
             </a:fld>
             <a:endParaRPr lang="en-US"/>
           </a:p>
@@ -1220,7 +1207,7 @@
           <a:p>
             <a:fld id="{E26E0DA5-0C76-4851-AA82-0B75261F9EB4}" type="datetimeFigureOut">
               <a:rPr lang="en-US" smtClean="0"/>
-              <a:t>12/16/2020</a:t>
+              <a:t>11/22/2021</a:t>
             </a:fld>
             <a:endParaRPr lang="en-US"/>
           </a:p>
@@ -1547,7 +1534,7 @@
             <a:fld id="{9578D6DB-6798-42D2-B9AD-FC6F1C72FC30}" type="datetimeFigureOut">
               <a:rPr lang="en-US" smtClean="0"/>
               <a:pPr/>
-              <a:t>12/16/2020</a:t>
+              <a:t>11/22/2021</a:t>
             </a:fld>
             <a:endParaRPr lang="en-US"/>
           </a:p>
@@ -1789,7 +1776,7 @@
             <a:fld id="{425404F2-BE9A-4460-8815-8F645183555F}" type="datetimeFigureOut">
               <a:rPr lang="en-US" smtClean="0"/>
               <a:pPr/>
-              <a:t>12/16/2020</a:t>
+              <a:t>11/22/2021</a:t>
             </a:fld>
             <a:endParaRPr lang="en-US"/>
           </a:p>
@@ -1917,7 +1904,7 @@
             <a:fld id="{425404F2-BE9A-4460-8815-8F645183555F}" type="datetimeFigureOut">
               <a:rPr lang="en-US" smtClean="0"/>
               <a:pPr/>
-              <a:t>12/16/2020</a:t>
+              <a:t>11/22/2021</a:t>
             </a:fld>
             <a:endParaRPr lang="en-US"/>
           </a:p>
@@ -2167,7 +2154,7 @@
             <a:fld id="{425404F2-BE9A-4460-8815-8F645183555F}" type="datetimeFigureOut">
               <a:rPr lang="en-US" smtClean="0"/>
               <a:pPr/>
-              <a:t>12/16/2020</a:t>
+              <a:t>11/22/2021</a:t>
             </a:fld>
             <a:endParaRPr lang="en-US"/>
           </a:p>
@@ -2337,7 +2324,7 @@
             <a:fld id="{425404F2-BE9A-4460-8815-8F645183555F}" type="datetimeFigureOut">
               <a:rPr lang="en-US" smtClean="0"/>
               <a:pPr/>
-              <a:t>12/16/2020</a:t>
+              <a:t>11/22/2021</a:t>
             </a:fld>
             <a:endParaRPr lang="en-US"/>
           </a:p>
@@ -2624,7 +2611,7 @@
             <a:fld id="{425404F2-BE9A-4460-8815-8F645183555F}" type="datetimeFigureOut">
               <a:rPr lang="en-US" smtClean="0"/>
               <a:pPr/>
-              <a:t>12/16/2020</a:t>
+              <a:t>11/22/2021</a:t>
             </a:fld>
             <a:endParaRPr lang="en-US"/>
           </a:p>
@@ -3045,7 +3032,7 @@
             <a:fld id="{425404F2-BE9A-4460-8815-8F645183555F}" type="datetimeFigureOut">
               <a:rPr lang="en-US" smtClean="0"/>
               <a:pPr/>
-              <a:t>12/16/2020</a:t>
+              <a:t>11/22/2021</a:t>
             </a:fld>
             <a:endParaRPr lang="en-US"/>
           </a:p>
@@ -3170,7 +3157,7 @@
             <a:fld id="{425404F2-BE9A-4460-8815-8F645183555F}" type="datetimeFigureOut">
               <a:rPr lang="en-US" smtClean="0"/>
               <a:pPr/>
-              <a:t>12/16/2020</a:t>
+              <a:t>11/22/2021</a:t>
             </a:fld>
             <a:endParaRPr lang="en-US"/>
           </a:p>
@@ -3396,7 +3383,7 @@
           <a:p>
             <a:fld id="{E26E0DA5-0C76-4851-AA82-0B75261F9EB4}" type="datetimeFigureOut">
               <a:rPr lang="en-US" smtClean="0"/>
-              <a:t>12/16/2020</a:t>
+              <a:t>11/22/2021</a:t>
             </a:fld>
             <a:endParaRPr lang="en-US"/>
           </a:p>
@@ -3520,7 +3507,7 @@
             <a:fld id="{425404F2-BE9A-4460-8815-8F645183555F}" type="datetimeFigureOut">
               <a:rPr lang="en-US" smtClean="0"/>
               <a:pPr/>
-              <a:t>12/16/2020</a:t>
+              <a:t>11/22/2021</a:t>
             </a:fld>
             <a:endParaRPr lang="en-US"/>
           </a:p>
@@ -4067,7 +4054,7 @@
             <a:fld id="{425404F2-BE9A-4460-8815-8F645183555F}" type="datetimeFigureOut">
               <a:rPr lang="en-US" smtClean="0"/>
               <a:pPr/>
-              <a:t>12/16/2020</a:t>
+              <a:t>11/22/2021</a:t>
             </a:fld>
             <a:endParaRPr lang="en-US"/>
           </a:p>
@@ -4215,7 +4202,7 @@
             <a:fld id="{425404F2-BE9A-4460-8815-8F645183555F}" type="datetimeFigureOut">
               <a:rPr lang="en-US" smtClean="0"/>
               <a:pPr/>
-              <a:t>12/16/2020</a:t>
+              <a:t>11/22/2021</a:t>
             </a:fld>
             <a:endParaRPr lang="en-US"/>
           </a:p>
@@ -4448,7 +4435,7 @@
             <a:fld id="{425404F2-BE9A-4460-8815-8F645183555F}" type="datetimeFigureOut">
               <a:rPr lang="en-US" smtClean="0"/>
               <a:pPr/>
-              <a:t>12/16/2020</a:t>
+              <a:t>11/22/2021</a:t>
             </a:fld>
             <a:endParaRPr lang="en-US"/>
           </a:p>
@@ -4686,7 +4673,7 @@
             <a:fld id="{425404F2-BE9A-4460-8815-8F645183555F}" type="datetimeFigureOut">
               <a:rPr lang="en-US" smtClean="0"/>
               <a:pPr/>
-              <a:t>12/16/2020</a:t>
+              <a:t>11/22/2021</a:t>
             </a:fld>
             <a:endParaRPr lang="en-US"/>
           </a:p>
@@ -4868,7 +4855,7 @@
             <a:fld id="{425404F2-BE9A-4460-8815-8F645183555F}" type="datetimeFigureOut">
               <a:rPr lang="en-US" smtClean="0"/>
               <a:pPr/>
-              <a:t>12/16/2020</a:t>
+              <a:t>11/22/2021</a:t>
             </a:fld>
             <a:endParaRPr lang="en-US"/>
           </a:p>
@@ -5145,7 +5132,7 @@
             <a:fld id="{425404F2-BE9A-4460-8815-8F645183555F}" type="datetimeFigureOut">
               <a:rPr lang="en-US" smtClean="0"/>
               <a:pPr/>
-              <a:t>12/16/2020</a:t>
+              <a:t>11/22/2021</a:t>
             </a:fld>
             <a:endParaRPr lang="en-US"/>
           </a:p>
@@ -5399,7 +5386,7 @@
             <a:fld id="{425404F2-BE9A-4460-8815-8F645183555F}" type="datetimeFigureOut">
               <a:rPr lang="en-US" smtClean="0"/>
               <a:pPr/>
-              <a:t>12/16/2020</a:t>
+              <a:t>11/22/2021</a:t>
             </a:fld>
             <a:endParaRPr lang="en-US"/>
           </a:p>
@@ -5569,7 +5556,7 @@
             <a:fld id="{425404F2-BE9A-4460-8815-8F645183555F}" type="datetimeFigureOut">
               <a:rPr lang="en-US" smtClean="0"/>
               <a:pPr/>
-              <a:t>12/16/2020</a:t>
+              <a:t>11/22/2021</a:t>
             </a:fld>
             <a:endParaRPr lang="en-US"/>
           </a:p>
@@ -5749,7 +5736,7 @@
             <a:fld id="{425404F2-BE9A-4460-8815-8F645183555F}" type="datetimeFigureOut">
               <a:rPr lang="en-US" smtClean="0"/>
               <a:pPr/>
-              <a:t>12/16/2020</a:t>
+              <a:t>11/22/2021</a:t>
             </a:fld>
             <a:endParaRPr lang="en-US"/>
           </a:p>
@@ -5995,7 +5982,7 @@
           <a:p>
             <a:fld id="{E26E0DA5-0C76-4851-AA82-0B75261F9EB4}" type="datetimeFigureOut">
               <a:rPr lang="en-US" smtClean="0"/>
-              <a:t>12/16/2020</a:t>
+              <a:t>11/22/2021</a:t>
             </a:fld>
             <a:endParaRPr lang="en-US"/>
           </a:p>
@@ -6224,7 +6211,7 @@
           <a:p>
             <a:fld id="{E26E0DA5-0C76-4851-AA82-0B75261F9EB4}" type="datetimeFigureOut">
               <a:rPr lang="en-US" smtClean="0"/>
-              <a:t>12/16/2020</a:t>
+              <a:t>11/22/2021</a:t>
             </a:fld>
             <a:endParaRPr lang="en-US"/>
           </a:p>
@@ -6588,7 +6575,7 @@
           <a:p>
             <a:fld id="{E26E0DA5-0C76-4851-AA82-0B75261F9EB4}" type="datetimeFigureOut">
               <a:rPr lang="en-US" smtClean="0"/>
-              <a:t>12/16/2020</a:t>
+              <a:t>11/22/2021</a:t>
             </a:fld>
             <a:endParaRPr lang="en-US"/>
           </a:p>
@@ -6705,7 +6692,7 @@
           <a:p>
             <a:fld id="{E26E0DA5-0C76-4851-AA82-0B75261F9EB4}" type="datetimeFigureOut">
               <a:rPr lang="en-US" smtClean="0"/>
-              <a:t>12/16/2020</a:t>
+              <a:t>11/22/2021</a:t>
             </a:fld>
             <a:endParaRPr lang="en-US"/>
           </a:p>
@@ -6800,7 +6787,7 @@
           <a:p>
             <a:fld id="{E26E0DA5-0C76-4851-AA82-0B75261F9EB4}" type="datetimeFigureOut">
               <a:rPr lang="en-US" smtClean="0"/>
-              <a:t>12/16/2020</a:t>
+              <a:t>11/22/2021</a:t>
             </a:fld>
             <a:endParaRPr lang="en-US"/>
           </a:p>
@@ -7075,7 +7062,7 @@
           <a:p>
             <a:fld id="{E26E0DA5-0C76-4851-AA82-0B75261F9EB4}" type="datetimeFigureOut">
               <a:rPr lang="en-US" smtClean="0"/>
-              <a:t>12/16/2020</a:t>
+              <a:t>11/22/2021</a:t>
             </a:fld>
             <a:endParaRPr lang="en-US"/>
           </a:p>
@@ -7327,7 +7314,7 @@
           <a:p>
             <a:fld id="{E26E0DA5-0C76-4851-AA82-0B75261F9EB4}" type="datetimeFigureOut">
               <a:rPr lang="en-US" smtClean="0"/>
-              <a:t>12/16/2020</a:t>
+              <a:t>11/22/2021</a:t>
             </a:fld>
             <a:endParaRPr lang="en-US"/>
           </a:p>
@@ -7538,7 +7525,7 @@
           <a:p>
             <a:fld id="{E26E0DA5-0C76-4851-AA82-0B75261F9EB4}" type="datetimeFigureOut">
               <a:rPr lang="en-US" smtClean="0"/>
-              <a:t>12/16/2020</a:t>
+              <a:t>11/22/2021</a:t>
             </a:fld>
             <a:endParaRPr lang="en-US"/>
           </a:p>
@@ -8095,7 +8082,7 @@
             <a:fld id="{425404F2-BE9A-4460-8815-8F645183555F}" type="datetimeFigureOut">
               <a:rPr lang="en-US" smtClean="0"/>
               <a:pPr/>
-              <a:t>12/16/2020</a:t>
+              <a:t>11/22/2021</a:t>
             </a:fld>
             <a:endParaRPr lang="en-US"/>
           </a:p>
@@ -8656,6 +8643,359 @@
         <p:spPr>
           <a:xfrm>
             <a:off x="187367" y="2062424"/>
+            <a:ext cx="6629399" cy="1754326"/>
+          </a:xfrm>
+          <a:prstGeom prst="rect">
+            <a:avLst/>
+          </a:prstGeom>
+          <a:noFill/>
+        </p:spPr>
+        <p:txBody>
+          <a:bodyPr wrap="square" rtlCol="0">
+            <a:spAutoFit/>
+          </a:bodyPr>
+          <a:lstStyle/>
+          <a:p>
+            <a:r>
+              <a:rPr lang="en-US" sz="3600" spc="-150" dirty="0">
+                <a:solidFill>
+                  <a:schemeClr val="bg1"/>
+                </a:solidFill>
+              </a:rPr>
+              <a:t>Anurag </a:t>
+            </a:r>
+            <a:r>
+              <a:rPr lang="en-US" sz="3600" spc="-150" dirty="0" smtClean="0">
+                <a:solidFill>
+                  <a:schemeClr val="bg1"/>
+                </a:solidFill>
+              </a:rPr>
+              <a:t>Bajaj</a:t>
+            </a:r>
+          </a:p>
+          <a:p>
+            <a:r>
+              <a:rPr lang="en-US" sz="3600" spc="-150" dirty="0" smtClean="0">
+                <a:solidFill>
+                  <a:schemeClr val="bg1"/>
+                </a:solidFill>
+              </a:rPr>
+              <a:t>Shubham Singh</a:t>
+            </a:r>
+            <a:endParaRPr lang="en-US" sz="3600" spc="-150" dirty="0">
+              <a:solidFill>
+                <a:schemeClr val="bg1"/>
+              </a:solidFill>
+            </a:endParaRPr>
+          </a:p>
+          <a:p>
+            <a:r>
+              <a:rPr lang="en-US" sz="3600" spc="-150" dirty="0">
+                <a:solidFill>
+                  <a:schemeClr val="bg1"/>
+                </a:solidFill>
+              </a:rPr>
+              <a:t>Day 9</a:t>
+            </a:r>
+          </a:p>
+        </p:txBody>
+      </p:sp>
+    </p:spTree>
+    <p:extLst>
+      <p:ext uri="{BB962C8B-B14F-4D97-AF65-F5344CB8AC3E}">
+        <p14:creationId xmlns:p14="http://schemas.microsoft.com/office/powerpoint/2010/main" val="698128636"/>
+      </p:ext>
+    </p:extLst>
+  </p:cSld>
+  <p:clrMapOvr>
+    <a:masterClrMapping/>
+  </p:clrMapOvr>
+  <mc:AlternateContent xmlns:mc="http://schemas.openxmlformats.org/markup-compatibility/2006" xmlns:p14="http://schemas.microsoft.com/office/powerpoint/2010/main">
+    <mc:Choice Requires="p14">
+      <p:transition spd="med" p14:dur="700">
+        <p:fade/>
+      </p:transition>
+    </mc:Choice>
+    <mc:Fallback xmlns="">
+      <p:transition spd="med">
+        <p:fade/>
+      </p:transition>
+    </mc:Fallback>
+  </mc:AlternateContent>
+</p:sld>
+</file>
+
+<file path=ppt/slides/slide10.xml><?xml version="1.0" encoding="utf-8"?>
+<p:sld xmlns:a="http://schemas.openxmlformats.org/drawingml/2006/main" xmlns:r="http://schemas.openxmlformats.org/officeDocument/2006/relationships" xmlns:p="http://schemas.openxmlformats.org/presentationml/2006/main">
+  <p:cSld>
+    <p:spTree>
+      <p:nvGrpSpPr>
+        <p:cNvPr id="1" name=""/>
+        <p:cNvGrpSpPr/>
+        <p:nvPr/>
+      </p:nvGrpSpPr>
+      <p:grpSpPr>
+        <a:xfrm>
+          <a:off x="0" y="0"/>
+          <a:ext cx="0" cy="0"/>
+          <a:chOff x="0" y="0"/>
+          <a:chExt cx="0" cy="0"/>
+        </a:xfrm>
+      </p:grpSpPr>
+      <p:sp>
+        <p:nvSpPr>
+          <p:cNvPr id="2" name="Title 1">
+            <a:extLst>
+              <a:ext uri="{FF2B5EF4-FFF2-40B4-BE49-F238E27FC236}">
+                <a16:creationId xmlns="" xmlns:a16="http://schemas.microsoft.com/office/drawing/2014/main" id="{29CB9E00-0397-4178-9E57-32DC82D3A8F7}"/>
+              </a:ext>
+            </a:extLst>
+          </p:cNvPr>
+          <p:cNvSpPr>
+            <a:spLocks noGrp="1"/>
+          </p:cNvSpPr>
+          <p:nvPr>
+            <p:ph type="title"/>
+          </p:nvPr>
+        </p:nvSpPr>
+        <p:spPr/>
+        <p:txBody>
+          <a:bodyPr/>
+          <a:lstStyle/>
+          <a:p>
+            <a:endParaRPr lang="en-US"/>
+          </a:p>
+        </p:txBody>
+      </p:sp>
+      <p:sp>
+        <p:nvSpPr>
+          <p:cNvPr id="3" name="Content Placeholder 2">
+            <a:extLst>
+              <a:ext uri="{FF2B5EF4-FFF2-40B4-BE49-F238E27FC236}">
+                <a16:creationId xmlns="" xmlns:a16="http://schemas.microsoft.com/office/drawing/2014/main" id="{73A078A5-4F35-4958-8384-CBBBD3DED2C3}"/>
+              </a:ext>
+            </a:extLst>
+          </p:cNvPr>
+          <p:cNvSpPr>
+            <a:spLocks noGrp="1"/>
+          </p:cNvSpPr>
+          <p:nvPr>
+            <p:ph sz="quarter" idx="13"/>
+          </p:nvPr>
+        </p:nvSpPr>
+        <p:spPr/>
+        <p:txBody>
+          <a:bodyPr/>
+          <a:lstStyle/>
+          <a:p>
+            <a:endParaRPr lang="en-US"/>
+          </a:p>
+        </p:txBody>
+      </p:sp>
+    </p:spTree>
+    <p:extLst>
+      <p:ext uri="{BB962C8B-B14F-4D97-AF65-F5344CB8AC3E}">
+        <p14:creationId xmlns:p14="http://schemas.microsoft.com/office/powerpoint/2010/main" val="3265325021"/>
+      </p:ext>
+    </p:extLst>
+  </p:cSld>
+  <p:clrMapOvr>
+    <a:masterClrMapping/>
+  </p:clrMapOvr>
+</p:sld>
+</file>
+
+<file path=ppt/slides/slide11.xml><?xml version="1.0" encoding="utf-8"?>
+<p:sld xmlns:a="http://schemas.openxmlformats.org/drawingml/2006/main" xmlns:r="http://schemas.openxmlformats.org/officeDocument/2006/relationships" xmlns:p="http://schemas.openxmlformats.org/presentationml/2006/main">
+  <p:cSld>
+    <p:spTree>
+      <p:nvGrpSpPr>
+        <p:cNvPr id="1" name=""/>
+        <p:cNvGrpSpPr/>
+        <p:nvPr/>
+      </p:nvGrpSpPr>
+      <p:grpSpPr>
+        <a:xfrm>
+          <a:off x="0" y="0"/>
+          <a:ext cx="0" cy="0"/>
+          <a:chOff x="0" y="0"/>
+          <a:chExt cx="0" cy="0"/>
+        </a:xfrm>
+      </p:grpSpPr>
+      <p:pic>
+        <p:nvPicPr>
+          <p:cNvPr id="1028" name="Picture 4" descr="Free Vector | Flat people with question marks background">
+            <a:extLst>
+              <a:ext uri="{FF2B5EF4-FFF2-40B4-BE49-F238E27FC236}">
+                <a16:creationId xmlns="" xmlns:a16="http://schemas.microsoft.com/office/drawing/2014/main" id="{E158EC70-4769-4E41-A278-C90EC4E480C7}"/>
+              </a:ext>
+            </a:extLst>
+          </p:cNvPr>
+          <p:cNvPicPr>
+            <a:picLocks noChangeAspect="1" noChangeArrowheads="1"/>
+          </p:cNvPicPr>
+          <p:nvPr/>
+        </p:nvPicPr>
+        <p:blipFill rotWithShape="1">
+          <a:blip r:embed="rId2">
+            <a:extLst>
+              <a:ext uri="{28A0092B-C50C-407E-A947-70E740481C1C}">
+                <a14:useLocalDpi xmlns:a14="http://schemas.microsoft.com/office/drawing/2010/main" val="0"/>
+              </a:ext>
+            </a:extLst>
+          </a:blip>
+          <a:srcRect t="1" b="22246"/>
+          <a:stretch/>
+        </p:blipFill>
+        <p:spPr bwMode="auto">
+          <a:xfrm>
+            <a:off x="1848418" y="639706"/>
+            <a:ext cx="7599507" cy="5908876"/>
+          </a:xfrm>
+          <a:prstGeom prst="rect">
+            <a:avLst/>
+          </a:prstGeom>
+          <a:noFill/>
+          <a:extLst>
+            <a:ext uri="{909E8E84-426E-40DD-AFC4-6F175D3DCCD1}">
+              <a14:hiddenFill xmlns:a14="http://schemas.microsoft.com/office/drawing/2010/main">
+                <a:solidFill>
+                  <a:srgbClr val="FFFFFF"/>
+                </a:solidFill>
+              </a14:hiddenFill>
+            </a:ext>
+          </a:extLst>
+        </p:spPr>
+      </p:pic>
+      <p:sp>
+        <p:nvSpPr>
+          <p:cNvPr id="2" name="TextBox 1">
+            <a:extLst>
+              <a:ext uri="{FF2B5EF4-FFF2-40B4-BE49-F238E27FC236}">
+                <a16:creationId xmlns="" xmlns:a16="http://schemas.microsoft.com/office/drawing/2014/main" id="{994C3DB2-D47E-4B94-804B-87AF1FDEF86E}"/>
+              </a:ext>
+            </a:extLst>
+          </p:cNvPr>
+          <p:cNvSpPr txBox="1"/>
+          <p:nvPr/>
+        </p:nvSpPr>
+        <p:spPr>
+          <a:xfrm>
+            <a:off x="4535055" y="1052946"/>
+            <a:ext cx="5588000" cy="769441"/>
+          </a:xfrm>
+          <a:prstGeom prst="rect">
+            <a:avLst/>
+          </a:prstGeom>
+          <a:noFill/>
+        </p:spPr>
+        <p:txBody>
+          <a:bodyPr wrap="square" rtlCol="0">
+            <a:spAutoFit/>
+          </a:bodyPr>
+          <a:lstStyle/>
+          <a:p>
+            <a:r>
+              <a:rPr lang="en-US" sz="4400" b="1" dirty="0"/>
+              <a:t>Questions</a:t>
+            </a:r>
+          </a:p>
+        </p:txBody>
+      </p:sp>
+    </p:spTree>
+    <p:extLst>
+      <p:ext uri="{BB962C8B-B14F-4D97-AF65-F5344CB8AC3E}">
+        <p14:creationId xmlns:p14="http://schemas.microsoft.com/office/powerpoint/2010/main" val="1308118299"/>
+      </p:ext>
+    </p:extLst>
+  </p:cSld>
+  <p:clrMapOvr>
+    <a:masterClrMapping/>
+  </p:clrMapOvr>
+</p:sld>
+</file>
+
+<file path=ppt/slides/slide12.xml><?xml version="1.0" encoding="utf-8"?>
+<p:sld xmlns:a="http://schemas.openxmlformats.org/drawingml/2006/main" xmlns:r="http://schemas.openxmlformats.org/officeDocument/2006/relationships" xmlns:p="http://schemas.openxmlformats.org/presentationml/2006/main">
+  <p:cSld>
+    <p:bg>
+      <p:bgPr>
+        <a:solidFill>
+          <a:schemeClr val="bg1">
+            <a:lumMod val="95000"/>
+          </a:schemeClr>
+        </a:solidFill>
+        <a:effectLst/>
+      </p:bgPr>
+    </p:bg>
+    <p:spTree>
+      <p:nvGrpSpPr>
+        <p:cNvPr id="1" name=""/>
+        <p:cNvGrpSpPr/>
+        <p:nvPr/>
+      </p:nvGrpSpPr>
+      <p:grpSpPr>
+        <a:xfrm>
+          <a:off x="0" y="0"/>
+          <a:ext cx="0" cy="0"/>
+          <a:chOff x="0" y="0"/>
+          <a:chExt cx="0" cy="0"/>
+        </a:xfrm>
+      </p:grpSpPr>
+      <p:pic>
+        <p:nvPicPr>
+          <p:cNvPr id="2052" name="Picture 4" descr="Ski Jumping Arena - Free Presentation Templates">
+            <a:extLst>
+              <a:ext uri="{FF2B5EF4-FFF2-40B4-BE49-F238E27FC236}">
+                <a16:creationId xmlns="" xmlns:a16="http://schemas.microsoft.com/office/drawing/2014/main" id="{B0D7E6A1-F72A-4F69-B4FB-A4ED7A0C6CED}"/>
+              </a:ext>
+            </a:extLst>
+          </p:cNvPr>
+          <p:cNvPicPr>
+            <a:picLocks noChangeAspect="1" noChangeArrowheads="1"/>
+          </p:cNvPicPr>
+          <p:nvPr/>
+        </p:nvPicPr>
+        <p:blipFill rotWithShape="1">
+          <a:blip r:embed="rId3">
+            <a:extLst>
+              <a:ext uri="{28A0092B-C50C-407E-A947-70E740481C1C}">
+                <a14:useLocalDpi xmlns:a14="http://schemas.microsoft.com/office/drawing/2010/main" val="0"/>
+              </a:ext>
+            </a:extLst>
+          </a:blip>
+          <a:srcRect r="2246" b="2246"/>
+          <a:stretch/>
+        </p:blipFill>
+        <p:spPr bwMode="auto">
+          <a:xfrm>
+            <a:off x="0" y="0"/>
+            <a:ext cx="12192000" cy="6858000"/>
+          </a:xfrm>
+          <a:prstGeom prst="rect">
+            <a:avLst/>
+          </a:prstGeom>
+          <a:noFill/>
+          <a:extLst>
+            <a:ext uri="{909E8E84-426E-40DD-AFC4-6F175D3DCCD1}">
+              <a14:hiddenFill xmlns:a14="http://schemas.microsoft.com/office/drawing/2010/main">
+                <a:solidFill>
+                  <a:srgbClr val="FFFFFF"/>
+                </a:solidFill>
+              </a14:hiddenFill>
+            </a:ext>
+          </a:extLst>
+        </p:spPr>
+      </p:pic>
+      <p:sp>
+        <p:nvSpPr>
+          <p:cNvPr id="5" name="TextBox 4"/>
+          <p:cNvSpPr txBox="1"/>
+          <p:nvPr/>
+        </p:nvSpPr>
+        <p:spPr>
+          <a:xfrm>
+            <a:off x="1910833" y="3429000"/>
             <a:ext cx="6629399" cy="1200329"/>
           </a:xfrm>
           <a:prstGeom prst="rect">
@@ -8669,31 +9009,89 @@
           </a:bodyPr>
           <a:lstStyle/>
           <a:p>
+            <a:pPr marL="0" marR="0" lvl="0" indent="0" algn="l" defTabSz="914400" rtl="0" eaLnBrk="1" fontAlgn="auto" latinLnBrk="0" hangingPunct="1">
+              <a:lnSpc>
+                <a:spcPct val="100000"/>
+              </a:lnSpc>
+              <a:spcBef>
+                <a:spcPts val="0"/>
+              </a:spcBef>
+              <a:spcAft>
+                <a:spcPts val="0"/>
+              </a:spcAft>
+              <a:buClrTx/>
+              <a:buSzTx/>
+              <a:buFontTx/>
+              <a:buNone/>
+              <a:tabLst/>
+              <a:defRPr/>
+            </a:pPr>
+            <a:r>
+              <a:rPr kumimoji="0" lang="en-US" sz="3600" b="0" i="0" u="none" strike="noStrike" kern="1200" cap="none" spc="-150" normalizeH="0" baseline="0" noProof="0" dirty="0">
+                <a:ln>
+                  <a:noFill/>
+                </a:ln>
+                <a:solidFill>
+                  <a:prstClr val="white"/>
+                </a:solidFill>
+                <a:effectLst/>
+                <a:uLnTx/>
+                <a:uFillTx/>
+                <a:latin typeface="Calibri" panose="020F0502020204030204"/>
+                <a:ea typeface="+mn-ea"/>
+                <a:cs typeface="+mn-cs"/>
+              </a:rPr>
+              <a:t>Anurag Bajaj</a:t>
+            </a:r>
+          </a:p>
+          <a:p>
+            <a:pPr marL="0" marR="0" lvl="0" indent="0" algn="l" defTabSz="914400" rtl="0" eaLnBrk="1" fontAlgn="auto" latinLnBrk="0" hangingPunct="1">
+              <a:lnSpc>
+                <a:spcPct val="100000"/>
+              </a:lnSpc>
+              <a:spcBef>
+                <a:spcPts val="0"/>
+              </a:spcBef>
+              <a:spcAft>
+                <a:spcPts val="0"/>
+              </a:spcAft>
+              <a:buClrTx/>
+              <a:buSzTx/>
+              <a:buFontTx/>
+              <a:buNone/>
+              <a:tabLst/>
+              <a:defRPr/>
+            </a:pPr>
             <a:r>
               <a:rPr lang="en-US" sz="3600" spc="-150" dirty="0">
                 <a:solidFill>
-                  <a:schemeClr val="bg1"/>
+                  <a:prstClr val="white"/>
                 </a:solidFill>
+                <a:latin typeface="Calibri" panose="020F0502020204030204"/>
               </a:rPr>
-              <a:t>Anurag Bajaj</a:t>
-            </a:r>
-          </a:p>
-          <a:p>
-            <a:r>
-              <a:rPr lang="en-US" sz="3600" spc="-150" dirty="0">
-                <a:solidFill>
-                  <a:schemeClr val="bg1"/>
-                </a:solidFill>
-              </a:rPr>
-              <a:t>Day 9</a:t>
-            </a:r>
+              <a:t>anurag.bajaj02@gmail.com</a:t>
+            </a:r>
+            <a:endParaRPr kumimoji="0" lang="en-US" sz="3600" b="0" i="0" u="none" strike="noStrike" kern="1200" cap="none" spc="-150" normalizeH="0" baseline="0" noProof="0" dirty="0">
+              <a:ln>
+                <a:noFill/>
+              </a:ln>
+              <a:solidFill>
+                <a:prstClr val="white"/>
+              </a:solidFill>
+              <a:effectLst/>
+              <a:uLnTx/>
+              <a:uFillTx/>
+              <a:latin typeface="Calibri" panose="020F0502020204030204"/>
+              <a:ea typeface="+mn-ea"/>
+              <a:cs typeface="+mn-cs"/>
+            </a:endParaRPr>
           </a:p>
         </p:txBody>
       </p:sp>
     </p:spTree>
     <p:extLst>
       <p:ext uri="{BB962C8B-B14F-4D97-AF65-F5344CB8AC3E}">
-        <p14:creationId xmlns:p14="http://schemas.microsoft.com/office/powerpoint/2010/main" val="698128636"/>
+        <p14:creationId xmlns:p14="http://schemas.microsoft.com/office/powerpoint/2010/main" val="132008300"/>
       </p:ext>
     </p:extLst>
   </p:cSld>
@@ -8737,7 +9135,7 @@
           <p:cNvPr id="2" name="Title 3">
             <a:extLst>
               <a:ext uri="{FF2B5EF4-FFF2-40B4-BE49-F238E27FC236}">
-                <a16:creationId xmlns:a16="http://schemas.microsoft.com/office/drawing/2014/main" id="{F07FC580-E2AB-4C55-8C95-D5E077A1D127}"/>
+                <a16:creationId xmlns="" xmlns:a16="http://schemas.microsoft.com/office/drawing/2014/main" id="{F07FC580-E2AB-4C55-8C95-D5E077A1D127}"/>
               </a:ext>
             </a:extLst>
           </p:cNvPr>
@@ -8816,73 +9214,10 @@
       </p:sp>
       <p:sp>
         <p:nvSpPr>
-          <p:cNvPr id="4" name="Footer Placeholder 45">
-            <a:extLst>
-              <a:ext uri="{FF2B5EF4-FFF2-40B4-BE49-F238E27FC236}">
-                <a16:creationId xmlns:a16="http://schemas.microsoft.com/office/drawing/2014/main" id="{90E33047-DFF5-4690-8905-31E4C115EFDC}"/>
-              </a:ext>
-            </a:extLst>
-          </p:cNvPr>
-          <p:cNvSpPr>
-            <a:spLocks noGrp="1"/>
-          </p:cNvSpPr>
-          <p:nvPr>
-            <p:ph type="ftr" sz="quarter" idx="11"/>
-          </p:nvPr>
-        </p:nvSpPr>
-        <p:spPr>
-          <a:xfrm>
-            <a:off x="10123055" y="6548582"/>
-            <a:ext cx="2225295" cy="203620"/>
-          </a:xfrm>
-        </p:spPr>
-        <p:txBody>
-          <a:bodyPr/>
-          <a:lstStyle/>
-          <a:p>
-            <a:pPr marL="0" marR="0" lvl="0" indent="0" algn="ctr" defTabSz="914400" rtl="0" eaLnBrk="1" fontAlgn="auto" latinLnBrk="0" hangingPunct="1">
-              <a:lnSpc>
-                <a:spcPct val="100000"/>
-              </a:lnSpc>
-              <a:spcBef>
-                <a:spcPts val="0"/>
-              </a:spcBef>
-              <a:spcAft>
-                <a:spcPts val="0"/>
-              </a:spcAft>
-              <a:buClrTx/>
-              <a:buSzTx/>
-              <a:buFontTx/>
-              <a:buNone/>
-              <a:tabLst/>
-              <a:defRPr/>
-            </a:pPr>
-            <a:r>
-              <a:rPr kumimoji="0" lang="en-US" sz="1200" b="1" i="0" u="none" strike="noStrike" kern="1200" cap="none" spc="0" normalizeH="0" baseline="0" noProof="0" dirty="0">
-                <a:ln>
-                  <a:noFill/>
-                </a:ln>
-                <a:solidFill>
-                  <a:prstClr val="black"/>
-                </a:solidFill>
-                <a:effectLst/>
-                <a:uLnTx/>
-                <a:uFillTx/>
-                <a:latin typeface="Calibri" panose="020F0502020204030204"/>
-                <a:ea typeface="+mn-ea"/>
-                <a:cs typeface="+mn-cs"/>
-              </a:rPr>
-              <a:t>Anubhav trainings</a:t>
-            </a:r>
-          </a:p>
-        </p:txBody>
-      </p:sp>
-      <p:sp>
-        <p:nvSpPr>
           <p:cNvPr id="5" name="TextBox 4">
             <a:extLst>
               <a:ext uri="{FF2B5EF4-FFF2-40B4-BE49-F238E27FC236}">
-                <a16:creationId xmlns:a16="http://schemas.microsoft.com/office/drawing/2014/main" id="{27E5B41D-1DDF-48C9-A5AF-075F84492B68}"/>
+                <a16:creationId xmlns="" xmlns:a16="http://schemas.microsoft.com/office/drawing/2014/main" id="{27E5B41D-1DDF-48C9-A5AF-075F84492B68}"/>
               </a:ext>
             </a:extLst>
           </p:cNvPr>
@@ -8892,7 +9227,7 @@
         <p:spPr>
           <a:xfrm>
             <a:off x="247878" y="982353"/>
-            <a:ext cx="11696243" cy="2308324"/>
+            <a:ext cx="11696243" cy="2800767"/>
           </a:xfrm>
           <a:prstGeom prst="rect">
             <a:avLst/>
@@ -8941,76 +9276,120 @@
             </a:r>
           </a:p>
           <a:p>
-            <a:pPr marL="0" marR="0" lvl="0" indent="0" algn="l" defTabSz="914400" rtl="0" eaLnBrk="1" fontAlgn="auto" latinLnBrk="0" hangingPunct="1">
-              <a:lnSpc>
-                <a:spcPct val="100000"/>
-              </a:lnSpc>
-              <a:spcBef>
-                <a:spcPts val="0"/>
-              </a:spcBef>
-              <a:spcAft>
-                <a:spcPts val="0"/>
-              </a:spcAft>
-              <a:buClrTx/>
-              <a:buSzTx/>
-              <a:buFontTx/>
-              <a:buNone/>
-              <a:tabLst/>
+            <a:pPr marL="742950" lvl="1" indent="-285750">
+              <a:buFont typeface="Arial" panose="020B0604020202020204" pitchFamily="34" charset="0"/>
+              <a:buChar char="•"/>
               <a:defRPr/>
             </a:pPr>
             <a:r>
-              <a:rPr kumimoji="0" lang="en-US" sz="1600" b="0" i="0" u="none" strike="noStrike" kern="1200" cap="none" spc="0" normalizeH="0" baseline="0" noProof="0" dirty="0">
-                <a:ln>
-                  <a:noFill/>
-                </a:ln>
+              <a:rPr lang="en-US" sz="1600" dirty="0" smtClean="0">
                 <a:solidFill>
                   <a:prstClr val="black"/>
                 </a:solidFill>
-                <a:effectLst/>
-                <a:uLnTx/>
-                <a:uFillTx/>
-                <a:latin typeface="Calibri" panose="020F0502020204030204"/>
-                <a:ea typeface="+mn-ea"/>
-                <a:cs typeface="+mn-cs"/>
               </a:rPr>
-              <a:t>	Implementing the Regression Scenario</a:t>
-            </a:r>
-          </a:p>
-          <a:p>
-            <a:pPr marL="0" marR="0" lvl="0" indent="0" algn="l" defTabSz="914400" rtl="0" eaLnBrk="1" fontAlgn="auto" latinLnBrk="0" hangingPunct="1">
-              <a:lnSpc>
-                <a:spcPct val="100000"/>
-              </a:lnSpc>
-              <a:spcBef>
-                <a:spcPts val="0"/>
-              </a:spcBef>
-              <a:spcAft>
-                <a:spcPts val="0"/>
-              </a:spcAft>
-              <a:buClrTx/>
-              <a:buSzTx/>
-              <a:buFontTx/>
-              <a:buNone/>
-              <a:tabLst/>
-              <a:defRPr/>
-            </a:pPr>
-            <a:r>
-              <a:rPr kumimoji="0" lang="en-US" sz="1600" b="0" i="0" u="none" strike="noStrike" kern="1200" cap="none" spc="0" normalizeH="0" baseline="0" noProof="0" dirty="0">
-                <a:ln>
-                  <a:noFill/>
-                </a:ln>
+              <a:t>Concept </a:t>
+            </a:r>
+            <a:r>
+              <a:rPr lang="en-US" sz="1600" dirty="0">
                 <a:solidFill>
                   <a:prstClr val="black"/>
                 </a:solidFill>
-                <a:effectLst/>
-                <a:uLnTx/>
-                <a:uFillTx/>
-                <a:latin typeface="Calibri" panose="020F0502020204030204"/>
-                <a:ea typeface="+mn-ea"/>
-                <a:cs typeface="+mn-cs"/>
               </a:rPr>
-              <a:t>	Introduction to segmented time series</a:t>
-            </a:r>
+              <a:t>of Residuals</a:t>
+            </a:r>
+          </a:p>
+          <a:p>
+            <a:pPr marL="742950" lvl="1" indent="-285750">
+              <a:buFont typeface="Arial" panose="020B0604020202020204" pitchFamily="34" charset="0"/>
+              <a:buChar char="•"/>
+              <a:defRPr/>
+            </a:pPr>
+            <a:r>
+              <a:rPr lang="en-US" sz="1600" dirty="0" smtClean="0">
+                <a:solidFill>
+                  <a:prstClr val="black"/>
+                </a:solidFill>
+              </a:rPr>
+              <a:t>Our </a:t>
+            </a:r>
+            <a:r>
+              <a:rPr lang="en-US" sz="1600" dirty="0">
+                <a:solidFill>
+                  <a:prstClr val="black"/>
+                </a:solidFill>
+              </a:rPr>
+              <a:t>HR Scenario &lt;next </a:t>
+            </a:r>
+            <a:r>
+              <a:rPr lang="en-US" sz="1600" dirty="0" smtClean="0">
+                <a:solidFill>
+                  <a:prstClr val="black"/>
+                </a:solidFill>
+              </a:rPr>
+              <a:t>day&gt;</a:t>
+            </a:r>
+            <a:endParaRPr lang="en-US" sz="1600" dirty="0">
+              <a:solidFill>
+                <a:prstClr val="black"/>
+              </a:solidFill>
+              <a:latin typeface="Calibri" panose="020F0502020204030204"/>
+            </a:endParaRPr>
+          </a:p>
+          <a:p>
+            <a:pPr marL="742950" lvl="1" indent="-285750">
+              <a:buFont typeface="Arial" panose="020B0604020202020204" pitchFamily="34" charset="0"/>
+              <a:buChar char="•"/>
+              <a:defRPr/>
+            </a:pPr>
+            <a:r>
+              <a:rPr lang="en-US" sz="1600" dirty="0" smtClean="0">
+                <a:solidFill>
+                  <a:prstClr val="black"/>
+                </a:solidFill>
+              </a:rPr>
+              <a:t>Implementing </a:t>
+            </a:r>
+            <a:r>
+              <a:rPr lang="en-US" sz="1600" dirty="0">
+                <a:solidFill>
+                  <a:prstClr val="black"/>
+                </a:solidFill>
+              </a:rPr>
+              <a:t>the Regression Scenario</a:t>
+            </a:r>
+            <a:endParaRPr kumimoji="0" lang="en-US" sz="1600" b="0" i="0" u="none" strike="noStrike" kern="1200" cap="none" spc="0" normalizeH="0" baseline="0" noProof="0" dirty="0" smtClean="0">
+              <a:ln>
+                <a:noFill/>
+              </a:ln>
+              <a:solidFill>
+                <a:prstClr val="black"/>
+              </a:solidFill>
+              <a:effectLst/>
+              <a:uLnTx/>
+              <a:uFillTx/>
+              <a:latin typeface="Calibri" panose="020F0502020204030204"/>
+              <a:ea typeface="+mn-ea"/>
+              <a:cs typeface="+mn-cs"/>
+            </a:endParaRPr>
+          </a:p>
+          <a:p>
+            <a:pPr lvl="1">
+              <a:defRPr/>
+            </a:pPr>
+            <a:endParaRPr kumimoji="0" lang="en-US" sz="1600" b="0" i="0" u="none" strike="noStrike" kern="1200" cap="none" spc="0" normalizeH="0" baseline="0" noProof="0" dirty="0">
+              <a:ln>
+                <a:noFill/>
+              </a:ln>
+              <a:solidFill>
+                <a:prstClr val="black"/>
+              </a:solidFill>
+              <a:effectLst/>
+              <a:uLnTx/>
+              <a:uFillTx/>
+              <a:latin typeface="Calibri" panose="020F0502020204030204"/>
+              <a:ea typeface="+mn-ea"/>
+              <a:cs typeface="+mn-cs"/>
+            </a:endParaRPr>
           </a:p>
           <a:p>
             <a:pPr marL="0" marR="0" lvl="0" indent="0" algn="l" defTabSz="914400" rtl="0" eaLnBrk="1" fontAlgn="auto" latinLnBrk="0" hangingPunct="1">
@@ -9114,13 +9493,121 @@
                 <a:ea typeface="+mn-ea"/>
                 <a:cs typeface="+mn-cs"/>
               </a:rPr>
-              <a:t>Time Series Scenario</a:t>
-            </a:r>
-          </a:p>
-          <a:p>
-            <a:pPr lvl="2">
+              <a:t>Time Series </a:t>
+            </a:r>
+            <a:r>
+              <a:rPr kumimoji="0" lang="en-US" sz="1600" b="1" i="0" u="none" strike="noStrike" kern="1200" cap="none" spc="0" normalizeH="0" baseline="0" noProof="0" dirty="0" smtClean="0">
+                <a:ln>
+                  <a:noFill/>
+                </a:ln>
+                <a:solidFill>
+                  <a:prstClr val="black"/>
+                </a:solidFill>
+                <a:effectLst/>
+                <a:uLnTx/>
+                <a:uFillTx/>
+                <a:latin typeface="Calibri" panose="020F0502020204030204"/>
+                <a:ea typeface="+mn-ea"/>
+                <a:cs typeface="+mn-cs"/>
+              </a:rPr>
+              <a:t>Scenario</a:t>
+            </a:r>
+          </a:p>
+          <a:p>
+            <a:pPr marL="742950" lvl="1" indent="-285750">
+              <a:buFont typeface="Arial" panose="020B0604020202020204" pitchFamily="34" charset="0"/>
+              <a:buChar char="•"/>
               <a:defRPr/>
             </a:pPr>
+            <a:r>
+              <a:rPr lang="en-US" sz="1600" dirty="0" smtClean="0">
+                <a:solidFill>
+                  <a:prstClr val="black"/>
+                </a:solidFill>
+              </a:rPr>
+              <a:t>Introduction </a:t>
+            </a:r>
+            <a:r>
+              <a:rPr lang="en-US" sz="1600" dirty="0">
+                <a:solidFill>
+                  <a:prstClr val="black"/>
+                </a:solidFill>
+              </a:rPr>
+              <a:t>to segmented time </a:t>
+            </a:r>
+            <a:r>
+              <a:rPr lang="en-US" sz="1600" dirty="0" smtClean="0">
+                <a:solidFill>
+                  <a:prstClr val="black"/>
+                </a:solidFill>
+              </a:rPr>
+              <a:t>series</a:t>
+            </a:r>
+            <a:endParaRPr lang="en-US" sz="1600" dirty="0">
+              <a:solidFill>
+                <a:prstClr val="black"/>
+              </a:solidFill>
+              <a:latin typeface="Calibri" panose="020F0502020204030204"/>
+            </a:endParaRPr>
+          </a:p>
+          <a:p>
+            <a:pPr marL="742950" lvl="1" indent="-285750">
+              <a:buFont typeface="Arial" panose="020B0604020202020204" pitchFamily="34" charset="0"/>
+              <a:buChar char="•"/>
+              <a:defRPr/>
+            </a:pPr>
+            <a:r>
+              <a:rPr lang="en-US" sz="1600" dirty="0" smtClean="0">
+                <a:solidFill>
+                  <a:prstClr val="black"/>
+                </a:solidFill>
+                <a:latin typeface="Calibri" panose="020F0502020204030204"/>
+              </a:rPr>
+              <a:t>S</a:t>
+            </a:r>
+            <a:r>
+              <a:rPr kumimoji="0" lang="en-US" sz="1600" b="0" i="0" u="none" strike="noStrike" kern="1200" cap="none" spc="0" normalizeH="0" baseline="0" noProof="0" dirty="0" err="1" smtClean="0">
+                <a:ln>
+                  <a:noFill/>
+                </a:ln>
+                <a:solidFill>
+                  <a:prstClr val="black"/>
+                </a:solidFill>
+                <a:effectLst/>
+                <a:uLnTx/>
+                <a:uFillTx/>
+                <a:latin typeface="Calibri" panose="020F0502020204030204"/>
+                <a:ea typeface="+mn-ea"/>
+                <a:cs typeface="+mn-cs"/>
+              </a:rPr>
+              <a:t>egmented</a:t>
+            </a:r>
+            <a:r>
+              <a:rPr lang="en-US" sz="1600" dirty="0">
+                <a:solidFill>
+                  <a:prstClr val="black"/>
+                </a:solidFill>
+                <a:latin typeface="Calibri" panose="020F0502020204030204"/>
+              </a:rPr>
+              <a:t> </a:t>
+            </a:r>
+            <a:r>
+              <a:rPr kumimoji="0" lang="en-US" sz="1600" b="0" i="0" u="none" strike="noStrike" kern="1200" cap="none" spc="0" normalizeH="0" baseline="0" noProof="0" dirty="0" smtClean="0">
+                <a:ln>
+                  <a:noFill/>
+                </a:ln>
+                <a:solidFill>
+                  <a:prstClr val="black"/>
+                </a:solidFill>
+                <a:effectLst/>
+                <a:uLnTx/>
+                <a:uFillTx/>
+                <a:latin typeface="Calibri" panose="020F0502020204030204"/>
+                <a:ea typeface="+mn-ea"/>
+                <a:cs typeface="+mn-cs"/>
+              </a:rPr>
+              <a:t>TimeSeries </a:t>
+            </a:r>
             <a:r>
               <a:rPr kumimoji="0" lang="en-US" sz="1600" b="0" i="0" u="none" strike="noStrike" kern="1200" cap="none" spc="0" normalizeH="0" baseline="0" noProof="0" dirty="0">
                 <a:ln>
@@ -9136,10 +9623,10 @@
                 <a:ea typeface="+mn-ea"/>
                 <a:cs typeface="+mn-cs"/>
               </a:rPr>
-              <a:t>Segmented </a:t>
-            </a:r>
-            <a:r>
-              <a:rPr kumimoji="0" lang="en-US" sz="1600" b="0" i="0" u="none" strike="noStrike" kern="1200" cap="none" spc="0" normalizeH="0" baseline="0" noProof="0" dirty="0" err="1">
+              <a:t>Scenario </a:t>
+            </a:r>
+            <a:r>
+              <a:rPr kumimoji="0" lang="en-US" sz="1600" b="0" i="0" u="none" strike="noStrike" kern="1200" cap="none" spc="0" normalizeH="0" baseline="0" noProof="0" dirty="0" smtClean="0">
                 <a:ln>
                   <a:noFill/>
                 </a:ln>
@@ -9153,46 +9640,7 @@
                 <a:ea typeface="+mn-ea"/>
                 <a:cs typeface="+mn-cs"/>
               </a:rPr>
-              <a:t>TimeSeries</a:t>
-            </a:r>
-            <a:r>
-              <a:rPr kumimoji="0" lang="en-US" sz="1600" b="0" i="0" u="none" strike="noStrike" kern="1200" cap="none" spc="0" normalizeH="0" baseline="0" noProof="0" dirty="0">
-                <a:ln>
-                  <a:noFill/>
-                </a:ln>
-                <a:solidFill>
-                  <a:prstClr val="black"/>
-                </a:solidFill>
-                <a:effectLst/>
-                <a:uLnTx/>
-                <a:uFillTx/>
-                <a:latin typeface="Calibri" panose="020F0502020204030204"/>
-                <a:ea typeface="+mn-ea"/>
-                <a:cs typeface="+mn-cs"/>
-              </a:rPr>
-              <a:t> Scenario Introduction</a:t>
-            </a:r>
-          </a:p>
-          <a:p>
-            <a:pPr lvl="2">
-              <a:defRPr/>
-            </a:pPr>
-            <a:r>
-              <a:rPr kumimoji="0" lang="en-US" sz="1600" b="0" i="0" u="none" strike="noStrike" kern="1200" cap="none" spc="0" normalizeH="0" baseline="0" noProof="0" dirty="0">
-                <a:ln>
-                  <a:noFill/>
-                </a:ln>
-                <a:solidFill>
-                  <a:prstClr val="black"/>
-                </a:solidFill>
-                <a:effectLst/>
-                <a:uLnTx/>
-                <a:uFillTx/>
-                <a:latin typeface="Calibri" panose="020F0502020204030204"/>
-                <a:ea typeface="+mn-ea"/>
-                <a:cs typeface="+mn-cs"/>
-              </a:rPr>
-              <a:t>Introduction to SAC Designer</a:t>
+              <a:t>Introduction</a:t>
             </a:r>
             <a:r>
               <a:rPr lang="en-US" sz="1600" dirty="0">
@@ -9258,6 +9706,59 @@
               <a:latin typeface="Calibri" panose="020F0502020204030204"/>
               <a:ea typeface="+mn-ea"/>
               <a:cs typeface="+mn-cs"/>
+            </a:endParaRPr>
+          </a:p>
+        </p:txBody>
+      </p:sp>
+      <p:sp>
+        <p:nvSpPr>
+          <p:cNvPr id="6" name="TextBox 5">
+            <a:extLst>
+              <a:ext uri="{FF2B5EF4-FFF2-40B4-BE49-F238E27FC236}">
+                <a16:creationId xmlns="" xmlns:a16="http://schemas.microsoft.com/office/drawing/2014/main" id="{E8CAC22F-1542-4031-BC6C-A16989886504}"/>
+              </a:ext>
+            </a:extLst>
+          </p:cNvPr>
+          <p:cNvSpPr txBox="1"/>
+          <p:nvPr/>
+        </p:nvSpPr>
+        <p:spPr>
+          <a:xfrm>
+            <a:off x="4943872" y="6550224"/>
+            <a:ext cx="3456384" cy="307777"/>
+          </a:xfrm>
+          <a:prstGeom prst="rect">
+            <a:avLst/>
+          </a:prstGeom>
+          <a:noFill/>
+        </p:spPr>
+        <p:txBody>
+          <a:bodyPr wrap="square" rtlCol="0">
+            <a:spAutoFit/>
+          </a:bodyPr>
+          <a:lstStyle/>
+          <a:p>
+            <a:pPr defTabSz="1218987">
+              <a:defRPr/>
+            </a:pPr>
+            <a:r>
+              <a:rPr lang="en-US" sz="1400" b="1" dirty="0">
+                <a:solidFill>
+                  <a:prstClr val="black"/>
+                </a:solidFill>
+                <a:latin typeface="Arial Rounded MT Bold" panose="020F0704030504030204" pitchFamily="34" charset="0"/>
+                <a:ea typeface="Arial Unicode MS" panose="020B0604020202020204" pitchFamily="34" charset="-128"/>
+                <a:cs typeface="Arial Unicode MS" panose="020B0604020202020204" pitchFamily="34" charset="-128"/>
+              </a:rPr>
+              <a:t>www.anubhavtrainings.com</a:t>
+            </a:r>
+            <a:endParaRPr lang="en-IN" sz="1400" b="1" dirty="0">
+              <a:solidFill>
+                <a:prstClr val="black"/>
+              </a:solidFill>
+              <a:latin typeface="Arial Rounded MT Bold" panose="020F0704030504030204" pitchFamily="34" charset="0"/>
+              <a:ea typeface="Arial Unicode MS" panose="020B0604020202020204" pitchFamily="34" charset="-128"/>
+              <a:cs typeface="Arial Unicode MS" panose="020B0604020202020204" pitchFamily="34" charset="-128"/>
             </a:endParaRPr>
           </a:p>
         </p:txBody>
@@ -9324,8 +9825,17 @@
                 </a:solidFill>
                 <a:latin typeface="Patua One" pitchFamily="2" charset="0"/>
               </a:rPr>
-              <a:t>Regression Scenario</a:t>
-            </a:r>
+              <a:t>Matrices to check regression quality</a:t>
+            </a:r>
+            <a:endParaRPr lang="en-IN" dirty="0">
+              <a:solidFill>
+                <a:schemeClr val="tx2">
+                  <a:lumMod val="60000"/>
+                  <a:lumOff val="40000"/>
+                </a:schemeClr>
+              </a:solidFill>
+              <a:latin typeface="Patua One" pitchFamily="2" charset="0"/>
+            </a:endParaRPr>
           </a:p>
         </p:txBody>
       </p:sp>
@@ -9334,7 +9844,7 @@
           <p:cNvPr id="37" name="TextBox 36">
             <a:extLst>
               <a:ext uri="{FF2B5EF4-FFF2-40B4-BE49-F238E27FC236}">
-                <a16:creationId xmlns:a16="http://schemas.microsoft.com/office/drawing/2014/main" id="{E8CAC22F-1542-4031-BC6C-A16989886504}"/>
+                <a16:creationId xmlns="" xmlns:a16="http://schemas.microsoft.com/office/drawing/2014/main" id="{E8CAC22F-1542-4031-BC6C-A16989886504}"/>
               </a:ext>
             </a:extLst>
           </p:cNvPr>
@@ -9387,7 +9897,7 @@
           <p:cNvPr id="40" name="Picture 39">
             <a:extLst>
               <a:ext uri="{FF2B5EF4-FFF2-40B4-BE49-F238E27FC236}">
-                <a16:creationId xmlns:a16="http://schemas.microsoft.com/office/drawing/2014/main" id="{DA60E6FB-8C44-4FEB-B6E9-83DA908565CD}"/>
+                <a16:creationId xmlns="" xmlns:a16="http://schemas.microsoft.com/office/drawing/2014/main" id="{DA60E6FB-8C44-4FEB-B6E9-83DA908565CD}"/>
               </a:ext>
             </a:extLst>
           </p:cNvPr>
@@ -9423,7 +9933,7 @@
           <p:cNvPr id="41" name="Straight Connector 40">
             <a:extLst>
               <a:ext uri="{FF2B5EF4-FFF2-40B4-BE49-F238E27FC236}">
-                <a16:creationId xmlns:a16="http://schemas.microsoft.com/office/drawing/2014/main" id="{3B3B7D73-CAE9-45AC-ACCE-FAEF4E505C7A}"/>
+                <a16:creationId xmlns="" xmlns:a16="http://schemas.microsoft.com/office/drawing/2014/main" id="{3B3B7D73-CAE9-45AC-ACCE-FAEF4E505C7A}"/>
               </a:ext>
             </a:extLst>
           </p:cNvPr>
@@ -9454,6 +9964,122 @@
           </a:fontRef>
         </p:style>
       </p:cxnSp>
+      <p:pic>
+        <p:nvPicPr>
+          <p:cNvPr id="6" name="Picture 5">
+            <a:extLst>
+              <a:ext uri="{FF2B5EF4-FFF2-40B4-BE49-F238E27FC236}">
+                <a16:creationId xmlns:a16="http://schemas.microsoft.com/office/drawing/2014/main" xmlns="" id="{BE3A0870-F741-4A04-933F-6678A44A8D7A}"/>
+              </a:ext>
+            </a:extLst>
+          </p:cNvPr>
+          <p:cNvPicPr>
+            <a:picLocks noChangeAspect="1"/>
+          </p:cNvPicPr>
+          <p:nvPr/>
+        </p:nvPicPr>
+        <p:blipFill>
+          <a:blip r:embed="rId3"/>
+          <a:stretch>
+            <a:fillRect/>
+          </a:stretch>
+        </p:blipFill>
+        <p:spPr>
+          <a:xfrm>
+            <a:off x="263352" y="1102433"/>
+            <a:ext cx="4824536" cy="5318679"/>
+          </a:xfrm>
+          <a:prstGeom prst="rect">
+            <a:avLst/>
+          </a:prstGeom>
+        </p:spPr>
+      </p:pic>
+      <p:sp>
+        <p:nvSpPr>
+          <p:cNvPr id="7" name="TextBox 6">
+            <a:extLst>
+              <a:ext uri="{FF2B5EF4-FFF2-40B4-BE49-F238E27FC236}">
+                <a16:creationId xmlns:a16="http://schemas.microsoft.com/office/drawing/2014/main" xmlns="" id="{2FDE069B-C593-4FF4-8BE8-B8FBBD17AB9F}"/>
+              </a:ext>
+            </a:extLst>
+          </p:cNvPr>
+          <p:cNvSpPr txBox="1"/>
+          <p:nvPr/>
+        </p:nvSpPr>
+        <p:spPr>
+          <a:xfrm>
+            <a:off x="5113145" y="938408"/>
+            <a:ext cx="6670849" cy="646331"/>
+          </a:xfrm>
+          <a:prstGeom prst="rect">
+            <a:avLst/>
+          </a:prstGeom>
+          <a:noFill/>
+        </p:spPr>
+        <p:txBody>
+          <a:bodyPr wrap="square" rtlCol="0">
+            <a:spAutoFit/>
+          </a:bodyPr>
+          <a:lstStyle/>
+          <a:p>
+            <a:r>
+              <a:rPr lang="en-US" b="1" dirty="0"/>
+              <a:t>How far our actual values are from predicted values. – Residual / deviation</a:t>
+            </a:r>
+          </a:p>
+        </p:txBody>
+      </p:sp>
+      <mc:AlternateContent xmlns:mc="http://schemas.openxmlformats.org/markup-compatibility/2006">
+        <mc:Choice xmlns:p14="http://schemas.microsoft.com/office/powerpoint/2010/main" Requires="p14">
+          <p:contentPart p14:bwMode="auto" r:id="rId4">
+            <p14:nvContentPartPr>
+              <p14:cNvPr id="8" name="Ink 7">
+                <a:extLst>
+                  <a:ext uri="{FF2B5EF4-FFF2-40B4-BE49-F238E27FC236}">
+                    <a16:creationId xmlns:a16="http://schemas.microsoft.com/office/drawing/2014/main" xmlns="" id="{B6EC5873-6703-42A4-A4BB-982F601401A6}"/>
+                  </a:ext>
+                </a:extLst>
+              </p14:cNvPr>
+              <p14:cNvContentPartPr/>
+              <p14:nvPr/>
+            </p14:nvContentPartPr>
+            <p14:xfrm>
+              <a:off x="1278331" y="6326001"/>
+              <a:ext cx="19080" cy="19080"/>
+            </p14:xfrm>
+          </p:contentPart>
+        </mc:Choice>
+        <mc:Fallback>
+          <p:pic>
+            <p:nvPicPr>
+              <p:cNvPr id="8" name="Ink 7">
+                <a:extLst>
+                  <a:ext uri="{FF2B5EF4-FFF2-40B4-BE49-F238E27FC236}">
+                    <a16:creationId xmlns:a16="http://schemas.microsoft.com/office/drawing/2014/main" xmlns:p14="http://schemas.microsoft.com/office/powerpoint/2010/main" xmlns="" id="{B6EC5873-6703-42A4-A4BB-982F601401A6}"/>
+                  </a:ext>
+                </a:extLst>
+              </p:cNvPr>
+              <p:cNvPicPr/>
+              <p:nvPr/>
+            </p:nvPicPr>
+            <p:blipFill>
+              <a:blip r:embed="rId5"/>
+              <a:stretch>
+                <a:fillRect/>
+              </a:stretch>
+            </p:blipFill>
+            <p:spPr>
+              <a:xfrm>
+                <a:off x="1269331" y="6317001"/>
+                <a:ext cx="37080" cy="37080"/>
+              </a:xfrm>
+              <a:prstGeom prst="rect">
+                <a:avLst/>
+              </a:prstGeom>
+            </p:spPr>
+          </p:pic>
+        </mc:Fallback>
+      </mc:AlternateContent>
     </p:spTree>
     <p:extLst>
       <p:ext uri="{BB962C8B-B14F-4D97-AF65-F5344CB8AC3E}">
@@ -9519,8 +10145,17 @@
                 </a:solidFill>
                 <a:latin typeface="Patua One" pitchFamily="2" charset="0"/>
               </a:rPr>
-              <a:t>Segmented Time Series</a:t>
-            </a:r>
+              <a:t>RMSE &amp; MAPE</a:t>
+            </a:r>
+            <a:endParaRPr lang="en-IN" dirty="0">
+              <a:solidFill>
+                <a:schemeClr val="tx2">
+                  <a:lumMod val="60000"/>
+                  <a:lumOff val="40000"/>
+                </a:schemeClr>
+              </a:solidFill>
+              <a:latin typeface="Patua One" pitchFamily="2" charset="0"/>
+            </a:endParaRPr>
           </a:p>
         </p:txBody>
       </p:sp>
@@ -9529,7 +10164,7 @@
           <p:cNvPr id="37" name="TextBox 36">
             <a:extLst>
               <a:ext uri="{FF2B5EF4-FFF2-40B4-BE49-F238E27FC236}">
-                <a16:creationId xmlns:a16="http://schemas.microsoft.com/office/drawing/2014/main" id="{E8CAC22F-1542-4031-BC6C-A16989886504}"/>
+                <a16:creationId xmlns="" xmlns:a16="http://schemas.microsoft.com/office/drawing/2014/main" id="{E8CAC22F-1542-4031-BC6C-A16989886504}"/>
               </a:ext>
             </a:extLst>
           </p:cNvPr>
@@ -9582,7 +10217,7 @@
           <p:cNvPr id="40" name="Picture 39">
             <a:extLst>
               <a:ext uri="{FF2B5EF4-FFF2-40B4-BE49-F238E27FC236}">
-                <a16:creationId xmlns:a16="http://schemas.microsoft.com/office/drawing/2014/main" id="{DA60E6FB-8C44-4FEB-B6E9-83DA908565CD}"/>
+                <a16:creationId xmlns="" xmlns:a16="http://schemas.microsoft.com/office/drawing/2014/main" id="{DA60E6FB-8C44-4FEB-B6E9-83DA908565CD}"/>
               </a:ext>
             </a:extLst>
           </p:cNvPr>
@@ -9618,7 +10253,7 @@
           <p:cNvPr id="41" name="Straight Connector 40">
             <a:extLst>
               <a:ext uri="{FF2B5EF4-FFF2-40B4-BE49-F238E27FC236}">
-                <a16:creationId xmlns:a16="http://schemas.microsoft.com/office/drawing/2014/main" id="{3B3B7D73-CAE9-45AC-ACCE-FAEF4E505C7A}"/>
+                <a16:creationId xmlns="" xmlns:a16="http://schemas.microsoft.com/office/drawing/2014/main" id="{3B3B7D73-CAE9-45AC-ACCE-FAEF4E505C7A}"/>
               </a:ext>
             </a:extLst>
           </p:cNvPr>
@@ -9651,10 +10286,492 @@
       </p:cxnSp>
       <p:sp>
         <p:nvSpPr>
+          <p:cNvPr id="6" name="Content Placeholder 3">
+            <a:extLst>
+              <a:ext uri="{FF2B5EF4-FFF2-40B4-BE49-F238E27FC236}">
+                <a16:creationId xmlns:a16="http://schemas.microsoft.com/office/drawing/2014/main" xmlns="" id="{9596F4A2-567E-4A2C-A543-E303D822C70E}"/>
+              </a:ext>
+            </a:extLst>
+          </p:cNvPr>
+          <p:cNvSpPr>
+            <a:spLocks noGrp="1"/>
+          </p:cNvSpPr>
+          <p:nvPr>
+            <p:ph sz="quarter" idx="13"/>
+          </p:nvPr>
+        </p:nvSpPr>
+        <p:spPr>
+          <a:xfrm>
+            <a:off x="152400" y="881174"/>
+            <a:ext cx="10972800" cy="484187"/>
+          </a:xfrm>
+        </p:spPr>
+        <p:txBody>
+          <a:bodyPr/>
+          <a:lstStyle/>
+          <a:p>
+            <a:r>
+              <a:rPr lang="en-US" dirty="0"/>
+              <a:t>RMSD/RMSE – Root mean Square Residual (Error)</a:t>
+            </a:r>
+          </a:p>
+        </p:txBody>
+      </p:sp>
+      <p:sp>
+        <p:nvSpPr>
+          <p:cNvPr id="7" name="TextBox 6">
+            <a:extLst>
+              <a:ext uri="{FF2B5EF4-FFF2-40B4-BE49-F238E27FC236}">
+                <a16:creationId xmlns:a16="http://schemas.microsoft.com/office/drawing/2014/main" xmlns="" id="{3A92E90A-4DAB-43CA-8E8D-3BFE0C237B20}"/>
+              </a:ext>
+            </a:extLst>
+          </p:cNvPr>
+          <p:cNvSpPr txBox="1"/>
+          <p:nvPr/>
+        </p:nvSpPr>
+        <p:spPr>
+          <a:xfrm>
+            <a:off x="192402" y="3470841"/>
+            <a:ext cx="11807195" cy="923330"/>
+          </a:xfrm>
+          <a:prstGeom prst="rect">
+            <a:avLst/>
+          </a:prstGeom>
+          <a:noFill/>
+        </p:spPr>
+        <p:txBody>
+          <a:bodyPr wrap="square" rtlCol="0">
+            <a:spAutoFit/>
+          </a:bodyPr>
+          <a:lstStyle/>
+          <a:p>
+            <a:r>
+              <a:rPr lang="en-US" dirty="0"/>
+              <a:t>The value of RMSE can range between 0 to infinite which is difficult to be interpreted by the business, in order to make our business user understand the power of our model, we relies on a % based measure. This is called MAPE (Meal Absolute Percentage Error)</a:t>
+            </a:r>
+          </a:p>
+        </p:txBody>
+      </p:sp>
+    </p:spTree>
+    <p:extLst>
+      <p:ext uri="{BB962C8B-B14F-4D97-AF65-F5344CB8AC3E}">
+        <p14:creationId xmlns:p14="http://schemas.microsoft.com/office/powerpoint/2010/main" val="307401470"/>
+      </p:ext>
+    </p:extLst>
+  </p:cSld>
+  <p:clrMapOvr>
+    <a:masterClrMapping/>
+  </p:clrMapOvr>
+  <p:transition spd="slow">
+    <p:push dir="u"/>
+  </p:transition>
+</p:sld>
+</file>
+
+<file path=ppt/slides/slide5.xml><?xml version="1.0" encoding="utf-8"?>
+<p:sld xmlns:a="http://schemas.openxmlformats.org/drawingml/2006/main" xmlns:r="http://schemas.openxmlformats.org/officeDocument/2006/relationships" xmlns:p="http://schemas.openxmlformats.org/presentationml/2006/main">
+  <p:cSld>
+    <p:spTree>
+      <p:nvGrpSpPr>
+        <p:cNvPr id="1" name=""/>
+        <p:cNvGrpSpPr/>
+        <p:nvPr/>
+      </p:nvGrpSpPr>
+      <p:grpSpPr>
+        <a:xfrm>
+          <a:off x="0" y="0"/>
+          <a:ext cx="0" cy="0"/>
+          <a:chOff x="0" y="0"/>
+          <a:chExt cx="0" cy="0"/>
+        </a:xfrm>
+      </p:grpSpPr>
+      <p:sp>
+        <p:nvSpPr>
+          <p:cNvPr id="11" name="Title 10"/>
+          <p:cNvSpPr>
+            <a:spLocks noGrp="1"/>
+          </p:cNvSpPr>
+          <p:nvPr>
+            <p:ph type="title"/>
+          </p:nvPr>
+        </p:nvSpPr>
+        <p:spPr>
+          <a:xfrm>
+            <a:off x="-20279" y="41354"/>
+            <a:ext cx="10969943" cy="711081"/>
+          </a:xfrm>
+        </p:spPr>
+        <p:txBody>
+          <a:bodyPr>
+            <a:noAutofit/>
+          </a:bodyPr>
+          <a:lstStyle/>
+          <a:p>
+            <a:r>
+              <a:rPr lang="en-IN" dirty="0">
+                <a:solidFill>
+                  <a:schemeClr val="tx2">
+                    <a:lumMod val="60000"/>
+                    <a:lumOff val="40000"/>
+                  </a:schemeClr>
+                </a:solidFill>
+                <a:latin typeface="Patua One" pitchFamily="2" charset="0"/>
+              </a:rPr>
+              <a:t>Regression Scenario</a:t>
+            </a:r>
+          </a:p>
+        </p:txBody>
+      </p:sp>
+      <p:sp>
+        <p:nvSpPr>
+          <p:cNvPr id="37" name="TextBox 36">
+            <a:extLst>
+              <a:ext uri="{FF2B5EF4-FFF2-40B4-BE49-F238E27FC236}">
+                <a16:creationId xmlns="" xmlns:a16="http://schemas.microsoft.com/office/drawing/2014/main" id="{E8CAC22F-1542-4031-BC6C-A16989886504}"/>
+              </a:ext>
+            </a:extLst>
+          </p:cNvPr>
+          <p:cNvSpPr txBox="1"/>
+          <p:nvPr/>
+        </p:nvSpPr>
+        <p:spPr>
+          <a:xfrm>
+            <a:off x="4943872" y="6550224"/>
+            <a:ext cx="3456384" cy="307777"/>
+          </a:xfrm>
+          <a:prstGeom prst="rect">
+            <a:avLst/>
+          </a:prstGeom>
+          <a:noFill/>
+        </p:spPr>
+        <p:txBody>
+          <a:bodyPr wrap="square" rtlCol="0">
+            <a:spAutoFit/>
+          </a:bodyPr>
+          <a:lstStyle/>
+          <a:p>
+            <a:pPr defTabSz="1218987">
+              <a:defRPr/>
+            </a:pPr>
+            <a:r>
+              <a:rPr lang="en-US" sz="1400" b="1" dirty="0">
+                <a:solidFill>
+                  <a:prstClr val="black"/>
+                </a:solidFill>
+                <a:latin typeface="Arial Rounded MT Bold" panose="020F0704030504030204" pitchFamily="34" charset="0"/>
+                <a:ea typeface="Arial Unicode MS" panose="020B0604020202020204" pitchFamily="34" charset="-128"/>
+                <a:cs typeface="Arial Unicode MS" panose="020B0604020202020204" pitchFamily="34" charset="-128"/>
+              </a:rPr>
+              <a:t>www.anubhavtrainings.com</a:t>
+            </a:r>
+            <a:endParaRPr lang="en-IN" sz="1400" b="1" dirty="0">
+              <a:solidFill>
+                <a:prstClr val="black"/>
+              </a:solidFill>
+              <a:latin typeface="Arial Rounded MT Bold" panose="020F0704030504030204" pitchFamily="34" charset="0"/>
+              <a:ea typeface="Arial Unicode MS" panose="020B0604020202020204" pitchFamily="34" charset="-128"/>
+              <a:cs typeface="Arial Unicode MS" panose="020B0604020202020204" pitchFamily="34" charset="-128"/>
+            </a:endParaRPr>
+          </a:p>
+        </p:txBody>
+      </p:sp>
+      <p:pic>
+        <p:nvPicPr>
+          <p:cNvPr id="40" name="Picture 39">
+            <a:extLst>
+              <a:ext uri="{FF2B5EF4-FFF2-40B4-BE49-F238E27FC236}">
+                <a16:creationId xmlns="" xmlns:a16="http://schemas.microsoft.com/office/drawing/2014/main" id="{DA60E6FB-8C44-4FEB-B6E9-83DA908565CD}"/>
+              </a:ext>
+            </a:extLst>
+          </p:cNvPr>
+          <p:cNvPicPr>
+            <a:picLocks noChangeAspect="1"/>
+          </p:cNvPicPr>
+          <p:nvPr/>
+        </p:nvPicPr>
+        <p:blipFill>
+          <a:blip r:embed="rId2">
+            <a:extLst>
+              <a:ext uri="{28A0092B-C50C-407E-A947-70E740481C1C}">
+                <a14:useLocalDpi xmlns:a14="http://schemas.microsoft.com/office/drawing/2010/main" val="0"/>
+              </a:ext>
+            </a:extLst>
+          </a:blip>
+          <a:stretch>
+            <a:fillRect/>
+          </a:stretch>
+        </p:blipFill>
+        <p:spPr>
+          <a:xfrm>
+            <a:off x="9624393" y="106009"/>
+            <a:ext cx="2335203" cy="762895"/>
+          </a:xfrm>
+          <a:prstGeom prst="rect">
+            <a:avLst/>
+          </a:prstGeom>
+        </p:spPr>
+      </p:pic>
+      <p:cxnSp>
+        <p:nvCxnSpPr>
+          <p:cNvPr id="41" name="Straight Connector 40">
+            <a:extLst>
+              <a:ext uri="{FF2B5EF4-FFF2-40B4-BE49-F238E27FC236}">
+                <a16:creationId xmlns="" xmlns:a16="http://schemas.microsoft.com/office/drawing/2014/main" id="{3B3B7D73-CAE9-45AC-ACCE-FAEF4E505C7A}"/>
+              </a:ext>
+            </a:extLst>
+          </p:cNvPr>
+          <p:cNvCxnSpPr/>
+          <p:nvPr/>
+        </p:nvCxnSpPr>
+        <p:spPr>
+          <a:xfrm>
+            <a:off x="1588" y="764704"/>
+            <a:ext cx="6479584" cy="0"/>
+          </a:xfrm>
+          <a:prstGeom prst="line">
+            <a:avLst/>
+          </a:prstGeom>
+        </p:spPr>
+        <p:style>
+          <a:lnRef idx="2">
+            <a:schemeClr val="accent6"/>
+          </a:lnRef>
+          <a:fillRef idx="0">
+            <a:schemeClr val="accent6"/>
+          </a:fillRef>
+          <a:effectRef idx="1">
+            <a:schemeClr val="accent6"/>
+          </a:effectRef>
+          <a:fontRef idx="minor">
+            <a:schemeClr val="tx1"/>
+          </a:fontRef>
+        </p:style>
+      </p:cxnSp>
+      <p:pic>
+        <p:nvPicPr>
+          <p:cNvPr id="2" name="Picture 1"/>
+          <p:cNvPicPr>
+            <a:picLocks noChangeAspect="1"/>
+          </p:cNvPicPr>
+          <p:nvPr/>
+        </p:nvPicPr>
+        <p:blipFill>
+          <a:blip r:embed="rId3"/>
+          <a:stretch>
+            <a:fillRect/>
+          </a:stretch>
+        </p:blipFill>
+        <p:spPr>
+          <a:xfrm>
+            <a:off x="1764781" y="1130254"/>
+            <a:ext cx="7399822" cy="5242678"/>
+          </a:xfrm>
+          <a:prstGeom prst="rect">
+            <a:avLst/>
+          </a:prstGeom>
+        </p:spPr>
+      </p:pic>
+    </p:spTree>
+    <p:extLst>
+      <p:ext uri="{BB962C8B-B14F-4D97-AF65-F5344CB8AC3E}">
+        <p14:creationId xmlns:p14="http://schemas.microsoft.com/office/powerpoint/2010/main" val="3346383638"/>
+      </p:ext>
+    </p:extLst>
+  </p:cSld>
+  <p:clrMapOvr>
+    <a:masterClrMapping/>
+  </p:clrMapOvr>
+  <p:transition spd="slow">
+    <p:push dir="u"/>
+  </p:transition>
+</p:sld>
+</file>
+
+<file path=ppt/slides/slide6.xml><?xml version="1.0" encoding="utf-8"?>
+<p:sld xmlns:a="http://schemas.openxmlformats.org/drawingml/2006/main" xmlns:r="http://schemas.openxmlformats.org/officeDocument/2006/relationships" xmlns:p="http://schemas.openxmlformats.org/presentationml/2006/main">
+  <p:cSld>
+    <p:spTree>
+      <p:nvGrpSpPr>
+        <p:cNvPr id="1" name=""/>
+        <p:cNvGrpSpPr/>
+        <p:nvPr/>
+      </p:nvGrpSpPr>
+      <p:grpSpPr>
+        <a:xfrm>
+          <a:off x="0" y="0"/>
+          <a:ext cx="0" cy="0"/>
+          <a:chOff x="0" y="0"/>
+          <a:chExt cx="0" cy="0"/>
+        </a:xfrm>
+      </p:grpSpPr>
+      <p:sp>
+        <p:nvSpPr>
+          <p:cNvPr id="11" name="Title 10"/>
+          <p:cNvSpPr>
+            <a:spLocks noGrp="1"/>
+          </p:cNvSpPr>
+          <p:nvPr>
+            <p:ph type="title"/>
+          </p:nvPr>
+        </p:nvSpPr>
+        <p:spPr>
+          <a:xfrm>
+            <a:off x="-20279" y="41354"/>
+            <a:ext cx="10969943" cy="711081"/>
+          </a:xfrm>
+        </p:spPr>
+        <p:txBody>
+          <a:bodyPr>
+            <a:noAutofit/>
+          </a:bodyPr>
+          <a:lstStyle/>
+          <a:p>
+            <a:r>
+              <a:rPr lang="en-IN" dirty="0">
+                <a:solidFill>
+                  <a:schemeClr val="tx2">
+                    <a:lumMod val="60000"/>
+                    <a:lumOff val="40000"/>
+                  </a:schemeClr>
+                </a:solidFill>
+                <a:latin typeface="Patua One" pitchFamily="2" charset="0"/>
+              </a:rPr>
+              <a:t>Segmented Time Series</a:t>
+            </a:r>
+          </a:p>
+        </p:txBody>
+      </p:sp>
+      <p:sp>
+        <p:nvSpPr>
+          <p:cNvPr id="37" name="TextBox 36">
+            <a:extLst>
+              <a:ext uri="{FF2B5EF4-FFF2-40B4-BE49-F238E27FC236}">
+                <a16:creationId xmlns="" xmlns:a16="http://schemas.microsoft.com/office/drawing/2014/main" id="{E8CAC22F-1542-4031-BC6C-A16989886504}"/>
+              </a:ext>
+            </a:extLst>
+          </p:cNvPr>
+          <p:cNvSpPr txBox="1"/>
+          <p:nvPr/>
+        </p:nvSpPr>
+        <p:spPr>
+          <a:xfrm>
+            <a:off x="4943872" y="6550224"/>
+            <a:ext cx="3456384" cy="307777"/>
+          </a:xfrm>
+          <a:prstGeom prst="rect">
+            <a:avLst/>
+          </a:prstGeom>
+          <a:noFill/>
+        </p:spPr>
+        <p:txBody>
+          <a:bodyPr wrap="square" rtlCol="0">
+            <a:spAutoFit/>
+          </a:bodyPr>
+          <a:lstStyle/>
+          <a:p>
+            <a:pPr defTabSz="1218987">
+              <a:defRPr/>
+            </a:pPr>
+            <a:r>
+              <a:rPr lang="en-US" sz="1400" b="1" dirty="0">
+                <a:solidFill>
+                  <a:prstClr val="black"/>
+                </a:solidFill>
+                <a:latin typeface="Arial Rounded MT Bold" panose="020F0704030504030204" pitchFamily="34" charset="0"/>
+                <a:ea typeface="Arial Unicode MS" panose="020B0604020202020204" pitchFamily="34" charset="-128"/>
+                <a:cs typeface="Arial Unicode MS" panose="020B0604020202020204" pitchFamily="34" charset="-128"/>
+              </a:rPr>
+              <a:t>www.anubhavtrainings.com</a:t>
+            </a:r>
+            <a:endParaRPr lang="en-IN" sz="1400" b="1" dirty="0">
+              <a:solidFill>
+                <a:prstClr val="black"/>
+              </a:solidFill>
+              <a:latin typeface="Arial Rounded MT Bold" panose="020F0704030504030204" pitchFamily="34" charset="0"/>
+              <a:ea typeface="Arial Unicode MS" panose="020B0604020202020204" pitchFamily="34" charset="-128"/>
+              <a:cs typeface="Arial Unicode MS" panose="020B0604020202020204" pitchFamily="34" charset="-128"/>
+            </a:endParaRPr>
+          </a:p>
+        </p:txBody>
+      </p:sp>
+      <p:pic>
+        <p:nvPicPr>
+          <p:cNvPr id="40" name="Picture 39">
+            <a:extLst>
+              <a:ext uri="{FF2B5EF4-FFF2-40B4-BE49-F238E27FC236}">
+                <a16:creationId xmlns="" xmlns:a16="http://schemas.microsoft.com/office/drawing/2014/main" id="{DA60E6FB-8C44-4FEB-B6E9-83DA908565CD}"/>
+              </a:ext>
+            </a:extLst>
+          </p:cNvPr>
+          <p:cNvPicPr>
+            <a:picLocks noChangeAspect="1"/>
+          </p:cNvPicPr>
+          <p:nvPr/>
+        </p:nvPicPr>
+        <p:blipFill>
+          <a:blip r:embed="rId2">
+            <a:extLst>
+              <a:ext uri="{28A0092B-C50C-407E-A947-70E740481C1C}">
+                <a14:useLocalDpi xmlns:a14="http://schemas.microsoft.com/office/drawing/2010/main" val="0"/>
+              </a:ext>
+            </a:extLst>
+          </a:blip>
+          <a:stretch>
+            <a:fillRect/>
+          </a:stretch>
+        </p:blipFill>
+        <p:spPr>
+          <a:xfrm>
+            <a:off x="9624393" y="106009"/>
+            <a:ext cx="2335203" cy="762895"/>
+          </a:xfrm>
+          <a:prstGeom prst="rect">
+            <a:avLst/>
+          </a:prstGeom>
+        </p:spPr>
+      </p:pic>
+      <p:cxnSp>
+        <p:nvCxnSpPr>
+          <p:cNvPr id="41" name="Straight Connector 40">
+            <a:extLst>
+              <a:ext uri="{FF2B5EF4-FFF2-40B4-BE49-F238E27FC236}">
+                <a16:creationId xmlns="" xmlns:a16="http://schemas.microsoft.com/office/drawing/2014/main" id="{3B3B7D73-CAE9-45AC-ACCE-FAEF4E505C7A}"/>
+              </a:ext>
+            </a:extLst>
+          </p:cNvPr>
+          <p:cNvCxnSpPr/>
+          <p:nvPr/>
+        </p:nvCxnSpPr>
+        <p:spPr>
+          <a:xfrm>
+            <a:off x="1588" y="764704"/>
+            <a:ext cx="6479584" cy="0"/>
+          </a:xfrm>
+          <a:prstGeom prst="line">
+            <a:avLst/>
+          </a:prstGeom>
+        </p:spPr>
+        <p:style>
+          <a:lnRef idx="2">
+            <a:schemeClr val="accent6"/>
+          </a:lnRef>
+          <a:fillRef idx="0">
+            <a:schemeClr val="accent6"/>
+          </a:fillRef>
+          <a:effectRef idx="1">
+            <a:schemeClr val="accent6"/>
+          </a:effectRef>
+          <a:fontRef idx="minor">
+            <a:schemeClr val="tx1"/>
+          </a:fontRef>
+        </p:style>
+      </p:cxnSp>
+      <p:sp>
+        <p:nvSpPr>
           <p:cNvPr id="4" name="Content Placeholder 3">
             <a:extLst>
               <a:ext uri="{FF2B5EF4-FFF2-40B4-BE49-F238E27FC236}">
-                <a16:creationId xmlns:a16="http://schemas.microsoft.com/office/drawing/2014/main" id="{CBEDC674-543C-4D80-800A-9884F43347D6}"/>
+                <a16:creationId xmlns="" xmlns:a16="http://schemas.microsoft.com/office/drawing/2014/main" id="{CBEDC674-543C-4D80-800A-9884F43347D6}"/>
               </a:ext>
             </a:extLst>
           </p:cNvPr>
@@ -9714,7 +10831,7 @@
           <p:cNvPr id="2" name="Rectangle 1">
             <a:extLst>
               <a:ext uri="{FF2B5EF4-FFF2-40B4-BE49-F238E27FC236}">
-                <a16:creationId xmlns:a16="http://schemas.microsoft.com/office/drawing/2014/main" id="{037C36F8-BD94-4AF7-B045-22902851CE18}"/>
+                <a16:creationId xmlns="" xmlns:a16="http://schemas.microsoft.com/office/drawing/2014/main" id="{037C36F8-BD94-4AF7-B045-22902851CE18}"/>
               </a:ext>
             </a:extLst>
           </p:cNvPr>
@@ -9760,7 +10877,7 @@
           <p:cNvPr id="5" name="Straight Arrow Connector 4">
             <a:extLst>
               <a:ext uri="{FF2B5EF4-FFF2-40B4-BE49-F238E27FC236}">
-                <a16:creationId xmlns:a16="http://schemas.microsoft.com/office/drawing/2014/main" id="{4CD5F51D-CFE9-407C-A5BD-9F241F269190}"/>
+                <a16:creationId xmlns="" xmlns:a16="http://schemas.microsoft.com/office/drawing/2014/main" id="{4CD5F51D-CFE9-407C-A5BD-9F241F269190}"/>
               </a:ext>
             </a:extLst>
           </p:cNvPr>
@@ -9799,7 +10916,7 @@
           <p:cNvPr id="6" name="Rectangle 5">
             <a:extLst>
               <a:ext uri="{FF2B5EF4-FFF2-40B4-BE49-F238E27FC236}">
-                <a16:creationId xmlns:a16="http://schemas.microsoft.com/office/drawing/2014/main" id="{C0A56AD8-D4C4-44F2-BC7E-647E390D7D61}"/>
+                <a16:creationId xmlns="" xmlns:a16="http://schemas.microsoft.com/office/drawing/2014/main" id="{C0A56AD8-D4C4-44F2-BC7E-647E390D7D61}"/>
               </a:ext>
             </a:extLst>
           </p:cNvPr>
@@ -9848,7 +10965,7 @@
           <p:cNvPr id="7" name="Rectangle 6">
             <a:extLst>
               <a:ext uri="{FF2B5EF4-FFF2-40B4-BE49-F238E27FC236}">
-                <a16:creationId xmlns:a16="http://schemas.microsoft.com/office/drawing/2014/main" id="{B2483A8E-B645-449B-9D3A-FC709053DBCF}"/>
+                <a16:creationId xmlns="" xmlns:a16="http://schemas.microsoft.com/office/drawing/2014/main" id="{B2483A8E-B645-449B-9D3A-FC709053DBCF}"/>
               </a:ext>
             </a:extLst>
           </p:cNvPr>
@@ -9897,7 +11014,7 @@
           <p:cNvPr id="13" name="Straight Arrow Connector 12">
             <a:extLst>
               <a:ext uri="{FF2B5EF4-FFF2-40B4-BE49-F238E27FC236}">
-                <a16:creationId xmlns:a16="http://schemas.microsoft.com/office/drawing/2014/main" id="{323D7B94-52FA-48EA-AC6B-95BAE93D31CD}"/>
+                <a16:creationId xmlns="" xmlns:a16="http://schemas.microsoft.com/office/drawing/2014/main" id="{323D7B94-52FA-48EA-AC6B-95BAE93D31CD}"/>
               </a:ext>
             </a:extLst>
           </p:cNvPr>
@@ -9934,63 +11051,12 @@
           </a:fontRef>
         </p:style>
       </p:cxnSp>
-      <mc:AlternateContent xmlns:mc="http://schemas.openxmlformats.org/markup-compatibility/2006">
-        <mc:Choice xmlns:p14="http://schemas.microsoft.com/office/powerpoint/2010/main" Requires="p14">
-          <p:contentPart p14:bwMode="auto" r:id="rId3">
-            <p14:nvContentPartPr>
-              <p14:cNvPr id="34" name="Ink 33">
-                <a:extLst>
-                  <a:ext uri="{FF2B5EF4-FFF2-40B4-BE49-F238E27FC236}">
-                    <a16:creationId xmlns:a16="http://schemas.microsoft.com/office/drawing/2014/main" id="{51741202-C1FB-4DFC-BB9D-CD446A364C42}"/>
-                  </a:ext>
-                </a:extLst>
-              </p14:cNvPr>
-              <p14:cNvContentPartPr/>
-              <p14:nvPr/>
-            </p14:nvContentPartPr>
-            <p14:xfrm>
-              <a:off x="4784313" y="4834883"/>
-              <a:ext cx="2620800" cy="982440"/>
-            </p14:xfrm>
-          </p:contentPart>
-        </mc:Choice>
-        <mc:Fallback>
-          <p:pic>
-            <p:nvPicPr>
-              <p:cNvPr id="34" name="Ink 33">
-                <a:extLst>
-                  <a:ext uri="{FF2B5EF4-FFF2-40B4-BE49-F238E27FC236}">
-                    <a16:creationId xmlns:a16="http://schemas.microsoft.com/office/drawing/2014/main" id="{51741202-C1FB-4DFC-BB9D-CD446A364C42}"/>
-                  </a:ext>
-                </a:extLst>
-              </p:cNvPr>
-              <p:cNvPicPr/>
-              <p:nvPr/>
-            </p:nvPicPr>
-            <p:blipFill>
-              <a:blip r:embed="rId4"/>
-              <a:stretch>
-                <a:fillRect/>
-              </a:stretch>
-            </p:blipFill>
-            <p:spPr>
-              <a:xfrm>
-                <a:off x="4775313" y="4825880"/>
-                <a:ext cx="2638440" cy="1000086"/>
-              </a:xfrm>
-              <a:prstGeom prst="rect">
-                <a:avLst/>
-              </a:prstGeom>
-            </p:spPr>
-          </p:pic>
-        </mc:Fallback>
-      </mc:AlternateContent>
       <p:cxnSp>
         <p:nvCxnSpPr>
           <p:cNvPr id="36" name="Straight Arrow Connector 35">
             <a:extLst>
               <a:ext uri="{FF2B5EF4-FFF2-40B4-BE49-F238E27FC236}">
-                <a16:creationId xmlns:a16="http://schemas.microsoft.com/office/drawing/2014/main" id="{3CDDCFF6-C654-48A2-80F1-E5E444D59F54}"/>
+                <a16:creationId xmlns="" xmlns:a16="http://schemas.microsoft.com/office/drawing/2014/main" id="{3CDDCFF6-C654-48A2-80F1-E5E444D59F54}"/>
               </a:ext>
             </a:extLst>
           </p:cNvPr>
@@ -10031,7 +11097,7 @@
           <p:cNvPr id="38" name="Rectangle 37">
             <a:extLst>
               <a:ext uri="{FF2B5EF4-FFF2-40B4-BE49-F238E27FC236}">
-                <a16:creationId xmlns:a16="http://schemas.microsoft.com/office/drawing/2014/main" id="{C8E36453-D393-4D03-BECE-C3CA294B8AD2}"/>
+                <a16:creationId xmlns="" xmlns:a16="http://schemas.microsoft.com/office/drawing/2014/main" id="{C8E36453-D393-4D03-BECE-C3CA294B8AD2}"/>
               </a:ext>
             </a:extLst>
           </p:cNvPr>
@@ -10080,7 +11146,7 @@
           <p:cNvPr id="43" name="Straight Arrow Connector 42">
             <a:extLst>
               <a:ext uri="{FF2B5EF4-FFF2-40B4-BE49-F238E27FC236}">
-                <a16:creationId xmlns:a16="http://schemas.microsoft.com/office/drawing/2014/main" id="{2DA78E7E-6A5C-4634-AF75-894AB016D2DA}"/>
+                <a16:creationId xmlns="" xmlns:a16="http://schemas.microsoft.com/office/drawing/2014/main" id="{2DA78E7E-6A5C-4634-AF75-894AB016D2DA}"/>
               </a:ext>
             </a:extLst>
           </p:cNvPr>
@@ -10132,7 +11198,7 @@
 </p:sld>
 </file>
 
-<file path=ppt/slides/slide5.xml><?xml version="1.0" encoding="utf-8"?>
+<file path=ppt/slides/slide7.xml><?xml version="1.0" encoding="utf-8"?>
 <p:sld xmlns:a="http://schemas.openxmlformats.org/drawingml/2006/main" xmlns:r="http://schemas.openxmlformats.org/officeDocument/2006/relationships" xmlns:p="http://schemas.openxmlformats.org/presentationml/2006/main">
   <p:cSld>
     <p:spTree>
@@ -10191,7 +11257,7 @@
           <p:cNvPr id="37" name="TextBox 36">
             <a:extLst>
               <a:ext uri="{FF2B5EF4-FFF2-40B4-BE49-F238E27FC236}">
-                <a16:creationId xmlns:a16="http://schemas.microsoft.com/office/drawing/2014/main" id="{E8CAC22F-1542-4031-BC6C-A16989886504}"/>
+                <a16:creationId xmlns="" xmlns:a16="http://schemas.microsoft.com/office/drawing/2014/main" id="{E8CAC22F-1542-4031-BC6C-A16989886504}"/>
               </a:ext>
             </a:extLst>
           </p:cNvPr>
@@ -10244,7 +11310,7 @@
           <p:cNvPr id="40" name="Picture 39">
             <a:extLst>
               <a:ext uri="{FF2B5EF4-FFF2-40B4-BE49-F238E27FC236}">
-                <a16:creationId xmlns:a16="http://schemas.microsoft.com/office/drawing/2014/main" id="{DA60E6FB-8C44-4FEB-B6E9-83DA908565CD}"/>
+                <a16:creationId xmlns="" xmlns:a16="http://schemas.microsoft.com/office/drawing/2014/main" id="{DA60E6FB-8C44-4FEB-B6E9-83DA908565CD}"/>
               </a:ext>
             </a:extLst>
           </p:cNvPr>
@@ -10280,7 +11346,7 @@
           <p:cNvPr id="41" name="Straight Connector 40">
             <a:extLst>
               <a:ext uri="{FF2B5EF4-FFF2-40B4-BE49-F238E27FC236}">
-                <a16:creationId xmlns:a16="http://schemas.microsoft.com/office/drawing/2014/main" id="{3B3B7D73-CAE9-45AC-ACCE-FAEF4E505C7A}"/>
+                <a16:creationId xmlns="" xmlns:a16="http://schemas.microsoft.com/office/drawing/2014/main" id="{3B3B7D73-CAE9-45AC-ACCE-FAEF4E505C7A}"/>
               </a:ext>
             </a:extLst>
           </p:cNvPr>
@@ -10316,7 +11382,7 @@
           <p:cNvPr id="7" name="TextBox 6">
             <a:extLst>
               <a:ext uri="{FF2B5EF4-FFF2-40B4-BE49-F238E27FC236}">
-                <a16:creationId xmlns:a16="http://schemas.microsoft.com/office/drawing/2014/main" id="{8F13B9DB-B6C9-4C0D-95D8-6D1E04BB64DB}"/>
+                <a16:creationId xmlns="" xmlns:a16="http://schemas.microsoft.com/office/drawing/2014/main" id="{8F13B9DB-B6C9-4C0D-95D8-6D1E04BB64DB}"/>
               </a:ext>
             </a:extLst>
           </p:cNvPr>
@@ -10351,7 +11417,7 @@
           <p:cNvPr id="2" name="TextBox 1">
             <a:extLst>
               <a:ext uri="{FF2B5EF4-FFF2-40B4-BE49-F238E27FC236}">
-                <a16:creationId xmlns:a16="http://schemas.microsoft.com/office/drawing/2014/main" id="{EB9D4EE7-D3FD-45F4-96B6-92DEBAFDFD2B}"/>
+                <a16:creationId xmlns="" xmlns:a16="http://schemas.microsoft.com/office/drawing/2014/main" id="{EB9D4EE7-D3FD-45F4-96B6-92DEBAFDFD2B}"/>
               </a:ext>
             </a:extLst>
           </p:cNvPr>
@@ -10391,12 +11457,12 @@
               <a:t>Create a new model – Simple Story – As of now </a:t>
             </a:r>
             <a:r>
-              <a:rPr lang="en-US" dirty="0" err="1"/>
-              <a:t>whats</a:t>
+              <a:rPr lang="en-US" dirty="0" smtClean="0"/>
+              <a:t>what's </a:t>
             </a:r>
             <a:r>
               <a:rPr lang="en-US" dirty="0"/>
-              <a:t> the state</a:t>
+              <a:t>the state</a:t>
             </a:r>
           </a:p>
           <a:p>
@@ -10474,200 +11540,6 @@
   <p:transition spd="slow">
     <p:push dir="u"/>
   </p:transition>
-</p:sld>
-</file>
-
-<file path=ppt/slides/slide6.xml><?xml version="1.0" encoding="utf-8"?>
-<p:sld xmlns:a="http://schemas.openxmlformats.org/drawingml/2006/main" xmlns:r="http://schemas.openxmlformats.org/officeDocument/2006/relationships" xmlns:p="http://schemas.openxmlformats.org/presentationml/2006/main">
-  <p:cSld>
-    <p:spTree>
-      <p:nvGrpSpPr>
-        <p:cNvPr id="1" name=""/>
-        <p:cNvGrpSpPr/>
-        <p:nvPr/>
-      </p:nvGrpSpPr>
-      <p:grpSpPr>
-        <a:xfrm>
-          <a:off x="0" y="0"/>
-          <a:ext cx="0" cy="0"/>
-          <a:chOff x="0" y="0"/>
-          <a:chExt cx="0" cy="0"/>
-        </a:xfrm>
-      </p:grpSpPr>
-      <p:sp>
-        <p:nvSpPr>
-          <p:cNvPr id="2" name="Title 3">
-            <a:extLst>
-              <a:ext uri="{FF2B5EF4-FFF2-40B4-BE49-F238E27FC236}">
-                <a16:creationId xmlns:a16="http://schemas.microsoft.com/office/drawing/2014/main" id="{F07FC580-E2AB-4C55-8C95-D5E077A1D127}"/>
-              </a:ext>
-            </a:extLst>
-          </p:cNvPr>
-          <p:cNvSpPr txBox="1">
-            <a:spLocks/>
-          </p:cNvSpPr>
-          <p:nvPr/>
-        </p:nvSpPr>
-        <p:spPr>
-          <a:xfrm>
-            <a:off x="261764" y="188640"/>
-            <a:ext cx="11292008" cy="711081"/>
-          </a:xfrm>
-          <a:prstGeom prst="rect">
-            <a:avLst/>
-          </a:prstGeom>
-        </p:spPr>
-        <p:txBody>
-          <a:bodyPr/>
-          <a:lstStyle>
-            <a:lvl1pPr algn="l" defTabSz="914400" rtl="0" eaLnBrk="1" latinLnBrk="0" hangingPunct="1">
-              <a:lnSpc>
-                <a:spcPct val="90000"/>
-              </a:lnSpc>
-              <a:spcBef>
-                <a:spcPct val="0"/>
-              </a:spcBef>
-              <a:buNone/>
-              <a:defRPr sz="4400" kern="1200">
-                <a:solidFill>
-                  <a:schemeClr val="tx1"/>
-                </a:solidFill>
-                <a:latin typeface="+mj-lt"/>
-                <a:ea typeface="+mj-ea"/>
-                <a:cs typeface="+mj-cs"/>
-              </a:defRPr>
-            </a:lvl1pPr>
-          </a:lstStyle>
-          <a:p>
-            <a:endParaRPr lang="en-US" b="1" dirty="0"/>
-          </a:p>
-        </p:txBody>
-      </p:sp>
-      <p:sp>
-        <p:nvSpPr>
-          <p:cNvPr id="7" name="TextBox 6">
-            <a:extLst>
-              <a:ext uri="{FF2B5EF4-FFF2-40B4-BE49-F238E27FC236}">
-                <a16:creationId xmlns:a16="http://schemas.microsoft.com/office/drawing/2014/main" id="{17EB74BE-8011-4153-8F37-3BEF9C1F4CC0}"/>
-              </a:ext>
-            </a:extLst>
-          </p:cNvPr>
-          <p:cNvSpPr txBox="1"/>
-          <p:nvPr/>
-        </p:nvSpPr>
-        <p:spPr>
-          <a:xfrm>
-            <a:off x="3512128" y="2507734"/>
-            <a:ext cx="6174508" cy="1323439"/>
-          </a:xfrm>
-          <a:prstGeom prst="rect">
-            <a:avLst/>
-          </a:prstGeom>
-          <a:noFill/>
-        </p:spPr>
-        <p:txBody>
-          <a:bodyPr wrap="square">
-            <a:spAutoFit/>
-          </a:bodyPr>
-          <a:lstStyle/>
-          <a:p>
-            <a:r>
-              <a:rPr lang="en-US" sz="8000" b="1" dirty="0"/>
-              <a:t>End of Day 9</a:t>
-            </a:r>
-          </a:p>
-        </p:txBody>
-      </p:sp>
-    </p:spTree>
-    <p:extLst>
-      <p:ext uri="{BB962C8B-B14F-4D97-AF65-F5344CB8AC3E}">
-        <p14:creationId xmlns:p14="http://schemas.microsoft.com/office/powerpoint/2010/main" val="3867772902"/>
-      </p:ext>
-    </p:extLst>
-  </p:cSld>
-  <p:clrMapOvr>
-    <a:masterClrMapping/>
-  </p:clrMapOvr>
-</p:sld>
-</file>
-
-<file path=ppt/slides/slide7.xml><?xml version="1.0" encoding="utf-8"?>
-<p:sld xmlns:a="http://schemas.openxmlformats.org/drawingml/2006/main" xmlns:r="http://schemas.openxmlformats.org/officeDocument/2006/relationships" xmlns:p="http://schemas.openxmlformats.org/presentationml/2006/main">
-  <p:cSld>
-    <p:spTree>
-      <p:nvGrpSpPr>
-        <p:cNvPr id="1" name=""/>
-        <p:cNvGrpSpPr/>
-        <p:nvPr/>
-      </p:nvGrpSpPr>
-      <p:grpSpPr>
-        <a:xfrm>
-          <a:off x="0" y="0"/>
-          <a:ext cx="0" cy="0"/>
-          <a:chOff x="0" y="0"/>
-          <a:chExt cx="0" cy="0"/>
-        </a:xfrm>
-      </p:grpSpPr>
-      <p:sp>
-        <p:nvSpPr>
-          <p:cNvPr id="2" name="Title 1">
-            <a:extLst>
-              <a:ext uri="{FF2B5EF4-FFF2-40B4-BE49-F238E27FC236}">
-                <a16:creationId xmlns:a16="http://schemas.microsoft.com/office/drawing/2014/main" id="{29CB9E00-0397-4178-9E57-32DC82D3A8F7}"/>
-              </a:ext>
-            </a:extLst>
-          </p:cNvPr>
-          <p:cNvSpPr>
-            <a:spLocks noGrp="1"/>
-          </p:cNvSpPr>
-          <p:nvPr>
-            <p:ph type="title"/>
-          </p:nvPr>
-        </p:nvSpPr>
-        <p:spPr/>
-        <p:txBody>
-          <a:bodyPr/>
-          <a:lstStyle/>
-          <a:p>
-            <a:endParaRPr lang="en-US"/>
-          </a:p>
-        </p:txBody>
-      </p:sp>
-      <p:sp>
-        <p:nvSpPr>
-          <p:cNvPr id="3" name="Content Placeholder 2">
-            <a:extLst>
-              <a:ext uri="{FF2B5EF4-FFF2-40B4-BE49-F238E27FC236}">
-                <a16:creationId xmlns:a16="http://schemas.microsoft.com/office/drawing/2014/main" id="{73A078A5-4F35-4958-8384-CBBBD3DED2C3}"/>
-              </a:ext>
-            </a:extLst>
-          </p:cNvPr>
-          <p:cNvSpPr>
-            <a:spLocks noGrp="1"/>
-          </p:cNvSpPr>
-          <p:nvPr>
-            <p:ph sz="quarter" idx="13"/>
-          </p:nvPr>
-        </p:nvSpPr>
-        <p:spPr/>
-        <p:txBody>
-          <a:bodyPr/>
-          <a:lstStyle/>
-          <a:p>
-            <a:endParaRPr lang="en-US"/>
-          </a:p>
-        </p:txBody>
-      </p:sp>
-    </p:spTree>
-    <p:extLst>
-      <p:ext uri="{BB962C8B-B14F-4D97-AF65-F5344CB8AC3E}">
-        <p14:creationId xmlns:p14="http://schemas.microsoft.com/office/powerpoint/2010/main" val="3265325021"/>
-      </p:ext>
-    </p:extLst>
-  </p:cSld>
-  <p:clrMapOvr>
-    <a:masterClrMapping/>
-  </p:clrMapOvr>
 </p:sld>
 </file>
 
@@ -10688,21 +11560,135 @@
           <a:chExt cx="0" cy="0"/>
         </a:xfrm>
       </p:grpSpPr>
+      <p:sp>
+        <p:nvSpPr>
+          <p:cNvPr id="11" name="Title 10"/>
+          <p:cNvSpPr>
+            <a:spLocks noGrp="1"/>
+          </p:cNvSpPr>
+          <p:nvPr>
+            <p:ph type="title"/>
+          </p:nvPr>
+        </p:nvSpPr>
+        <p:spPr>
+          <a:xfrm>
+            <a:off x="-20279" y="41354"/>
+            <a:ext cx="10969943" cy="711081"/>
+          </a:xfrm>
+        </p:spPr>
+        <p:txBody>
+          <a:bodyPr>
+            <a:noAutofit/>
+          </a:bodyPr>
+          <a:lstStyle/>
+          <a:p>
+            <a:r>
+              <a:rPr lang="en-IN" dirty="0">
+                <a:solidFill>
+                  <a:schemeClr val="tx2">
+                    <a:lumMod val="60000"/>
+                    <a:lumOff val="40000"/>
+                  </a:schemeClr>
+                </a:solidFill>
+                <a:latin typeface="Patua One" pitchFamily="2" charset="0"/>
+              </a:rPr>
+              <a:t>Time </a:t>
+            </a:r>
+            <a:r>
+              <a:rPr lang="en-IN" dirty="0" smtClean="0">
+                <a:solidFill>
+                  <a:schemeClr val="tx2">
+                    <a:lumMod val="60000"/>
+                    <a:lumOff val="40000"/>
+                  </a:schemeClr>
+                </a:solidFill>
+                <a:latin typeface="Patua One" pitchFamily="2" charset="0"/>
+              </a:rPr>
+              <a:t>Series </a:t>
+            </a:r>
+            <a:r>
+              <a:rPr lang="en-IN" dirty="0">
+                <a:solidFill>
+                  <a:schemeClr val="tx2">
+                    <a:lumMod val="60000"/>
+                    <a:lumOff val="40000"/>
+                  </a:schemeClr>
+                </a:solidFill>
+                <a:latin typeface="Patua One" pitchFamily="2" charset="0"/>
+              </a:rPr>
+              <a:t>Scenario</a:t>
+            </a:r>
+          </a:p>
+        </p:txBody>
+      </p:sp>
+      <p:sp>
+        <p:nvSpPr>
+          <p:cNvPr id="37" name="TextBox 36">
+            <a:extLst>
+              <a:ext uri="{FF2B5EF4-FFF2-40B4-BE49-F238E27FC236}">
+                <a16:creationId xmlns="" xmlns:a16="http://schemas.microsoft.com/office/drawing/2014/main" id="{E8CAC22F-1542-4031-BC6C-A16989886504}"/>
+              </a:ext>
+            </a:extLst>
+          </p:cNvPr>
+          <p:cNvSpPr txBox="1"/>
+          <p:nvPr/>
+        </p:nvSpPr>
+        <p:spPr>
+          <a:xfrm>
+            <a:off x="4943872" y="6550224"/>
+            <a:ext cx="3456384" cy="307777"/>
+          </a:xfrm>
+          <a:prstGeom prst="rect">
+            <a:avLst/>
+          </a:prstGeom>
+          <a:noFill/>
+        </p:spPr>
+        <p:txBody>
+          <a:bodyPr wrap="square" rtlCol="0">
+            <a:spAutoFit/>
+          </a:bodyPr>
+          <a:lstStyle/>
+          <a:p>
+            <a:pPr defTabSz="1218987">
+              <a:defRPr/>
+            </a:pPr>
+            <a:r>
+              <a:rPr lang="en-US" sz="1400" b="1" dirty="0">
+                <a:solidFill>
+                  <a:prstClr val="black"/>
+                </a:solidFill>
+                <a:latin typeface="Arial Rounded MT Bold" panose="020F0704030504030204" pitchFamily="34" charset="0"/>
+                <a:ea typeface="Arial Unicode MS" panose="020B0604020202020204" pitchFamily="34" charset="-128"/>
+                <a:cs typeface="Arial Unicode MS" panose="020B0604020202020204" pitchFamily="34" charset="-128"/>
+              </a:rPr>
+              <a:t>www.anubhavtrainings.com</a:t>
+            </a:r>
+            <a:endParaRPr lang="en-IN" sz="1400" b="1" dirty="0">
+              <a:solidFill>
+                <a:prstClr val="black"/>
+              </a:solidFill>
+              <a:latin typeface="Arial Rounded MT Bold" panose="020F0704030504030204" pitchFamily="34" charset="0"/>
+              <a:ea typeface="Arial Unicode MS" panose="020B0604020202020204" pitchFamily="34" charset="-128"/>
+              <a:cs typeface="Arial Unicode MS" panose="020B0604020202020204" pitchFamily="34" charset="-128"/>
+            </a:endParaRPr>
+          </a:p>
+        </p:txBody>
+      </p:sp>
       <p:pic>
         <p:nvPicPr>
-          <p:cNvPr id="1028" name="Picture 4" descr="Free Vector | Flat people with question marks background">
+          <p:cNvPr id="40" name="Picture 39">
             <a:extLst>
               <a:ext uri="{FF2B5EF4-FFF2-40B4-BE49-F238E27FC236}">
-                <a16:creationId xmlns:a16="http://schemas.microsoft.com/office/drawing/2014/main" id="{E158EC70-4769-4E41-A278-C90EC4E480C7}"/>
+                <a16:creationId xmlns="" xmlns:a16="http://schemas.microsoft.com/office/drawing/2014/main" id="{DA60E6FB-8C44-4FEB-B6E9-83DA908565CD}"/>
               </a:ext>
             </a:extLst>
           </p:cNvPr>
           <p:cNvPicPr>
-            <a:picLocks noChangeAspect="1" noChangeArrowheads="1"/>
+            <a:picLocks noChangeAspect="1"/>
           </p:cNvPicPr>
           <p:nvPr/>
         </p:nvPicPr>
-        <p:blipFill rotWithShape="1">
+        <p:blipFill>
           <a:blip r:embed="rId2">
             <a:extLst>
               <a:ext uri="{28A0092B-C50C-407E-A947-70E740481C1C}">
@@ -10710,90 +11696,99 @@
               </a:ext>
             </a:extLst>
           </a:blip>
-          <a:srcRect t="1" b="22246"/>
-          <a:stretch/>
+          <a:stretch>
+            <a:fillRect/>
+          </a:stretch>
         </p:blipFill>
-        <p:spPr bwMode="auto">
+        <p:spPr>
           <a:xfrm>
-            <a:off x="1848418" y="639706"/>
-            <a:ext cx="7599507" cy="5908876"/>
+            <a:off x="9624393" y="106009"/>
+            <a:ext cx="2335203" cy="762895"/>
           </a:xfrm>
           <a:prstGeom prst="rect">
             <a:avLst/>
           </a:prstGeom>
-          <a:noFill/>
-          <a:extLst>
-            <a:ext uri="{909E8E84-426E-40DD-AFC4-6F175D3DCCD1}">
-              <a14:hiddenFill xmlns:a14="http://schemas.microsoft.com/office/drawing/2010/main">
-                <a:solidFill>
-                  <a:srgbClr val="FFFFFF"/>
-                </a:solidFill>
-              </a14:hiddenFill>
-            </a:ext>
-          </a:extLst>
         </p:spPr>
       </p:pic>
-      <p:sp>
-        <p:nvSpPr>
-          <p:cNvPr id="2" name="TextBox 1">
+      <p:cxnSp>
+        <p:nvCxnSpPr>
+          <p:cNvPr id="41" name="Straight Connector 40">
             <a:extLst>
               <a:ext uri="{FF2B5EF4-FFF2-40B4-BE49-F238E27FC236}">
-                <a16:creationId xmlns:a16="http://schemas.microsoft.com/office/drawing/2014/main" id="{994C3DB2-D47E-4B94-804B-87AF1FDEF86E}"/>
+                <a16:creationId xmlns="" xmlns:a16="http://schemas.microsoft.com/office/drawing/2014/main" id="{3B3B7D73-CAE9-45AC-ACCE-FAEF4E505C7A}"/>
               </a:ext>
             </a:extLst>
           </p:cNvPr>
-          <p:cNvSpPr txBox="1"/>
+          <p:cNvCxnSpPr/>
           <p:nvPr/>
-        </p:nvSpPr>
+        </p:nvCxnSpPr>
         <p:spPr>
           <a:xfrm>
-            <a:off x="4535055" y="1052946"/>
-            <a:ext cx="5588000" cy="769441"/>
+            <a:off x="1588" y="764704"/>
+            <a:ext cx="6479584" cy="0"/>
+          </a:xfrm>
+          <a:prstGeom prst="line">
+            <a:avLst/>
+          </a:prstGeom>
+        </p:spPr>
+        <p:style>
+          <a:lnRef idx="2">
+            <a:schemeClr val="accent6"/>
+          </a:lnRef>
+          <a:fillRef idx="0">
+            <a:schemeClr val="accent6"/>
+          </a:fillRef>
+          <a:effectRef idx="1">
+            <a:schemeClr val="accent6"/>
+          </a:effectRef>
+          <a:fontRef idx="minor">
+            <a:schemeClr val="tx1"/>
+          </a:fontRef>
+        </p:style>
+      </p:cxnSp>
+      <p:pic>
+        <p:nvPicPr>
+          <p:cNvPr id="3" name="Picture 2"/>
+          <p:cNvPicPr>
+            <a:picLocks noChangeAspect="1"/>
+          </p:cNvPicPr>
+          <p:nvPr/>
+        </p:nvPicPr>
+        <p:blipFill>
+          <a:blip r:embed="rId3"/>
+          <a:stretch>
+            <a:fillRect/>
+          </a:stretch>
+        </p:blipFill>
+        <p:spPr>
+          <a:xfrm>
+            <a:off x="1598025" y="1158111"/>
+            <a:ext cx="7733333" cy="5285714"/>
           </a:xfrm>
           <a:prstGeom prst="rect">
             <a:avLst/>
           </a:prstGeom>
-          <a:noFill/>
         </p:spPr>
-        <p:txBody>
-          <a:bodyPr wrap="square" rtlCol="0">
-            <a:spAutoFit/>
-          </a:bodyPr>
-          <a:lstStyle/>
-          <a:p>
-            <a:r>
-              <a:rPr lang="en-US" sz="4400" b="1" dirty="0"/>
-              <a:t>Questions</a:t>
-            </a:r>
-          </a:p>
-        </p:txBody>
-      </p:sp>
+      </p:pic>
     </p:spTree>
     <p:extLst>
       <p:ext uri="{BB962C8B-B14F-4D97-AF65-F5344CB8AC3E}">
-        <p14:creationId xmlns:p14="http://schemas.microsoft.com/office/powerpoint/2010/main" val="1308118299"/>
+        <p14:creationId xmlns:p14="http://schemas.microsoft.com/office/powerpoint/2010/main" val="2789722100"/>
       </p:ext>
     </p:extLst>
   </p:cSld>
   <p:clrMapOvr>
     <a:masterClrMapping/>
   </p:clrMapOvr>
+  <p:transition spd="slow">
+    <p:push dir="u"/>
+  </p:transition>
 </p:sld>
 </file>
 
 <file path=ppt/slides/slide9.xml><?xml version="1.0" encoding="utf-8"?>
 <p:sld xmlns:a="http://schemas.openxmlformats.org/drawingml/2006/main" xmlns:r="http://schemas.openxmlformats.org/officeDocument/2006/relationships" xmlns:p="http://schemas.openxmlformats.org/presentationml/2006/main">
   <p:cSld>
-    <p:bg>
-      <p:bgPr>
-        <a:solidFill>
-          <a:schemeClr val="bg1">
-            <a:lumMod val="95000"/>
-          </a:schemeClr>
-        </a:solidFill>
-        <a:effectLst/>
-      </p:bgPr>
-    </p:bg>
     <p:spTree>
       <p:nvGrpSpPr>
         <p:cNvPr id="1" name=""/>
@@ -10808,61 +11803,71 @@
           <a:chExt cx="0" cy="0"/>
         </a:xfrm>
       </p:grpSpPr>
-      <p:pic>
-        <p:nvPicPr>
-          <p:cNvPr id="2052" name="Picture 4" descr="Ski Jumping Arena - Free Presentation Templates">
+      <p:sp>
+        <p:nvSpPr>
+          <p:cNvPr id="2" name="Title 3">
             <a:extLst>
               <a:ext uri="{FF2B5EF4-FFF2-40B4-BE49-F238E27FC236}">
-                <a16:creationId xmlns:a16="http://schemas.microsoft.com/office/drawing/2014/main" id="{B0D7E6A1-F72A-4F69-B4FB-A4ED7A0C6CED}"/>
+                <a16:creationId xmlns="" xmlns:a16="http://schemas.microsoft.com/office/drawing/2014/main" id="{F07FC580-E2AB-4C55-8C95-D5E077A1D127}"/>
               </a:ext>
             </a:extLst>
           </p:cNvPr>
-          <p:cNvPicPr>
-            <a:picLocks noChangeAspect="1" noChangeArrowheads="1"/>
-          </p:cNvPicPr>
+          <p:cNvSpPr txBox="1">
+            <a:spLocks/>
+          </p:cNvSpPr>
           <p:nvPr/>
-        </p:nvPicPr>
-        <p:blipFill rotWithShape="1">
-          <a:blip r:embed="rId3">
-            <a:extLst>
-              <a:ext uri="{28A0092B-C50C-407E-A947-70E740481C1C}">
-                <a14:useLocalDpi xmlns:a14="http://schemas.microsoft.com/office/drawing/2010/main" val="0"/>
-              </a:ext>
-            </a:extLst>
-          </a:blip>
-          <a:srcRect r="2246" b="2246"/>
-          <a:stretch/>
-        </p:blipFill>
-        <p:spPr bwMode="auto">
+        </p:nvSpPr>
+        <p:spPr>
           <a:xfrm>
-            <a:off x="0" y="0"/>
-            <a:ext cx="12192000" cy="6858000"/>
+            <a:off x="261764" y="188640"/>
+            <a:ext cx="11292008" cy="711081"/>
           </a:xfrm>
           <a:prstGeom prst="rect">
             <a:avLst/>
           </a:prstGeom>
-          <a:noFill/>
-          <a:extLst>
-            <a:ext uri="{909E8E84-426E-40DD-AFC4-6F175D3DCCD1}">
-              <a14:hiddenFill xmlns:a14="http://schemas.microsoft.com/office/drawing/2010/main">
+        </p:spPr>
+        <p:txBody>
+          <a:bodyPr/>
+          <a:lstStyle>
+            <a:lvl1pPr algn="l" defTabSz="914400" rtl="0" eaLnBrk="1" latinLnBrk="0" hangingPunct="1">
+              <a:lnSpc>
+                <a:spcPct val="90000"/>
+              </a:lnSpc>
+              <a:spcBef>
+                <a:spcPct val="0"/>
+              </a:spcBef>
+              <a:buNone/>
+              <a:defRPr sz="4400" kern="1200">
                 <a:solidFill>
-                  <a:srgbClr val="FFFFFF"/>
+                  <a:schemeClr val="tx1"/>
                 </a:solidFill>
-              </a14:hiddenFill>
-            </a:ext>
-          </a:extLst>
-        </p:spPr>
-      </p:pic>
-      <p:sp>
-        <p:nvSpPr>
-          <p:cNvPr id="5" name="TextBox 4"/>
+                <a:latin typeface="+mj-lt"/>
+                <a:ea typeface="+mj-ea"/>
+                <a:cs typeface="+mj-cs"/>
+              </a:defRPr>
+            </a:lvl1pPr>
+          </a:lstStyle>
+          <a:p>
+            <a:endParaRPr lang="en-US" b="1" dirty="0"/>
+          </a:p>
+        </p:txBody>
+      </p:sp>
+      <p:sp>
+        <p:nvSpPr>
+          <p:cNvPr id="7" name="TextBox 6">
+            <a:extLst>
+              <a:ext uri="{FF2B5EF4-FFF2-40B4-BE49-F238E27FC236}">
+                <a16:creationId xmlns="" xmlns:a16="http://schemas.microsoft.com/office/drawing/2014/main" id="{17EB74BE-8011-4153-8F37-3BEF9C1F4CC0}"/>
+              </a:ext>
+            </a:extLst>
+          </p:cNvPr>
           <p:cNvSpPr txBox="1"/>
           <p:nvPr/>
         </p:nvSpPr>
         <p:spPr>
           <a:xfrm>
-            <a:off x="1910833" y="3429000"/>
-            <a:ext cx="6629399" cy="1200329"/>
+            <a:off x="3512128" y="2507734"/>
+            <a:ext cx="6174508" cy="1323439"/>
           </a:xfrm>
           <a:prstGeom prst="rect">
             <a:avLst/>
@@ -10870,86 +11875,67 @@
           <a:noFill/>
         </p:spPr>
         <p:txBody>
+          <a:bodyPr wrap="square">
+            <a:spAutoFit/>
+          </a:bodyPr>
+          <a:lstStyle/>
+          <a:p>
+            <a:r>
+              <a:rPr lang="en-US" sz="8000" b="1" dirty="0"/>
+              <a:t>End of Day 9</a:t>
+            </a:r>
+          </a:p>
+        </p:txBody>
+      </p:sp>
+      <p:sp>
+        <p:nvSpPr>
+          <p:cNvPr id="4" name="TextBox 3">
+            <a:extLst>
+              <a:ext uri="{FF2B5EF4-FFF2-40B4-BE49-F238E27FC236}">
+                <a16:creationId xmlns="" xmlns:a16="http://schemas.microsoft.com/office/drawing/2014/main" id="{E8CAC22F-1542-4031-BC6C-A16989886504}"/>
+              </a:ext>
+            </a:extLst>
+          </p:cNvPr>
+          <p:cNvSpPr txBox="1"/>
+          <p:nvPr/>
+        </p:nvSpPr>
+        <p:spPr>
+          <a:xfrm>
+            <a:off x="4943872" y="6536777"/>
+            <a:ext cx="3456384" cy="307777"/>
+          </a:xfrm>
+          <a:prstGeom prst="rect">
+            <a:avLst/>
+          </a:prstGeom>
+          <a:noFill/>
+        </p:spPr>
+        <p:txBody>
           <a:bodyPr wrap="square" rtlCol="0">
             <a:spAutoFit/>
           </a:bodyPr>
           <a:lstStyle/>
           <a:p>
-            <a:pPr marL="0" marR="0" lvl="0" indent="0" algn="l" defTabSz="914400" rtl="0" eaLnBrk="1" fontAlgn="auto" latinLnBrk="0" hangingPunct="1">
-              <a:lnSpc>
-                <a:spcPct val="100000"/>
-              </a:lnSpc>
-              <a:spcBef>
-                <a:spcPts val="0"/>
-              </a:spcBef>
-              <a:spcAft>
-                <a:spcPts val="0"/>
-              </a:spcAft>
-              <a:buClrTx/>
-              <a:buSzTx/>
-              <a:buFontTx/>
-              <a:buNone/>
-              <a:tabLst/>
+            <a:pPr defTabSz="1218987">
               <a:defRPr/>
             </a:pPr>
             <a:r>
-              <a:rPr kumimoji="0" lang="en-US" sz="3600" b="0" i="0" u="none" strike="noStrike" kern="1200" cap="none" spc="-150" normalizeH="0" baseline="0" noProof="0" dirty="0">
-                <a:ln>
-                  <a:noFill/>
-                </a:ln>
+              <a:rPr lang="en-US" sz="1400" b="1" dirty="0">
                 <a:solidFill>
-                  <a:prstClr val="white"/>
+                  <a:prstClr val="black"/>
                 </a:solidFill>
-                <a:effectLst/>
-                <a:uLnTx/>
-                <a:uFillTx/>
-                <a:latin typeface="Calibri" panose="020F0502020204030204"/>
-                <a:ea typeface="+mn-ea"/>
-                <a:cs typeface="+mn-cs"/>
+                <a:latin typeface="Arial Rounded MT Bold" panose="020F0704030504030204" pitchFamily="34" charset="0"/>
+                <a:ea typeface="Arial Unicode MS" panose="020B0604020202020204" pitchFamily="34" charset="-128"/>
+                <a:cs typeface="Arial Unicode MS" panose="020B0604020202020204" pitchFamily="34" charset="-128"/>
               </a:rPr>
-              <a:t>Anurag Bajaj</a:t>
-            </a:r>
-          </a:p>
-          <a:p>
-            <a:pPr marL="0" marR="0" lvl="0" indent="0" algn="l" defTabSz="914400" rtl="0" eaLnBrk="1" fontAlgn="auto" latinLnBrk="0" hangingPunct="1">
-              <a:lnSpc>
-                <a:spcPct val="100000"/>
-              </a:lnSpc>
-              <a:spcBef>
-                <a:spcPts val="0"/>
-              </a:spcBef>
-              <a:spcAft>
-                <a:spcPts val="0"/>
-              </a:spcAft>
-              <a:buClrTx/>
-              <a:buSzTx/>
-              <a:buFontTx/>
-              <a:buNone/>
-              <a:tabLst/>
-              <a:defRPr/>
-            </a:pPr>
-            <a:r>
-              <a:rPr lang="en-US" sz="3600" spc="-150" dirty="0">
-                <a:solidFill>
-                  <a:prstClr val="white"/>
-                </a:solidFill>
-                <a:latin typeface="Calibri" panose="020F0502020204030204"/>
-              </a:rPr>
-              <a:t>anurag.bajaj02@gmail.com</a:t>
-            </a:r>
-            <a:endParaRPr kumimoji="0" lang="en-US" sz="3600" b="0" i="0" u="none" strike="noStrike" kern="1200" cap="none" spc="-150" normalizeH="0" baseline="0" noProof="0" dirty="0">
-              <a:ln>
-                <a:noFill/>
-              </a:ln>
+              <a:t>www.anubhavtrainings.com</a:t>
+            </a:r>
+            <a:endParaRPr lang="en-IN" sz="1400" b="1" dirty="0">
               <a:solidFill>
-                <a:prstClr val="white"/>
+                <a:prstClr val="black"/>
               </a:solidFill>
-              <a:effectLst/>
-              <a:uLnTx/>
-              <a:uFillTx/>
-              <a:latin typeface="Calibri" panose="020F0502020204030204"/>
-              <a:ea typeface="+mn-ea"/>
-              <a:cs typeface="+mn-cs"/>
+              <a:latin typeface="Arial Rounded MT Bold" panose="020F0704030504030204" pitchFamily="34" charset="0"/>
+              <a:ea typeface="Arial Unicode MS" panose="020B0604020202020204" pitchFamily="34" charset="-128"/>
+              <a:cs typeface="Arial Unicode MS" panose="020B0604020202020204" pitchFamily="34" charset="-128"/>
             </a:endParaRPr>
           </a:p>
         </p:txBody>
@@ -10957,25 +11943,13 @@
     </p:spTree>
     <p:extLst>
       <p:ext uri="{BB962C8B-B14F-4D97-AF65-F5344CB8AC3E}">
-        <p14:creationId xmlns:p14="http://schemas.microsoft.com/office/powerpoint/2010/main" val="132008300"/>
+        <p14:creationId xmlns:p14="http://schemas.microsoft.com/office/powerpoint/2010/main" val="3867772902"/>
       </p:ext>
     </p:extLst>
   </p:cSld>
   <p:clrMapOvr>
     <a:masterClrMapping/>
   </p:clrMapOvr>
-  <mc:AlternateContent xmlns:mc="http://schemas.openxmlformats.org/markup-compatibility/2006" xmlns:p14="http://schemas.microsoft.com/office/powerpoint/2010/main">
-    <mc:Choice Requires="p14">
-      <p:transition spd="med" p14:dur="700">
-        <p:fade/>
-      </p:transition>
-    </mc:Choice>
-    <mc:Fallback xmlns="">
-      <p:transition spd="med">
-        <p:fade/>
-      </p:transition>
-    </mc:Fallback>
-  </mc:AlternateContent>
 </p:sld>
 </file>
 

--- a/day 9/SAC_Training Day 9.pptx
+++ b/day 9/SAC_Training Day 9.pptx
@@ -8747,7 +8747,7 @@
           <p:cNvPr id="2" name="Title 1">
             <a:extLst>
               <a:ext uri="{FF2B5EF4-FFF2-40B4-BE49-F238E27FC236}">
-                <a16:creationId xmlns="" xmlns:a16="http://schemas.microsoft.com/office/drawing/2014/main" id="{29CB9E00-0397-4178-9E57-32DC82D3A8F7}"/>
+                <a16:creationId xmlns:a16="http://schemas.microsoft.com/office/drawing/2014/main" xmlns="" id="{29CB9E00-0397-4178-9E57-32DC82D3A8F7}"/>
               </a:ext>
             </a:extLst>
           </p:cNvPr>
@@ -8772,7 +8772,7 @@
           <p:cNvPr id="3" name="Content Placeholder 2">
             <a:extLst>
               <a:ext uri="{FF2B5EF4-FFF2-40B4-BE49-F238E27FC236}">
-                <a16:creationId xmlns="" xmlns:a16="http://schemas.microsoft.com/office/drawing/2014/main" id="{73A078A5-4F35-4958-8384-CBBBD3DED2C3}"/>
+                <a16:creationId xmlns:a16="http://schemas.microsoft.com/office/drawing/2014/main" xmlns="" id="{73A078A5-4F35-4958-8384-CBBBD3DED2C3}"/>
               </a:ext>
             </a:extLst>
           </p:cNvPr>
@@ -8827,7 +8827,7 @@
           <p:cNvPr id="1028" name="Picture 4" descr="Free Vector | Flat people with question marks background">
             <a:extLst>
               <a:ext uri="{FF2B5EF4-FFF2-40B4-BE49-F238E27FC236}">
-                <a16:creationId xmlns="" xmlns:a16="http://schemas.microsoft.com/office/drawing/2014/main" id="{E158EC70-4769-4E41-A278-C90EC4E480C7}"/>
+                <a16:creationId xmlns:a16="http://schemas.microsoft.com/office/drawing/2014/main" xmlns="" id="{E158EC70-4769-4E41-A278-C90EC4E480C7}"/>
               </a:ext>
             </a:extLst>
           </p:cNvPr>
@@ -8872,7 +8872,7 @@
           <p:cNvPr id="2" name="TextBox 1">
             <a:extLst>
               <a:ext uri="{FF2B5EF4-FFF2-40B4-BE49-F238E27FC236}">
-                <a16:creationId xmlns="" xmlns:a16="http://schemas.microsoft.com/office/drawing/2014/main" id="{994C3DB2-D47E-4B94-804B-87AF1FDEF86E}"/>
+                <a16:creationId xmlns:a16="http://schemas.microsoft.com/office/drawing/2014/main" xmlns="" id="{994C3DB2-D47E-4B94-804B-87AF1FDEF86E}"/>
               </a:ext>
             </a:extLst>
           </p:cNvPr>
@@ -8899,6 +8899,59 @@
               <a:rPr lang="en-US" sz="4400" b="1" dirty="0"/>
               <a:t>Questions</a:t>
             </a:r>
+          </a:p>
+        </p:txBody>
+      </p:sp>
+      <p:sp>
+        <p:nvSpPr>
+          <p:cNvPr id="4" name="TextBox 3">
+            <a:extLst>
+              <a:ext uri="{FF2B5EF4-FFF2-40B4-BE49-F238E27FC236}">
+                <a16:creationId xmlns:a16="http://schemas.microsoft.com/office/drawing/2014/main" xmlns="" id="{E8CAC22F-1542-4031-BC6C-A16989886504}"/>
+              </a:ext>
+            </a:extLst>
+          </p:cNvPr>
+          <p:cNvSpPr txBox="1"/>
+          <p:nvPr/>
+        </p:nvSpPr>
+        <p:spPr>
+          <a:xfrm>
+            <a:off x="4943872" y="6523330"/>
+            <a:ext cx="3456384" cy="307777"/>
+          </a:xfrm>
+          <a:prstGeom prst="rect">
+            <a:avLst/>
+          </a:prstGeom>
+          <a:noFill/>
+        </p:spPr>
+        <p:txBody>
+          <a:bodyPr wrap="square" rtlCol="0">
+            <a:spAutoFit/>
+          </a:bodyPr>
+          <a:lstStyle/>
+          <a:p>
+            <a:pPr defTabSz="1218987">
+              <a:defRPr/>
+            </a:pPr>
+            <a:r>
+              <a:rPr lang="en-US" sz="1400" b="1" dirty="0">
+                <a:solidFill>
+                  <a:prstClr val="black"/>
+                </a:solidFill>
+                <a:latin typeface="Arial Rounded MT Bold" panose="020F0704030504030204" pitchFamily="34" charset="0"/>
+                <a:ea typeface="Arial Unicode MS" panose="020B0604020202020204" pitchFamily="34" charset="-128"/>
+                <a:cs typeface="Arial Unicode MS" panose="020B0604020202020204" pitchFamily="34" charset="-128"/>
+              </a:rPr>
+              <a:t>www.anubhavtrainings.com</a:t>
+            </a:r>
+            <a:endParaRPr lang="en-IN" sz="1400" b="1" dirty="0">
+              <a:solidFill>
+                <a:prstClr val="black"/>
+              </a:solidFill>
+              <a:latin typeface="Arial Rounded MT Bold" panose="020F0704030504030204" pitchFamily="34" charset="0"/>
+              <a:ea typeface="Arial Unicode MS" panose="020B0604020202020204" pitchFamily="34" charset="-128"/>
+              <a:cs typeface="Arial Unicode MS" panose="020B0604020202020204" pitchFamily="34" charset="-128"/>
+            </a:endParaRPr>
           </a:p>
         </p:txBody>
       </p:sp>
@@ -8947,7 +9000,7 @@
           <p:cNvPr id="2052" name="Picture 4" descr="Ski Jumping Arena - Free Presentation Templates">
             <a:extLst>
               <a:ext uri="{FF2B5EF4-FFF2-40B4-BE49-F238E27FC236}">
-                <a16:creationId xmlns="" xmlns:a16="http://schemas.microsoft.com/office/drawing/2014/main" id="{B0D7E6A1-F72A-4F69-B4FB-A4ED7A0C6CED}"/>
+                <a16:creationId xmlns:a16="http://schemas.microsoft.com/office/drawing/2014/main" xmlns="" id="{B0D7E6A1-F72A-4F69-B4FB-A4ED7A0C6CED}"/>
               </a:ext>
             </a:extLst>
           </p:cNvPr>
@@ -9135,7 +9188,7 @@
           <p:cNvPr id="2" name="Title 3">
             <a:extLst>
               <a:ext uri="{FF2B5EF4-FFF2-40B4-BE49-F238E27FC236}">
-                <a16:creationId xmlns="" xmlns:a16="http://schemas.microsoft.com/office/drawing/2014/main" id="{F07FC580-E2AB-4C55-8C95-D5E077A1D127}"/>
+                <a16:creationId xmlns:a16="http://schemas.microsoft.com/office/drawing/2014/main" xmlns="" id="{F07FC580-E2AB-4C55-8C95-D5E077A1D127}"/>
               </a:ext>
             </a:extLst>
           </p:cNvPr>
@@ -9217,7 +9270,7 @@
           <p:cNvPr id="5" name="TextBox 4">
             <a:extLst>
               <a:ext uri="{FF2B5EF4-FFF2-40B4-BE49-F238E27FC236}">
-                <a16:creationId xmlns="" xmlns:a16="http://schemas.microsoft.com/office/drawing/2014/main" id="{27E5B41D-1DDF-48C9-A5AF-075F84492B68}"/>
+                <a16:creationId xmlns:a16="http://schemas.microsoft.com/office/drawing/2014/main" xmlns="" id="{27E5B41D-1DDF-48C9-A5AF-075F84492B68}"/>
               </a:ext>
             </a:extLst>
           </p:cNvPr>
@@ -9715,7 +9768,7 @@
           <p:cNvPr id="6" name="TextBox 5">
             <a:extLst>
               <a:ext uri="{FF2B5EF4-FFF2-40B4-BE49-F238E27FC236}">
-                <a16:creationId xmlns="" xmlns:a16="http://schemas.microsoft.com/office/drawing/2014/main" id="{E8CAC22F-1542-4031-BC6C-A16989886504}"/>
+                <a16:creationId xmlns:a16="http://schemas.microsoft.com/office/drawing/2014/main" xmlns="" id="{E8CAC22F-1542-4031-BC6C-A16989886504}"/>
               </a:ext>
             </a:extLst>
           </p:cNvPr>
@@ -9827,15 +9880,6 @@
               </a:rPr>
               <a:t>Matrices to check regression quality</a:t>
             </a:r>
-            <a:endParaRPr lang="en-IN" dirty="0">
-              <a:solidFill>
-                <a:schemeClr val="tx2">
-                  <a:lumMod val="60000"/>
-                  <a:lumOff val="40000"/>
-                </a:schemeClr>
-              </a:solidFill>
-              <a:latin typeface="Patua One" pitchFamily="2" charset="0"/>
-            </a:endParaRPr>
           </a:p>
         </p:txBody>
       </p:sp>
@@ -9844,7 +9888,7 @@
           <p:cNvPr id="37" name="TextBox 36">
             <a:extLst>
               <a:ext uri="{FF2B5EF4-FFF2-40B4-BE49-F238E27FC236}">
-                <a16:creationId xmlns="" xmlns:a16="http://schemas.microsoft.com/office/drawing/2014/main" id="{E8CAC22F-1542-4031-BC6C-A16989886504}"/>
+                <a16:creationId xmlns:a16="http://schemas.microsoft.com/office/drawing/2014/main" xmlns="" id="{E8CAC22F-1542-4031-BC6C-A16989886504}"/>
               </a:ext>
             </a:extLst>
           </p:cNvPr>
@@ -9897,7 +9941,7 @@
           <p:cNvPr id="40" name="Picture 39">
             <a:extLst>
               <a:ext uri="{FF2B5EF4-FFF2-40B4-BE49-F238E27FC236}">
-                <a16:creationId xmlns="" xmlns:a16="http://schemas.microsoft.com/office/drawing/2014/main" id="{DA60E6FB-8C44-4FEB-B6E9-83DA908565CD}"/>
+                <a16:creationId xmlns:a16="http://schemas.microsoft.com/office/drawing/2014/main" xmlns="" id="{DA60E6FB-8C44-4FEB-B6E9-83DA908565CD}"/>
               </a:ext>
             </a:extLst>
           </p:cNvPr>
@@ -9933,7 +9977,7 @@
           <p:cNvPr id="41" name="Straight Connector 40">
             <a:extLst>
               <a:ext uri="{FF2B5EF4-FFF2-40B4-BE49-F238E27FC236}">
-                <a16:creationId xmlns="" xmlns:a16="http://schemas.microsoft.com/office/drawing/2014/main" id="{3B3B7D73-CAE9-45AC-ACCE-FAEF4E505C7A}"/>
+                <a16:creationId xmlns:a16="http://schemas.microsoft.com/office/drawing/2014/main" xmlns="" id="{3B3B7D73-CAE9-45AC-ACCE-FAEF4E505C7A}"/>
               </a:ext>
             </a:extLst>
           </p:cNvPr>
@@ -9969,7 +10013,7 @@
           <p:cNvPr id="6" name="Picture 5">
             <a:extLst>
               <a:ext uri="{FF2B5EF4-FFF2-40B4-BE49-F238E27FC236}">
-                <a16:creationId xmlns:a16="http://schemas.microsoft.com/office/drawing/2014/main" xmlns="" id="{BE3A0870-F741-4A04-933F-6678A44A8D7A}"/>
+                <a16:creationId xmlns="" xmlns:a16="http://schemas.microsoft.com/office/drawing/2014/main" id="{BE3A0870-F741-4A04-933F-6678A44A8D7A}"/>
               </a:ext>
             </a:extLst>
           </p:cNvPr>
@@ -9999,7 +10043,7 @@
           <p:cNvPr id="7" name="TextBox 6">
             <a:extLst>
               <a:ext uri="{FF2B5EF4-FFF2-40B4-BE49-F238E27FC236}">
-                <a16:creationId xmlns:a16="http://schemas.microsoft.com/office/drawing/2014/main" xmlns="" id="{2FDE069B-C593-4FF4-8BE8-B8FBBD17AB9F}"/>
+                <a16:creationId xmlns="" xmlns:a16="http://schemas.microsoft.com/office/drawing/2014/main" id="{2FDE069B-C593-4FF4-8BE8-B8FBBD17AB9F}"/>
               </a:ext>
             </a:extLst>
           </p:cNvPr>
@@ -10029,14 +10073,14 @@
           </a:p>
         </p:txBody>
       </p:sp>
-      <mc:AlternateContent xmlns:mc="http://schemas.openxmlformats.org/markup-compatibility/2006">
-        <mc:Choice xmlns:p14="http://schemas.microsoft.com/office/powerpoint/2010/main" Requires="p14">
+      <mc:AlternateContent xmlns:mc="http://schemas.openxmlformats.org/markup-compatibility/2006" xmlns:p14="http://schemas.microsoft.com/office/powerpoint/2010/main">
+        <mc:Choice Requires="p14">
           <p:contentPart p14:bwMode="auto" r:id="rId4">
             <p14:nvContentPartPr>
               <p14:cNvPr id="8" name="Ink 7">
                 <a:extLst>
                   <a:ext uri="{FF2B5EF4-FFF2-40B4-BE49-F238E27FC236}">
-                    <a16:creationId xmlns:a16="http://schemas.microsoft.com/office/drawing/2014/main" xmlns="" id="{B6EC5873-6703-42A4-A4BB-982F601401A6}"/>
+                    <a16:creationId xmlns="" xmlns:a16="http://schemas.microsoft.com/office/drawing/2014/main" id="{B6EC5873-6703-42A4-A4BB-982F601401A6}"/>
                   </a:ext>
                 </a:extLst>
               </p14:cNvPr>
@@ -10049,7 +10093,7 @@
             </p14:xfrm>
           </p:contentPart>
         </mc:Choice>
-        <mc:Fallback>
+        <mc:Fallback xmlns="">
           <p:pic>
             <p:nvPicPr>
               <p:cNvPr id="8" name="Ink 7">
@@ -10147,15 +10191,6 @@
               </a:rPr>
               <a:t>RMSE &amp; MAPE</a:t>
             </a:r>
-            <a:endParaRPr lang="en-IN" dirty="0">
-              <a:solidFill>
-                <a:schemeClr val="tx2">
-                  <a:lumMod val="60000"/>
-                  <a:lumOff val="40000"/>
-                </a:schemeClr>
-              </a:solidFill>
-              <a:latin typeface="Patua One" pitchFamily="2" charset="0"/>
-            </a:endParaRPr>
           </a:p>
         </p:txBody>
       </p:sp>
@@ -10164,7 +10199,7 @@
           <p:cNvPr id="37" name="TextBox 36">
             <a:extLst>
               <a:ext uri="{FF2B5EF4-FFF2-40B4-BE49-F238E27FC236}">
-                <a16:creationId xmlns="" xmlns:a16="http://schemas.microsoft.com/office/drawing/2014/main" id="{E8CAC22F-1542-4031-BC6C-A16989886504}"/>
+                <a16:creationId xmlns:a16="http://schemas.microsoft.com/office/drawing/2014/main" xmlns="" id="{E8CAC22F-1542-4031-BC6C-A16989886504}"/>
               </a:ext>
             </a:extLst>
           </p:cNvPr>
@@ -10217,7 +10252,7 @@
           <p:cNvPr id="40" name="Picture 39">
             <a:extLst>
               <a:ext uri="{FF2B5EF4-FFF2-40B4-BE49-F238E27FC236}">
-                <a16:creationId xmlns="" xmlns:a16="http://schemas.microsoft.com/office/drawing/2014/main" id="{DA60E6FB-8C44-4FEB-B6E9-83DA908565CD}"/>
+                <a16:creationId xmlns:a16="http://schemas.microsoft.com/office/drawing/2014/main" xmlns="" id="{DA60E6FB-8C44-4FEB-B6E9-83DA908565CD}"/>
               </a:ext>
             </a:extLst>
           </p:cNvPr>
@@ -10253,7 +10288,7 @@
           <p:cNvPr id="41" name="Straight Connector 40">
             <a:extLst>
               <a:ext uri="{FF2B5EF4-FFF2-40B4-BE49-F238E27FC236}">
-                <a16:creationId xmlns="" xmlns:a16="http://schemas.microsoft.com/office/drawing/2014/main" id="{3B3B7D73-CAE9-45AC-ACCE-FAEF4E505C7A}"/>
+                <a16:creationId xmlns:a16="http://schemas.microsoft.com/office/drawing/2014/main" xmlns="" id="{3B3B7D73-CAE9-45AC-ACCE-FAEF4E505C7A}"/>
               </a:ext>
             </a:extLst>
           </p:cNvPr>
@@ -10289,7 +10324,7 @@
           <p:cNvPr id="6" name="Content Placeholder 3">
             <a:extLst>
               <a:ext uri="{FF2B5EF4-FFF2-40B4-BE49-F238E27FC236}">
-                <a16:creationId xmlns:a16="http://schemas.microsoft.com/office/drawing/2014/main" xmlns="" id="{9596F4A2-567E-4A2C-A543-E303D822C70E}"/>
+                <a16:creationId xmlns="" xmlns:a16="http://schemas.microsoft.com/office/drawing/2014/main" id="{9596F4A2-567E-4A2C-A543-E303D822C70E}"/>
               </a:ext>
             </a:extLst>
           </p:cNvPr>
@@ -10322,7 +10357,7 @@
           <p:cNvPr id="7" name="TextBox 6">
             <a:extLst>
               <a:ext uri="{FF2B5EF4-FFF2-40B4-BE49-F238E27FC236}">
-                <a16:creationId xmlns:a16="http://schemas.microsoft.com/office/drawing/2014/main" xmlns="" id="{3A92E90A-4DAB-43CA-8E8D-3BFE0C237B20}"/>
+                <a16:creationId xmlns="" xmlns:a16="http://schemas.microsoft.com/office/drawing/2014/main" id="{3A92E90A-4DAB-43CA-8E8D-3BFE0C237B20}"/>
               </a:ext>
             </a:extLst>
           </p:cNvPr>
@@ -10427,7 +10462,7 @@
           <p:cNvPr id="37" name="TextBox 36">
             <a:extLst>
               <a:ext uri="{FF2B5EF4-FFF2-40B4-BE49-F238E27FC236}">
-                <a16:creationId xmlns="" xmlns:a16="http://schemas.microsoft.com/office/drawing/2014/main" id="{E8CAC22F-1542-4031-BC6C-A16989886504}"/>
+                <a16:creationId xmlns:a16="http://schemas.microsoft.com/office/drawing/2014/main" xmlns="" id="{E8CAC22F-1542-4031-BC6C-A16989886504}"/>
               </a:ext>
             </a:extLst>
           </p:cNvPr>
@@ -10480,7 +10515,7 @@
           <p:cNvPr id="40" name="Picture 39">
             <a:extLst>
               <a:ext uri="{FF2B5EF4-FFF2-40B4-BE49-F238E27FC236}">
-                <a16:creationId xmlns="" xmlns:a16="http://schemas.microsoft.com/office/drawing/2014/main" id="{DA60E6FB-8C44-4FEB-B6E9-83DA908565CD}"/>
+                <a16:creationId xmlns:a16="http://schemas.microsoft.com/office/drawing/2014/main" xmlns="" id="{DA60E6FB-8C44-4FEB-B6E9-83DA908565CD}"/>
               </a:ext>
             </a:extLst>
           </p:cNvPr>
@@ -10516,7 +10551,7 @@
           <p:cNvPr id="41" name="Straight Connector 40">
             <a:extLst>
               <a:ext uri="{FF2B5EF4-FFF2-40B4-BE49-F238E27FC236}">
-                <a16:creationId xmlns="" xmlns:a16="http://schemas.microsoft.com/office/drawing/2014/main" id="{3B3B7D73-CAE9-45AC-ACCE-FAEF4E505C7A}"/>
+                <a16:creationId xmlns:a16="http://schemas.microsoft.com/office/drawing/2014/main" xmlns="" id="{3B3B7D73-CAE9-45AC-ACCE-FAEF4E505C7A}"/>
               </a:ext>
             </a:extLst>
           </p:cNvPr>
@@ -10549,14 +10584,16 @@
       </p:cxnSp>
       <p:pic>
         <p:nvPicPr>
-          <p:cNvPr id="2" name="Picture 1"/>
+          <p:cNvPr id="2" name="Picture 1">
+            <a:hlinkClick r:id="rId3"/>
+          </p:cNvPr>
           <p:cNvPicPr>
             <a:picLocks noChangeAspect="1"/>
           </p:cNvPicPr>
           <p:nvPr/>
         </p:nvPicPr>
         <p:blipFill>
-          <a:blip r:embed="rId3"/>
+          <a:blip r:embed="rId4"/>
           <a:stretch>
             <a:fillRect/>
           </a:stretch>
@@ -10646,7 +10683,7 @@
           <p:cNvPr id="37" name="TextBox 36">
             <a:extLst>
               <a:ext uri="{FF2B5EF4-FFF2-40B4-BE49-F238E27FC236}">
-                <a16:creationId xmlns="" xmlns:a16="http://schemas.microsoft.com/office/drawing/2014/main" id="{E8CAC22F-1542-4031-BC6C-A16989886504}"/>
+                <a16:creationId xmlns:a16="http://schemas.microsoft.com/office/drawing/2014/main" xmlns="" id="{E8CAC22F-1542-4031-BC6C-A16989886504}"/>
               </a:ext>
             </a:extLst>
           </p:cNvPr>
@@ -10699,7 +10736,7 @@
           <p:cNvPr id="40" name="Picture 39">
             <a:extLst>
               <a:ext uri="{FF2B5EF4-FFF2-40B4-BE49-F238E27FC236}">
-                <a16:creationId xmlns="" xmlns:a16="http://schemas.microsoft.com/office/drawing/2014/main" id="{DA60E6FB-8C44-4FEB-B6E9-83DA908565CD}"/>
+                <a16:creationId xmlns:a16="http://schemas.microsoft.com/office/drawing/2014/main" xmlns="" id="{DA60E6FB-8C44-4FEB-B6E9-83DA908565CD}"/>
               </a:ext>
             </a:extLst>
           </p:cNvPr>
@@ -10735,7 +10772,7 @@
           <p:cNvPr id="41" name="Straight Connector 40">
             <a:extLst>
               <a:ext uri="{FF2B5EF4-FFF2-40B4-BE49-F238E27FC236}">
-                <a16:creationId xmlns="" xmlns:a16="http://schemas.microsoft.com/office/drawing/2014/main" id="{3B3B7D73-CAE9-45AC-ACCE-FAEF4E505C7A}"/>
+                <a16:creationId xmlns:a16="http://schemas.microsoft.com/office/drawing/2014/main" xmlns="" id="{3B3B7D73-CAE9-45AC-ACCE-FAEF4E505C7A}"/>
               </a:ext>
             </a:extLst>
           </p:cNvPr>
@@ -10771,7 +10808,7 @@
           <p:cNvPr id="4" name="Content Placeholder 3">
             <a:extLst>
               <a:ext uri="{FF2B5EF4-FFF2-40B4-BE49-F238E27FC236}">
-                <a16:creationId xmlns="" xmlns:a16="http://schemas.microsoft.com/office/drawing/2014/main" id="{CBEDC674-543C-4D80-800A-9884F43347D6}"/>
+                <a16:creationId xmlns:a16="http://schemas.microsoft.com/office/drawing/2014/main" xmlns="" id="{CBEDC674-543C-4D80-800A-9884F43347D6}"/>
               </a:ext>
             </a:extLst>
           </p:cNvPr>
@@ -10831,7 +10868,7 @@
           <p:cNvPr id="2" name="Rectangle 1">
             <a:extLst>
               <a:ext uri="{FF2B5EF4-FFF2-40B4-BE49-F238E27FC236}">
-                <a16:creationId xmlns="" xmlns:a16="http://schemas.microsoft.com/office/drawing/2014/main" id="{037C36F8-BD94-4AF7-B045-22902851CE18}"/>
+                <a16:creationId xmlns:a16="http://schemas.microsoft.com/office/drawing/2014/main" xmlns="" id="{037C36F8-BD94-4AF7-B045-22902851CE18}"/>
               </a:ext>
             </a:extLst>
           </p:cNvPr>
@@ -10877,7 +10914,7 @@
           <p:cNvPr id="5" name="Straight Arrow Connector 4">
             <a:extLst>
               <a:ext uri="{FF2B5EF4-FFF2-40B4-BE49-F238E27FC236}">
-                <a16:creationId xmlns="" xmlns:a16="http://schemas.microsoft.com/office/drawing/2014/main" id="{4CD5F51D-CFE9-407C-A5BD-9F241F269190}"/>
+                <a16:creationId xmlns:a16="http://schemas.microsoft.com/office/drawing/2014/main" xmlns="" id="{4CD5F51D-CFE9-407C-A5BD-9F241F269190}"/>
               </a:ext>
             </a:extLst>
           </p:cNvPr>
@@ -10916,7 +10953,7 @@
           <p:cNvPr id="6" name="Rectangle 5">
             <a:extLst>
               <a:ext uri="{FF2B5EF4-FFF2-40B4-BE49-F238E27FC236}">
-                <a16:creationId xmlns="" xmlns:a16="http://schemas.microsoft.com/office/drawing/2014/main" id="{C0A56AD8-D4C4-44F2-BC7E-647E390D7D61}"/>
+                <a16:creationId xmlns:a16="http://schemas.microsoft.com/office/drawing/2014/main" xmlns="" id="{C0A56AD8-D4C4-44F2-BC7E-647E390D7D61}"/>
               </a:ext>
             </a:extLst>
           </p:cNvPr>
@@ -10965,7 +11002,7 @@
           <p:cNvPr id="7" name="Rectangle 6">
             <a:extLst>
               <a:ext uri="{FF2B5EF4-FFF2-40B4-BE49-F238E27FC236}">
-                <a16:creationId xmlns="" xmlns:a16="http://schemas.microsoft.com/office/drawing/2014/main" id="{B2483A8E-B645-449B-9D3A-FC709053DBCF}"/>
+                <a16:creationId xmlns:a16="http://schemas.microsoft.com/office/drawing/2014/main" xmlns="" id="{B2483A8E-B645-449B-9D3A-FC709053DBCF}"/>
               </a:ext>
             </a:extLst>
           </p:cNvPr>
@@ -11014,7 +11051,7 @@
           <p:cNvPr id="13" name="Straight Arrow Connector 12">
             <a:extLst>
               <a:ext uri="{FF2B5EF4-FFF2-40B4-BE49-F238E27FC236}">
-                <a16:creationId xmlns="" xmlns:a16="http://schemas.microsoft.com/office/drawing/2014/main" id="{323D7B94-52FA-48EA-AC6B-95BAE93D31CD}"/>
+                <a16:creationId xmlns:a16="http://schemas.microsoft.com/office/drawing/2014/main" xmlns="" id="{323D7B94-52FA-48EA-AC6B-95BAE93D31CD}"/>
               </a:ext>
             </a:extLst>
           </p:cNvPr>
@@ -11056,7 +11093,7 @@
           <p:cNvPr id="36" name="Straight Arrow Connector 35">
             <a:extLst>
               <a:ext uri="{FF2B5EF4-FFF2-40B4-BE49-F238E27FC236}">
-                <a16:creationId xmlns="" xmlns:a16="http://schemas.microsoft.com/office/drawing/2014/main" id="{3CDDCFF6-C654-48A2-80F1-E5E444D59F54}"/>
+                <a16:creationId xmlns:a16="http://schemas.microsoft.com/office/drawing/2014/main" xmlns="" id="{3CDDCFF6-C654-48A2-80F1-E5E444D59F54}"/>
               </a:ext>
             </a:extLst>
           </p:cNvPr>
@@ -11097,7 +11134,7 @@
           <p:cNvPr id="38" name="Rectangle 37">
             <a:extLst>
               <a:ext uri="{FF2B5EF4-FFF2-40B4-BE49-F238E27FC236}">
-                <a16:creationId xmlns="" xmlns:a16="http://schemas.microsoft.com/office/drawing/2014/main" id="{C8E36453-D393-4D03-BECE-C3CA294B8AD2}"/>
+                <a16:creationId xmlns:a16="http://schemas.microsoft.com/office/drawing/2014/main" xmlns="" id="{C8E36453-D393-4D03-BECE-C3CA294B8AD2}"/>
               </a:ext>
             </a:extLst>
           </p:cNvPr>
@@ -11146,7 +11183,7 @@
           <p:cNvPr id="43" name="Straight Arrow Connector 42">
             <a:extLst>
               <a:ext uri="{FF2B5EF4-FFF2-40B4-BE49-F238E27FC236}">
-                <a16:creationId xmlns="" xmlns:a16="http://schemas.microsoft.com/office/drawing/2014/main" id="{2DA78E7E-6A5C-4634-AF75-894AB016D2DA}"/>
+                <a16:creationId xmlns:a16="http://schemas.microsoft.com/office/drawing/2014/main" xmlns="" id="{2DA78E7E-6A5C-4634-AF75-894AB016D2DA}"/>
               </a:ext>
             </a:extLst>
           </p:cNvPr>
@@ -11257,7 +11294,7 @@
           <p:cNvPr id="37" name="TextBox 36">
             <a:extLst>
               <a:ext uri="{FF2B5EF4-FFF2-40B4-BE49-F238E27FC236}">
-                <a16:creationId xmlns="" xmlns:a16="http://schemas.microsoft.com/office/drawing/2014/main" id="{E8CAC22F-1542-4031-BC6C-A16989886504}"/>
+                <a16:creationId xmlns:a16="http://schemas.microsoft.com/office/drawing/2014/main" xmlns="" id="{E8CAC22F-1542-4031-BC6C-A16989886504}"/>
               </a:ext>
             </a:extLst>
           </p:cNvPr>
@@ -11310,7 +11347,7 @@
           <p:cNvPr id="40" name="Picture 39">
             <a:extLst>
               <a:ext uri="{FF2B5EF4-FFF2-40B4-BE49-F238E27FC236}">
-                <a16:creationId xmlns="" xmlns:a16="http://schemas.microsoft.com/office/drawing/2014/main" id="{DA60E6FB-8C44-4FEB-B6E9-83DA908565CD}"/>
+                <a16:creationId xmlns:a16="http://schemas.microsoft.com/office/drawing/2014/main" xmlns="" id="{DA60E6FB-8C44-4FEB-B6E9-83DA908565CD}"/>
               </a:ext>
             </a:extLst>
           </p:cNvPr>
@@ -11346,7 +11383,7 @@
           <p:cNvPr id="41" name="Straight Connector 40">
             <a:extLst>
               <a:ext uri="{FF2B5EF4-FFF2-40B4-BE49-F238E27FC236}">
-                <a16:creationId xmlns="" xmlns:a16="http://schemas.microsoft.com/office/drawing/2014/main" id="{3B3B7D73-CAE9-45AC-ACCE-FAEF4E505C7A}"/>
+                <a16:creationId xmlns:a16="http://schemas.microsoft.com/office/drawing/2014/main" xmlns="" id="{3B3B7D73-CAE9-45AC-ACCE-FAEF4E505C7A}"/>
               </a:ext>
             </a:extLst>
           </p:cNvPr>
@@ -11382,7 +11419,7 @@
           <p:cNvPr id="7" name="TextBox 6">
             <a:extLst>
               <a:ext uri="{FF2B5EF4-FFF2-40B4-BE49-F238E27FC236}">
-                <a16:creationId xmlns="" xmlns:a16="http://schemas.microsoft.com/office/drawing/2014/main" id="{8F13B9DB-B6C9-4C0D-95D8-6D1E04BB64DB}"/>
+                <a16:creationId xmlns:a16="http://schemas.microsoft.com/office/drawing/2014/main" xmlns="" id="{8F13B9DB-B6C9-4C0D-95D8-6D1E04BB64DB}"/>
               </a:ext>
             </a:extLst>
           </p:cNvPr>
@@ -11417,7 +11454,7 @@
           <p:cNvPr id="2" name="TextBox 1">
             <a:extLst>
               <a:ext uri="{FF2B5EF4-FFF2-40B4-BE49-F238E27FC236}">
-                <a16:creationId xmlns="" xmlns:a16="http://schemas.microsoft.com/office/drawing/2014/main" id="{EB9D4EE7-D3FD-45F4-96B6-92DEBAFDFD2B}"/>
+                <a16:creationId xmlns:a16="http://schemas.microsoft.com/office/drawing/2014/main" xmlns="" id="{EB9D4EE7-D3FD-45F4-96B6-92DEBAFDFD2B}"/>
               </a:ext>
             </a:extLst>
           </p:cNvPr>
@@ -11626,7 +11663,7 @@
           <p:cNvPr id="37" name="TextBox 36">
             <a:extLst>
               <a:ext uri="{FF2B5EF4-FFF2-40B4-BE49-F238E27FC236}">
-                <a16:creationId xmlns="" xmlns:a16="http://schemas.microsoft.com/office/drawing/2014/main" id="{E8CAC22F-1542-4031-BC6C-A16989886504}"/>
+                <a16:creationId xmlns:a16="http://schemas.microsoft.com/office/drawing/2014/main" xmlns="" id="{E8CAC22F-1542-4031-BC6C-A16989886504}"/>
               </a:ext>
             </a:extLst>
           </p:cNvPr>
@@ -11679,7 +11716,7 @@
           <p:cNvPr id="40" name="Picture 39">
             <a:extLst>
               <a:ext uri="{FF2B5EF4-FFF2-40B4-BE49-F238E27FC236}">
-                <a16:creationId xmlns="" xmlns:a16="http://schemas.microsoft.com/office/drawing/2014/main" id="{DA60E6FB-8C44-4FEB-B6E9-83DA908565CD}"/>
+                <a16:creationId xmlns:a16="http://schemas.microsoft.com/office/drawing/2014/main" xmlns="" id="{DA60E6FB-8C44-4FEB-B6E9-83DA908565CD}"/>
               </a:ext>
             </a:extLst>
           </p:cNvPr>
@@ -11715,7 +11752,7 @@
           <p:cNvPr id="41" name="Straight Connector 40">
             <a:extLst>
               <a:ext uri="{FF2B5EF4-FFF2-40B4-BE49-F238E27FC236}">
-                <a16:creationId xmlns="" xmlns:a16="http://schemas.microsoft.com/office/drawing/2014/main" id="{3B3B7D73-CAE9-45AC-ACCE-FAEF4E505C7A}"/>
+                <a16:creationId xmlns:a16="http://schemas.microsoft.com/office/drawing/2014/main" xmlns="" id="{3B3B7D73-CAE9-45AC-ACCE-FAEF4E505C7A}"/>
               </a:ext>
             </a:extLst>
           </p:cNvPr>
@@ -11748,14 +11785,16 @@
       </p:cxnSp>
       <p:pic>
         <p:nvPicPr>
-          <p:cNvPr id="3" name="Picture 2"/>
+          <p:cNvPr id="3" name="Picture 2">
+            <a:hlinkClick r:id="rId3"/>
+          </p:cNvPr>
           <p:cNvPicPr>
             <a:picLocks noChangeAspect="1"/>
           </p:cNvPicPr>
           <p:nvPr/>
         </p:nvPicPr>
         <p:blipFill>
-          <a:blip r:embed="rId3"/>
+          <a:blip r:embed="rId4"/>
           <a:stretch>
             <a:fillRect/>
           </a:stretch>
@@ -11808,7 +11847,7 @@
           <p:cNvPr id="2" name="Title 3">
             <a:extLst>
               <a:ext uri="{FF2B5EF4-FFF2-40B4-BE49-F238E27FC236}">
-                <a16:creationId xmlns="" xmlns:a16="http://schemas.microsoft.com/office/drawing/2014/main" id="{F07FC580-E2AB-4C55-8C95-D5E077A1D127}"/>
+                <a16:creationId xmlns:a16="http://schemas.microsoft.com/office/drawing/2014/main" xmlns="" id="{F07FC580-E2AB-4C55-8C95-D5E077A1D127}"/>
               </a:ext>
             </a:extLst>
           </p:cNvPr>
@@ -11857,7 +11896,7 @@
           <p:cNvPr id="7" name="TextBox 6">
             <a:extLst>
               <a:ext uri="{FF2B5EF4-FFF2-40B4-BE49-F238E27FC236}">
-                <a16:creationId xmlns="" xmlns:a16="http://schemas.microsoft.com/office/drawing/2014/main" id="{17EB74BE-8011-4153-8F37-3BEF9C1F4CC0}"/>
+                <a16:creationId xmlns:a16="http://schemas.microsoft.com/office/drawing/2014/main" xmlns="" id="{17EB74BE-8011-4153-8F37-3BEF9C1F4CC0}"/>
               </a:ext>
             </a:extLst>
           </p:cNvPr>
@@ -11892,7 +11931,7 @@
           <p:cNvPr id="4" name="TextBox 3">
             <a:extLst>
               <a:ext uri="{FF2B5EF4-FFF2-40B4-BE49-F238E27FC236}">
-                <a16:creationId xmlns="" xmlns:a16="http://schemas.microsoft.com/office/drawing/2014/main" id="{E8CAC22F-1542-4031-BC6C-A16989886504}"/>
+                <a16:creationId xmlns:a16="http://schemas.microsoft.com/office/drawing/2014/main" xmlns="" id="{E8CAC22F-1542-4031-BC6C-A16989886504}"/>
               </a:ext>
             </a:extLst>
           </p:cNvPr>

--- a/day 9/SAC_Training Day 9.pptx
+++ b/day 9/SAC_Training Day 9.pptx
@@ -6,21 +6,19 @@
     <p:sldMasterId id="2147483660" r:id="rId2"/>
   </p:sldMasterIdLst>
   <p:notesMasterIdLst>
-    <p:notesMasterId r:id="rId15"/>
+    <p:notesMasterId r:id="rId13"/>
   </p:notesMasterIdLst>
   <p:sldIdLst>
     <p:sldId id="256" r:id="rId3"/>
     <p:sldId id="463" r:id="rId4"/>
-    <p:sldId id="427" r:id="rId5"/>
-    <p:sldId id="478" r:id="rId6"/>
-    <p:sldId id="479" r:id="rId7"/>
-    <p:sldId id="394" r:id="rId8"/>
-    <p:sldId id="465" r:id="rId9"/>
-    <p:sldId id="480" r:id="rId10"/>
-    <p:sldId id="462" r:id="rId11"/>
-    <p:sldId id="475" r:id="rId12"/>
-    <p:sldId id="399" r:id="rId13"/>
-    <p:sldId id="409" r:id="rId14"/>
+    <p:sldId id="479" r:id="rId5"/>
+    <p:sldId id="394" r:id="rId6"/>
+    <p:sldId id="465" r:id="rId7"/>
+    <p:sldId id="480" r:id="rId8"/>
+    <p:sldId id="462" r:id="rId9"/>
+    <p:sldId id="475" r:id="rId10"/>
+    <p:sldId id="399" r:id="rId11"/>
+    <p:sldId id="409" r:id="rId12"/>
   </p:sldIdLst>
   <p:sldSz cx="12192000" cy="6858000"/>
   <p:notesSz cx="6858000" cy="9144000"/>
@@ -125,34 +123,6 @@
     </p:ext>
   </p:extLst>
 </p:presentation>
-</file>
-
-<file path=ppt/ink/ink1.xml><?xml version="1.0" encoding="utf-8"?>
-<inkml:ink xmlns:inkml="http://www.w3.org/2003/InkML">
-  <inkml:definitions>
-    <inkml:context xml:id="ctx0">
-      <inkml:inkSource xml:id="inkSrc0">
-        <inkml:traceFormat>
-          <inkml:channel name="X" type="integer" max="1920" units="cm"/>
-          <inkml:channel name="Y" type="integer" max="1080" units="cm"/>
-          <inkml:channel name="T" type="integer" max="2.14748E9" units="dev"/>
-        </inkml:traceFormat>
-        <inkml:channelProperties>
-          <inkml:channelProperty channel="X" name="resolution" value="55.81395" units="1/cm"/>
-          <inkml:channelProperty channel="Y" name="resolution" value="55.6701" units="1/cm"/>
-          <inkml:channelProperty channel="T" name="resolution" value="1" units="1/dev"/>
-        </inkml:channelProperties>
-      </inkml:inkSource>
-      <inkml:timestamp xml:id="ts0" timeString="2021-11-22T13:16:29.889"/>
-    </inkml:context>
-    <inkml:brush xml:id="br0">
-      <inkml:brushProperty name="width" value="0.05" units="cm"/>
-      <inkml:brushProperty name="height" value="0.05" units="cm"/>
-      <inkml:brushProperty name="fitToCurve" value="1"/>
-    </inkml:brush>
-  </inkml:definitions>
-  <inkml:trace contextRef="#ctx0" brushRef="#br0">26 52 0,'26'0'15,"-26"-26"17,-26 26-1,26-26-15,-26 26 30,26 26 79,26-26-93,0 0 46,-26 26 16</inkml:trace>
-</inkml:ink>
 </file>
 
 <file path=ppt/notesMasters/notesMaster1.xml><?xml version="1.0" encoding="utf-8"?>
@@ -700,7 +670,7 @@
                 <a:tabLst/>
                 <a:defRPr/>
               </a:pPr>
-              <a:t>12</a:t>
+              <a:t>10</a:t>
             </a:fld>
             <a:endParaRPr kumimoji="0" lang="en-US" sz="1200" b="0" i="0" u="none" strike="noStrike" kern="1200" cap="none" spc="0" normalizeH="0" baseline="0" noProof="0">
               <a:ln>
@@ -8728,249 +8698,6 @@
 <file path=ppt/slides/slide10.xml><?xml version="1.0" encoding="utf-8"?>
 <p:sld xmlns:a="http://schemas.openxmlformats.org/drawingml/2006/main" xmlns:r="http://schemas.openxmlformats.org/officeDocument/2006/relationships" xmlns:p="http://schemas.openxmlformats.org/presentationml/2006/main">
   <p:cSld>
-    <p:spTree>
-      <p:nvGrpSpPr>
-        <p:cNvPr id="1" name=""/>
-        <p:cNvGrpSpPr/>
-        <p:nvPr/>
-      </p:nvGrpSpPr>
-      <p:grpSpPr>
-        <a:xfrm>
-          <a:off x="0" y="0"/>
-          <a:ext cx="0" cy="0"/>
-          <a:chOff x="0" y="0"/>
-          <a:chExt cx="0" cy="0"/>
-        </a:xfrm>
-      </p:grpSpPr>
-      <p:sp>
-        <p:nvSpPr>
-          <p:cNvPr id="2" name="Title 1">
-            <a:extLst>
-              <a:ext uri="{FF2B5EF4-FFF2-40B4-BE49-F238E27FC236}">
-                <a16:creationId xmlns:a16="http://schemas.microsoft.com/office/drawing/2014/main" xmlns="" id="{29CB9E00-0397-4178-9E57-32DC82D3A8F7}"/>
-              </a:ext>
-            </a:extLst>
-          </p:cNvPr>
-          <p:cNvSpPr>
-            <a:spLocks noGrp="1"/>
-          </p:cNvSpPr>
-          <p:nvPr>
-            <p:ph type="title"/>
-          </p:nvPr>
-        </p:nvSpPr>
-        <p:spPr/>
-        <p:txBody>
-          <a:bodyPr/>
-          <a:lstStyle/>
-          <a:p>
-            <a:endParaRPr lang="en-US"/>
-          </a:p>
-        </p:txBody>
-      </p:sp>
-      <p:sp>
-        <p:nvSpPr>
-          <p:cNvPr id="3" name="Content Placeholder 2">
-            <a:extLst>
-              <a:ext uri="{FF2B5EF4-FFF2-40B4-BE49-F238E27FC236}">
-                <a16:creationId xmlns:a16="http://schemas.microsoft.com/office/drawing/2014/main" xmlns="" id="{73A078A5-4F35-4958-8384-CBBBD3DED2C3}"/>
-              </a:ext>
-            </a:extLst>
-          </p:cNvPr>
-          <p:cNvSpPr>
-            <a:spLocks noGrp="1"/>
-          </p:cNvSpPr>
-          <p:nvPr>
-            <p:ph sz="quarter" idx="13"/>
-          </p:nvPr>
-        </p:nvSpPr>
-        <p:spPr/>
-        <p:txBody>
-          <a:bodyPr/>
-          <a:lstStyle/>
-          <a:p>
-            <a:endParaRPr lang="en-US"/>
-          </a:p>
-        </p:txBody>
-      </p:sp>
-    </p:spTree>
-    <p:extLst>
-      <p:ext uri="{BB962C8B-B14F-4D97-AF65-F5344CB8AC3E}">
-        <p14:creationId xmlns:p14="http://schemas.microsoft.com/office/powerpoint/2010/main" val="3265325021"/>
-      </p:ext>
-    </p:extLst>
-  </p:cSld>
-  <p:clrMapOvr>
-    <a:masterClrMapping/>
-  </p:clrMapOvr>
-</p:sld>
-</file>
-
-<file path=ppt/slides/slide11.xml><?xml version="1.0" encoding="utf-8"?>
-<p:sld xmlns:a="http://schemas.openxmlformats.org/drawingml/2006/main" xmlns:r="http://schemas.openxmlformats.org/officeDocument/2006/relationships" xmlns:p="http://schemas.openxmlformats.org/presentationml/2006/main">
-  <p:cSld>
-    <p:spTree>
-      <p:nvGrpSpPr>
-        <p:cNvPr id="1" name=""/>
-        <p:cNvGrpSpPr/>
-        <p:nvPr/>
-      </p:nvGrpSpPr>
-      <p:grpSpPr>
-        <a:xfrm>
-          <a:off x="0" y="0"/>
-          <a:ext cx="0" cy="0"/>
-          <a:chOff x="0" y="0"/>
-          <a:chExt cx="0" cy="0"/>
-        </a:xfrm>
-      </p:grpSpPr>
-      <p:pic>
-        <p:nvPicPr>
-          <p:cNvPr id="1028" name="Picture 4" descr="Free Vector | Flat people with question marks background">
-            <a:extLst>
-              <a:ext uri="{FF2B5EF4-FFF2-40B4-BE49-F238E27FC236}">
-                <a16:creationId xmlns:a16="http://schemas.microsoft.com/office/drawing/2014/main" xmlns="" id="{E158EC70-4769-4E41-A278-C90EC4E480C7}"/>
-              </a:ext>
-            </a:extLst>
-          </p:cNvPr>
-          <p:cNvPicPr>
-            <a:picLocks noChangeAspect="1" noChangeArrowheads="1"/>
-          </p:cNvPicPr>
-          <p:nvPr/>
-        </p:nvPicPr>
-        <p:blipFill rotWithShape="1">
-          <a:blip r:embed="rId2">
-            <a:extLst>
-              <a:ext uri="{28A0092B-C50C-407E-A947-70E740481C1C}">
-                <a14:useLocalDpi xmlns:a14="http://schemas.microsoft.com/office/drawing/2010/main" val="0"/>
-              </a:ext>
-            </a:extLst>
-          </a:blip>
-          <a:srcRect t="1" b="22246"/>
-          <a:stretch/>
-        </p:blipFill>
-        <p:spPr bwMode="auto">
-          <a:xfrm>
-            <a:off x="1848418" y="639706"/>
-            <a:ext cx="7599507" cy="5908876"/>
-          </a:xfrm>
-          <a:prstGeom prst="rect">
-            <a:avLst/>
-          </a:prstGeom>
-          <a:noFill/>
-          <a:extLst>
-            <a:ext uri="{909E8E84-426E-40DD-AFC4-6F175D3DCCD1}">
-              <a14:hiddenFill xmlns:a14="http://schemas.microsoft.com/office/drawing/2010/main">
-                <a:solidFill>
-                  <a:srgbClr val="FFFFFF"/>
-                </a:solidFill>
-              </a14:hiddenFill>
-            </a:ext>
-          </a:extLst>
-        </p:spPr>
-      </p:pic>
-      <p:sp>
-        <p:nvSpPr>
-          <p:cNvPr id="2" name="TextBox 1">
-            <a:extLst>
-              <a:ext uri="{FF2B5EF4-FFF2-40B4-BE49-F238E27FC236}">
-                <a16:creationId xmlns:a16="http://schemas.microsoft.com/office/drawing/2014/main" xmlns="" id="{994C3DB2-D47E-4B94-804B-87AF1FDEF86E}"/>
-              </a:ext>
-            </a:extLst>
-          </p:cNvPr>
-          <p:cNvSpPr txBox="1"/>
-          <p:nvPr/>
-        </p:nvSpPr>
-        <p:spPr>
-          <a:xfrm>
-            <a:off x="4535055" y="1052946"/>
-            <a:ext cx="5588000" cy="769441"/>
-          </a:xfrm>
-          <a:prstGeom prst="rect">
-            <a:avLst/>
-          </a:prstGeom>
-          <a:noFill/>
-        </p:spPr>
-        <p:txBody>
-          <a:bodyPr wrap="square" rtlCol="0">
-            <a:spAutoFit/>
-          </a:bodyPr>
-          <a:lstStyle/>
-          <a:p>
-            <a:r>
-              <a:rPr lang="en-US" sz="4400" b="1" dirty="0"/>
-              <a:t>Questions</a:t>
-            </a:r>
-          </a:p>
-        </p:txBody>
-      </p:sp>
-      <p:sp>
-        <p:nvSpPr>
-          <p:cNvPr id="4" name="TextBox 3">
-            <a:extLst>
-              <a:ext uri="{FF2B5EF4-FFF2-40B4-BE49-F238E27FC236}">
-                <a16:creationId xmlns:a16="http://schemas.microsoft.com/office/drawing/2014/main" xmlns="" id="{E8CAC22F-1542-4031-BC6C-A16989886504}"/>
-              </a:ext>
-            </a:extLst>
-          </p:cNvPr>
-          <p:cNvSpPr txBox="1"/>
-          <p:nvPr/>
-        </p:nvSpPr>
-        <p:spPr>
-          <a:xfrm>
-            <a:off x="4943872" y="6523330"/>
-            <a:ext cx="3456384" cy="307777"/>
-          </a:xfrm>
-          <a:prstGeom prst="rect">
-            <a:avLst/>
-          </a:prstGeom>
-          <a:noFill/>
-        </p:spPr>
-        <p:txBody>
-          <a:bodyPr wrap="square" rtlCol="0">
-            <a:spAutoFit/>
-          </a:bodyPr>
-          <a:lstStyle/>
-          <a:p>
-            <a:pPr defTabSz="1218987">
-              <a:defRPr/>
-            </a:pPr>
-            <a:r>
-              <a:rPr lang="en-US" sz="1400" b="1" dirty="0">
-                <a:solidFill>
-                  <a:prstClr val="black"/>
-                </a:solidFill>
-                <a:latin typeface="Arial Rounded MT Bold" panose="020F0704030504030204" pitchFamily="34" charset="0"/>
-                <a:ea typeface="Arial Unicode MS" panose="020B0604020202020204" pitchFamily="34" charset="-128"/>
-                <a:cs typeface="Arial Unicode MS" panose="020B0604020202020204" pitchFamily="34" charset="-128"/>
-              </a:rPr>
-              <a:t>www.anubhavtrainings.com</a:t>
-            </a:r>
-            <a:endParaRPr lang="en-IN" sz="1400" b="1" dirty="0">
-              <a:solidFill>
-                <a:prstClr val="black"/>
-              </a:solidFill>
-              <a:latin typeface="Arial Rounded MT Bold" panose="020F0704030504030204" pitchFamily="34" charset="0"/>
-              <a:ea typeface="Arial Unicode MS" panose="020B0604020202020204" pitchFamily="34" charset="-128"/>
-              <a:cs typeface="Arial Unicode MS" panose="020B0604020202020204" pitchFamily="34" charset="-128"/>
-            </a:endParaRPr>
-          </a:p>
-        </p:txBody>
-      </p:sp>
-    </p:spTree>
-    <p:extLst>
-      <p:ext uri="{BB962C8B-B14F-4D97-AF65-F5344CB8AC3E}">
-        <p14:creationId xmlns:p14="http://schemas.microsoft.com/office/powerpoint/2010/main" val="1308118299"/>
-      </p:ext>
-    </p:extLst>
-  </p:cSld>
-  <p:clrMapOvr>
-    <a:masterClrMapping/>
-  </p:clrMapOvr>
-</p:sld>
-</file>
-
-<file path=ppt/slides/slide12.xml><?xml version="1.0" encoding="utf-8"?>
-<p:sld xmlns:a="http://schemas.openxmlformats.org/drawingml/2006/main" xmlns:r="http://schemas.openxmlformats.org/officeDocument/2006/relationships" xmlns:p="http://schemas.openxmlformats.org/presentationml/2006/main">
-  <p:cSld>
     <p:bg>
       <p:bgPr>
         <a:solidFill>
@@ -9000,7 +8727,7 @@
           <p:cNvPr id="2052" name="Picture 4" descr="Ski Jumping Arena - Free Presentation Templates">
             <a:extLst>
               <a:ext uri="{FF2B5EF4-FFF2-40B4-BE49-F238E27FC236}">
-                <a16:creationId xmlns:a16="http://schemas.microsoft.com/office/drawing/2014/main" xmlns="" id="{B0D7E6A1-F72A-4F69-B4FB-A4ED7A0C6CED}"/>
+                <a16:creationId xmlns="" xmlns:a16="http://schemas.microsoft.com/office/drawing/2014/main" id="{B0D7E6A1-F72A-4F69-B4FB-A4ED7A0C6CED}"/>
               </a:ext>
             </a:extLst>
           </p:cNvPr>
@@ -9188,7 +8915,7 @@
           <p:cNvPr id="2" name="Title 3">
             <a:extLst>
               <a:ext uri="{FF2B5EF4-FFF2-40B4-BE49-F238E27FC236}">
-                <a16:creationId xmlns:a16="http://schemas.microsoft.com/office/drawing/2014/main" xmlns="" id="{F07FC580-E2AB-4C55-8C95-D5E077A1D127}"/>
+                <a16:creationId xmlns="" xmlns:a16="http://schemas.microsoft.com/office/drawing/2014/main" id="{F07FC580-E2AB-4C55-8C95-D5E077A1D127}"/>
               </a:ext>
             </a:extLst>
           </p:cNvPr>
@@ -9270,7 +8997,7 @@
           <p:cNvPr id="5" name="TextBox 4">
             <a:extLst>
               <a:ext uri="{FF2B5EF4-FFF2-40B4-BE49-F238E27FC236}">
-                <a16:creationId xmlns:a16="http://schemas.microsoft.com/office/drawing/2014/main" xmlns="" id="{27E5B41D-1DDF-48C9-A5AF-075F84492B68}"/>
+                <a16:creationId xmlns="" xmlns:a16="http://schemas.microsoft.com/office/drawing/2014/main" id="{27E5B41D-1DDF-48C9-A5AF-075F84492B68}"/>
               </a:ext>
             </a:extLst>
           </p:cNvPr>
@@ -9280,7 +9007,7 @@
         <p:spPr>
           <a:xfrm>
             <a:off x="247878" y="982353"/>
-            <a:ext cx="11696243" cy="2800767"/>
+            <a:ext cx="11696243" cy="2554545"/>
           </a:xfrm>
           <a:prstGeom prst="rect">
             <a:avLst/>
@@ -9325,31 +9052,30 @@
                 <a:ea typeface="+mn-ea"/>
                 <a:cs typeface="+mn-cs"/>
               </a:rPr>
-              <a:t>Regression Scenario</a:t>
-            </a:r>
-          </a:p>
-          <a:p>
-            <a:pPr marL="742950" lvl="1" indent="-285750">
-              <a:buFont typeface="Arial" panose="020B0604020202020204" pitchFamily="34" charset="0"/>
-              <a:buChar char="•"/>
-              <a:defRPr/>
-            </a:pPr>
-            <a:r>
-              <a:rPr lang="en-US" sz="1600" dirty="0" smtClean="0">
+              <a:t>Regression </a:t>
+            </a:r>
+            <a:r>
+              <a:rPr kumimoji="0" lang="en-US" sz="1600" b="1" i="0" u="none" strike="noStrike" kern="1200" cap="none" spc="0" normalizeH="0" baseline="0" noProof="0" dirty="0" smtClean="0">
+                <a:ln>
+                  <a:noFill/>
+                </a:ln>
                 <a:solidFill>
                   <a:prstClr val="black"/>
                 </a:solidFill>
+                <a:effectLst/>
+                <a:uLnTx/>
+                <a:uFillTx/>
+                <a:latin typeface="Calibri" panose="020F0502020204030204"/>
+                <a:ea typeface="+mn-ea"/>
+                <a:cs typeface="+mn-cs"/>
               </a:rPr>
-              <a:t>Concept </a:t>
-            </a:r>
-            <a:r>
-              <a:rPr lang="en-US" sz="1600" dirty="0">
-                <a:solidFill>
-                  <a:prstClr val="black"/>
-                </a:solidFill>
-              </a:rPr>
-              <a:t>of Residuals</a:t>
-            </a:r>
+              <a:t>Scenario</a:t>
+            </a:r>
+            <a:endParaRPr lang="en-US" sz="1600" dirty="0">
+              <a:solidFill>
+                <a:prstClr val="black"/>
+              </a:solidFill>
+            </a:endParaRPr>
           </a:p>
           <a:p>
             <a:pPr marL="742950" lvl="1" indent="-285750">
@@ -9371,15 +9097,7 @@
                   <a:prstClr val="black"/>
                 </a:solidFill>
               </a:rPr>
-              <a:t>HR Scenario &lt;next </a:t>
-            </a:r>
-            <a:r>
-              <a:rPr lang="en-US" sz="1600" dirty="0" smtClean="0">
-                <a:solidFill>
-                  <a:prstClr val="black"/>
-                </a:solidFill>
-              </a:rPr>
-              <a:t>day&gt;</a:t>
+              <a:t>HR Scenario </a:t>
             </a:r>
             <a:endParaRPr lang="en-US" sz="1600" dirty="0">
               <a:solidFill>
@@ -9768,7 +9486,7 @@
           <p:cNvPr id="6" name="TextBox 5">
             <a:extLst>
               <a:ext uri="{FF2B5EF4-FFF2-40B4-BE49-F238E27FC236}">
-                <a16:creationId xmlns:a16="http://schemas.microsoft.com/office/drawing/2014/main" xmlns="" id="{E8CAC22F-1542-4031-BC6C-A16989886504}"/>
+                <a16:creationId xmlns="" xmlns:a16="http://schemas.microsoft.com/office/drawing/2014/main" id="{E8CAC22F-1542-4031-BC6C-A16989886504}"/>
               </a:ext>
             </a:extLst>
           </p:cNvPr>
@@ -9878,7 +9596,7 @@
                 </a:solidFill>
                 <a:latin typeface="Patua One" pitchFamily="2" charset="0"/>
               </a:rPr>
-              <a:t>Matrices to check regression quality</a:t>
+              <a:t>Regression Scenario</a:t>
             </a:r>
           </a:p>
         </p:txBody>
@@ -9888,7 +9606,7 @@
           <p:cNvPr id="37" name="TextBox 36">
             <a:extLst>
               <a:ext uri="{FF2B5EF4-FFF2-40B4-BE49-F238E27FC236}">
-                <a16:creationId xmlns:a16="http://schemas.microsoft.com/office/drawing/2014/main" xmlns="" id="{E8CAC22F-1542-4031-BC6C-A16989886504}"/>
+                <a16:creationId xmlns="" xmlns:a16="http://schemas.microsoft.com/office/drawing/2014/main" id="{E8CAC22F-1542-4031-BC6C-A16989886504}"/>
               </a:ext>
             </a:extLst>
           </p:cNvPr>
@@ -9941,7 +9659,7 @@
           <p:cNvPr id="40" name="Picture 39">
             <a:extLst>
               <a:ext uri="{FF2B5EF4-FFF2-40B4-BE49-F238E27FC236}">
-                <a16:creationId xmlns:a16="http://schemas.microsoft.com/office/drawing/2014/main" xmlns="" id="{DA60E6FB-8C44-4FEB-B6E9-83DA908565CD}"/>
+                <a16:creationId xmlns="" xmlns:a16="http://schemas.microsoft.com/office/drawing/2014/main" id="{DA60E6FB-8C44-4FEB-B6E9-83DA908565CD}"/>
               </a:ext>
             </a:extLst>
           </p:cNvPr>
@@ -9977,581 +9695,7 @@
           <p:cNvPr id="41" name="Straight Connector 40">
             <a:extLst>
               <a:ext uri="{FF2B5EF4-FFF2-40B4-BE49-F238E27FC236}">
-                <a16:creationId xmlns:a16="http://schemas.microsoft.com/office/drawing/2014/main" xmlns="" id="{3B3B7D73-CAE9-45AC-ACCE-FAEF4E505C7A}"/>
-              </a:ext>
-            </a:extLst>
-          </p:cNvPr>
-          <p:cNvCxnSpPr/>
-          <p:nvPr/>
-        </p:nvCxnSpPr>
-        <p:spPr>
-          <a:xfrm>
-            <a:off x="1588" y="764704"/>
-            <a:ext cx="6479584" cy="0"/>
-          </a:xfrm>
-          <a:prstGeom prst="line">
-            <a:avLst/>
-          </a:prstGeom>
-        </p:spPr>
-        <p:style>
-          <a:lnRef idx="2">
-            <a:schemeClr val="accent6"/>
-          </a:lnRef>
-          <a:fillRef idx="0">
-            <a:schemeClr val="accent6"/>
-          </a:fillRef>
-          <a:effectRef idx="1">
-            <a:schemeClr val="accent6"/>
-          </a:effectRef>
-          <a:fontRef idx="minor">
-            <a:schemeClr val="tx1"/>
-          </a:fontRef>
-        </p:style>
-      </p:cxnSp>
-      <p:pic>
-        <p:nvPicPr>
-          <p:cNvPr id="6" name="Picture 5">
-            <a:extLst>
-              <a:ext uri="{FF2B5EF4-FFF2-40B4-BE49-F238E27FC236}">
-                <a16:creationId xmlns="" xmlns:a16="http://schemas.microsoft.com/office/drawing/2014/main" id="{BE3A0870-F741-4A04-933F-6678A44A8D7A}"/>
-              </a:ext>
-            </a:extLst>
-          </p:cNvPr>
-          <p:cNvPicPr>
-            <a:picLocks noChangeAspect="1"/>
-          </p:cNvPicPr>
-          <p:nvPr/>
-        </p:nvPicPr>
-        <p:blipFill>
-          <a:blip r:embed="rId3"/>
-          <a:stretch>
-            <a:fillRect/>
-          </a:stretch>
-        </p:blipFill>
-        <p:spPr>
-          <a:xfrm>
-            <a:off x="263352" y="1102433"/>
-            <a:ext cx="4824536" cy="5318679"/>
-          </a:xfrm>
-          <a:prstGeom prst="rect">
-            <a:avLst/>
-          </a:prstGeom>
-        </p:spPr>
-      </p:pic>
-      <p:sp>
-        <p:nvSpPr>
-          <p:cNvPr id="7" name="TextBox 6">
-            <a:extLst>
-              <a:ext uri="{FF2B5EF4-FFF2-40B4-BE49-F238E27FC236}">
-                <a16:creationId xmlns="" xmlns:a16="http://schemas.microsoft.com/office/drawing/2014/main" id="{2FDE069B-C593-4FF4-8BE8-B8FBBD17AB9F}"/>
-              </a:ext>
-            </a:extLst>
-          </p:cNvPr>
-          <p:cNvSpPr txBox="1"/>
-          <p:nvPr/>
-        </p:nvSpPr>
-        <p:spPr>
-          <a:xfrm>
-            <a:off x="5113145" y="938408"/>
-            <a:ext cx="6670849" cy="646331"/>
-          </a:xfrm>
-          <a:prstGeom prst="rect">
-            <a:avLst/>
-          </a:prstGeom>
-          <a:noFill/>
-        </p:spPr>
-        <p:txBody>
-          <a:bodyPr wrap="square" rtlCol="0">
-            <a:spAutoFit/>
-          </a:bodyPr>
-          <a:lstStyle/>
-          <a:p>
-            <a:r>
-              <a:rPr lang="en-US" b="1" dirty="0"/>
-              <a:t>How far our actual values are from predicted values. – Residual / deviation</a:t>
-            </a:r>
-          </a:p>
-        </p:txBody>
-      </p:sp>
-      <mc:AlternateContent xmlns:mc="http://schemas.openxmlformats.org/markup-compatibility/2006" xmlns:p14="http://schemas.microsoft.com/office/powerpoint/2010/main">
-        <mc:Choice Requires="p14">
-          <p:contentPart p14:bwMode="auto" r:id="rId4">
-            <p14:nvContentPartPr>
-              <p14:cNvPr id="8" name="Ink 7">
-                <a:extLst>
-                  <a:ext uri="{FF2B5EF4-FFF2-40B4-BE49-F238E27FC236}">
-                    <a16:creationId xmlns="" xmlns:a16="http://schemas.microsoft.com/office/drawing/2014/main" id="{B6EC5873-6703-42A4-A4BB-982F601401A6}"/>
-                  </a:ext>
-                </a:extLst>
-              </p14:cNvPr>
-              <p14:cNvContentPartPr/>
-              <p14:nvPr/>
-            </p14:nvContentPartPr>
-            <p14:xfrm>
-              <a:off x="1278331" y="6326001"/>
-              <a:ext cx="19080" cy="19080"/>
-            </p14:xfrm>
-          </p:contentPart>
-        </mc:Choice>
-        <mc:Fallback xmlns="">
-          <p:pic>
-            <p:nvPicPr>
-              <p:cNvPr id="8" name="Ink 7">
-                <a:extLst>
-                  <a:ext uri="{FF2B5EF4-FFF2-40B4-BE49-F238E27FC236}">
-                    <a16:creationId xmlns:a16="http://schemas.microsoft.com/office/drawing/2014/main" xmlns:p14="http://schemas.microsoft.com/office/powerpoint/2010/main" xmlns="" id="{B6EC5873-6703-42A4-A4BB-982F601401A6}"/>
-                  </a:ext>
-                </a:extLst>
-              </p:cNvPr>
-              <p:cNvPicPr/>
-              <p:nvPr/>
-            </p:nvPicPr>
-            <p:blipFill>
-              <a:blip r:embed="rId5"/>
-              <a:stretch>
-                <a:fillRect/>
-              </a:stretch>
-            </p:blipFill>
-            <p:spPr>
-              <a:xfrm>
-                <a:off x="1269331" y="6317001"/>
-                <a:ext cx="37080" cy="37080"/>
-              </a:xfrm>
-              <a:prstGeom prst="rect">
-                <a:avLst/>
-              </a:prstGeom>
-            </p:spPr>
-          </p:pic>
-        </mc:Fallback>
-      </mc:AlternateContent>
-    </p:spTree>
-    <p:extLst>
-      <p:ext uri="{BB962C8B-B14F-4D97-AF65-F5344CB8AC3E}">
-        <p14:creationId xmlns:p14="http://schemas.microsoft.com/office/powerpoint/2010/main" val="266177698"/>
-      </p:ext>
-    </p:extLst>
-  </p:cSld>
-  <p:clrMapOvr>
-    <a:masterClrMapping/>
-  </p:clrMapOvr>
-  <p:transition spd="slow">
-    <p:push dir="u"/>
-  </p:transition>
-</p:sld>
-</file>
-
-<file path=ppt/slides/slide4.xml><?xml version="1.0" encoding="utf-8"?>
-<p:sld xmlns:a="http://schemas.openxmlformats.org/drawingml/2006/main" xmlns:r="http://schemas.openxmlformats.org/officeDocument/2006/relationships" xmlns:p="http://schemas.openxmlformats.org/presentationml/2006/main">
-  <p:cSld>
-    <p:spTree>
-      <p:nvGrpSpPr>
-        <p:cNvPr id="1" name=""/>
-        <p:cNvGrpSpPr/>
-        <p:nvPr/>
-      </p:nvGrpSpPr>
-      <p:grpSpPr>
-        <a:xfrm>
-          <a:off x="0" y="0"/>
-          <a:ext cx="0" cy="0"/>
-          <a:chOff x="0" y="0"/>
-          <a:chExt cx="0" cy="0"/>
-        </a:xfrm>
-      </p:grpSpPr>
-      <p:sp>
-        <p:nvSpPr>
-          <p:cNvPr id="11" name="Title 10"/>
-          <p:cNvSpPr>
-            <a:spLocks noGrp="1"/>
-          </p:cNvSpPr>
-          <p:nvPr>
-            <p:ph type="title"/>
-          </p:nvPr>
-        </p:nvSpPr>
-        <p:spPr>
-          <a:xfrm>
-            <a:off x="-20279" y="41354"/>
-            <a:ext cx="10969943" cy="711081"/>
-          </a:xfrm>
-        </p:spPr>
-        <p:txBody>
-          <a:bodyPr>
-            <a:noAutofit/>
-          </a:bodyPr>
-          <a:lstStyle/>
-          <a:p>
-            <a:r>
-              <a:rPr lang="en-IN" dirty="0">
-                <a:solidFill>
-                  <a:schemeClr val="tx2">
-                    <a:lumMod val="60000"/>
-                    <a:lumOff val="40000"/>
-                  </a:schemeClr>
-                </a:solidFill>
-                <a:latin typeface="Patua One" pitchFamily="2" charset="0"/>
-              </a:rPr>
-              <a:t>RMSE &amp; MAPE</a:t>
-            </a:r>
-          </a:p>
-        </p:txBody>
-      </p:sp>
-      <p:sp>
-        <p:nvSpPr>
-          <p:cNvPr id="37" name="TextBox 36">
-            <a:extLst>
-              <a:ext uri="{FF2B5EF4-FFF2-40B4-BE49-F238E27FC236}">
-                <a16:creationId xmlns:a16="http://schemas.microsoft.com/office/drawing/2014/main" xmlns="" id="{E8CAC22F-1542-4031-BC6C-A16989886504}"/>
-              </a:ext>
-            </a:extLst>
-          </p:cNvPr>
-          <p:cNvSpPr txBox="1"/>
-          <p:nvPr/>
-        </p:nvSpPr>
-        <p:spPr>
-          <a:xfrm>
-            <a:off x="4943872" y="6550224"/>
-            <a:ext cx="3456384" cy="307777"/>
-          </a:xfrm>
-          <a:prstGeom prst="rect">
-            <a:avLst/>
-          </a:prstGeom>
-          <a:noFill/>
-        </p:spPr>
-        <p:txBody>
-          <a:bodyPr wrap="square" rtlCol="0">
-            <a:spAutoFit/>
-          </a:bodyPr>
-          <a:lstStyle/>
-          <a:p>
-            <a:pPr defTabSz="1218987">
-              <a:defRPr/>
-            </a:pPr>
-            <a:r>
-              <a:rPr lang="en-US" sz="1400" b="1" dirty="0">
-                <a:solidFill>
-                  <a:prstClr val="black"/>
-                </a:solidFill>
-                <a:latin typeface="Arial Rounded MT Bold" panose="020F0704030504030204" pitchFamily="34" charset="0"/>
-                <a:ea typeface="Arial Unicode MS" panose="020B0604020202020204" pitchFamily="34" charset="-128"/>
-                <a:cs typeface="Arial Unicode MS" panose="020B0604020202020204" pitchFamily="34" charset="-128"/>
-              </a:rPr>
-              <a:t>www.anubhavtrainings.com</a:t>
-            </a:r>
-            <a:endParaRPr lang="en-IN" sz="1400" b="1" dirty="0">
-              <a:solidFill>
-                <a:prstClr val="black"/>
-              </a:solidFill>
-              <a:latin typeface="Arial Rounded MT Bold" panose="020F0704030504030204" pitchFamily="34" charset="0"/>
-              <a:ea typeface="Arial Unicode MS" panose="020B0604020202020204" pitchFamily="34" charset="-128"/>
-              <a:cs typeface="Arial Unicode MS" panose="020B0604020202020204" pitchFamily="34" charset="-128"/>
-            </a:endParaRPr>
-          </a:p>
-        </p:txBody>
-      </p:sp>
-      <p:pic>
-        <p:nvPicPr>
-          <p:cNvPr id="40" name="Picture 39">
-            <a:extLst>
-              <a:ext uri="{FF2B5EF4-FFF2-40B4-BE49-F238E27FC236}">
-                <a16:creationId xmlns:a16="http://schemas.microsoft.com/office/drawing/2014/main" xmlns="" id="{DA60E6FB-8C44-4FEB-B6E9-83DA908565CD}"/>
-              </a:ext>
-            </a:extLst>
-          </p:cNvPr>
-          <p:cNvPicPr>
-            <a:picLocks noChangeAspect="1"/>
-          </p:cNvPicPr>
-          <p:nvPr/>
-        </p:nvPicPr>
-        <p:blipFill>
-          <a:blip r:embed="rId2">
-            <a:extLst>
-              <a:ext uri="{28A0092B-C50C-407E-A947-70E740481C1C}">
-                <a14:useLocalDpi xmlns:a14="http://schemas.microsoft.com/office/drawing/2010/main" val="0"/>
-              </a:ext>
-            </a:extLst>
-          </a:blip>
-          <a:stretch>
-            <a:fillRect/>
-          </a:stretch>
-        </p:blipFill>
-        <p:spPr>
-          <a:xfrm>
-            <a:off x="9624393" y="106009"/>
-            <a:ext cx="2335203" cy="762895"/>
-          </a:xfrm>
-          <a:prstGeom prst="rect">
-            <a:avLst/>
-          </a:prstGeom>
-        </p:spPr>
-      </p:pic>
-      <p:cxnSp>
-        <p:nvCxnSpPr>
-          <p:cNvPr id="41" name="Straight Connector 40">
-            <a:extLst>
-              <a:ext uri="{FF2B5EF4-FFF2-40B4-BE49-F238E27FC236}">
-                <a16:creationId xmlns:a16="http://schemas.microsoft.com/office/drawing/2014/main" xmlns="" id="{3B3B7D73-CAE9-45AC-ACCE-FAEF4E505C7A}"/>
-              </a:ext>
-            </a:extLst>
-          </p:cNvPr>
-          <p:cNvCxnSpPr/>
-          <p:nvPr/>
-        </p:nvCxnSpPr>
-        <p:spPr>
-          <a:xfrm>
-            <a:off x="1588" y="764704"/>
-            <a:ext cx="6479584" cy="0"/>
-          </a:xfrm>
-          <a:prstGeom prst="line">
-            <a:avLst/>
-          </a:prstGeom>
-        </p:spPr>
-        <p:style>
-          <a:lnRef idx="2">
-            <a:schemeClr val="accent6"/>
-          </a:lnRef>
-          <a:fillRef idx="0">
-            <a:schemeClr val="accent6"/>
-          </a:fillRef>
-          <a:effectRef idx="1">
-            <a:schemeClr val="accent6"/>
-          </a:effectRef>
-          <a:fontRef idx="minor">
-            <a:schemeClr val="tx1"/>
-          </a:fontRef>
-        </p:style>
-      </p:cxnSp>
-      <p:sp>
-        <p:nvSpPr>
-          <p:cNvPr id="6" name="Content Placeholder 3">
-            <a:extLst>
-              <a:ext uri="{FF2B5EF4-FFF2-40B4-BE49-F238E27FC236}">
-                <a16:creationId xmlns="" xmlns:a16="http://schemas.microsoft.com/office/drawing/2014/main" id="{9596F4A2-567E-4A2C-A543-E303D822C70E}"/>
-              </a:ext>
-            </a:extLst>
-          </p:cNvPr>
-          <p:cNvSpPr>
-            <a:spLocks noGrp="1"/>
-          </p:cNvSpPr>
-          <p:nvPr>
-            <p:ph sz="quarter" idx="13"/>
-          </p:nvPr>
-        </p:nvSpPr>
-        <p:spPr>
-          <a:xfrm>
-            <a:off x="152400" y="881174"/>
-            <a:ext cx="10972800" cy="484187"/>
-          </a:xfrm>
-        </p:spPr>
-        <p:txBody>
-          <a:bodyPr/>
-          <a:lstStyle/>
-          <a:p>
-            <a:r>
-              <a:rPr lang="en-US" dirty="0"/>
-              <a:t>RMSD/RMSE – Root mean Square Residual (Error)</a:t>
-            </a:r>
-          </a:p>
-        </p:txBody>
-      </p:sp>
-      <p:sp>
-        <p:nvSpPr>
-          <p:cNvPr id="7" name="TextBox 6">
-            <a:extLst>
-              <a:ext uri="{FF2B5EF4-FFF2-40B4-BE49-F238E27FC236}">
-                <a16:creationId xmlns="" xmlns:a16="http://schemas.microsoft.com/office/drawing/2014/main" id="{3A92E90A-4DAB-43CA-8E8D-3BFE0C237B20}"/>
-              </a:ext>
-            </a:extLst>
-          </p:cNvPr>
-          <p:cNvSpPr txBox="1"/>
-          <p:nvPr/>
-        </p:nvSpPr>
-        <p:spPr>
-          <a:xfrm>
-            <a:off x="192402" y="3470841"/>
-            <a:ext cx="11807195" cy="923330"/>
-          </a:xfrm>
-          <a:prstGeom prst="rect">
-            <a:avLst/>
-          </a:prstGeom>
-          <a:noFill/>
-        </p:spPr>
-        <p:txBody>
-          <a:bodyPr wrap="square" rtlCol="0">
-            <a:spAutoFit/>
-          </a:bodyPr>
-          <a:lstStyle/>
-          <a:p>
-            <a:r>
-              <a:rPr lang="en-US" dirty="0"/>
-              <a:t>The value of RMSE can range between 0 to infinite which is difficult to be interpreted by the business, in order to make our business user understand the power of our model, we relies on a % based measure. This is called MAPE (Meal Absolute Percentage Error)</a:t>
-            </a:r>
-          </a:p>
-        </p:txBody>
-      </p:sp>
-    </p:spTree>
-    <p:extLst>
-      <p:ext uri="{BB962C8B-B14F-4D97-AF65-F5344CB8AC3E}">
-        <p14:creationId xmlns:p14="http://schemas.microsoft.com/office/powerpoint/2010/main" val="307401470"/>
-      </p:ext>
-    </p:extLst>
-  </p:cSld>
-  <p:clrMapOvr>
-    <a:masterClrMapping/>
-  </p:clrMapOvr>
-  <p:transition spd="slow">
-    <p:push dir="u"/>
-  </p:transition>
-</p:sld>
-</file>
-
-<file path=ppt/slides/slide5.xml><?xml version="1.0" encoding="utf-8"?>
-<p:sld xmlns:a="http://schemas.openxmlformats.org/drawingml/2006/main" xmlns:r="http://schemas.openxmlformats.org/officeDocument/2006/relationships" xmlns:p="http://schemas.openxmlformats.org/presentationml/2006/main">
-  <p:cSld>
-    <p:spTree>
-      <p:nvGrpSpPr>
-        <p:cNvPr id="1" name=""/>
-        <p:cNvGrpSpPr/>
-        <p:nvPr/>
-      </p:nvGrpSpPr>
-      <p:grpSpPr>
-        <a:xfrm>
-          <a:off x="0" y="0"/>
-          <a:ext cx="0" cy="0"/>
-          <a:chOff x="0" y="0"/>
-          <a:chExt cx="0" cy="0"/>
-        </a:xfrm>
-      </p:grpSpPr>
-      <p:sp>
-        <p:nvSpPr>
-          <p:cNvPr id="11" name="Title 10"/>
-          <p:cNvSpPr>
-            <a:spLocks noGrp="1"/>
-          </p:cNvSpPr>
-          <p:nvPr>
-            <p:ph type="title"/>
-          </p:nvPr>
-        </p:nvSpPr>
-        <p:spPr>
-          <a:xfrm>
-            <a:off x="-20279" y="41354"/>
-            <a:ext cx="10969943" cy="711081"/>
-          </a:xfrm>
-        </p:spPr>
-        <p:txBody>
-          <a:bodyPr>
-            <a:noAutofit/>
-          </a:bodyPr>
-          <a:lstStyle/>
-          <a:p>
-            <a:r>
-              <a:rPr lang="en-IN" dirty="0">
-                <a:solidFill>
-                  <a:schemeClr val="tx2">
-                    <a:lumMod val="60000"/>
-                    <a:lumOff val="40000"/>
-                  </a:schemeClr>
-                </a:solidFill>
-                <a:latin typeface="Patua One" pitchFamily="2" charset="0"/>
-              </a:rPr>
-              <a:t>Regression Scenario</a:t>
-            </a:r>
-          </a:p>
-        </p:txBody>
-      </p:sp>
-      <p:sp>
-        <p:nvSpPr>
-          <p:cNvPr id="37" name="TextBox 36">
-            <a:extLst>
-              <a:ext uri="{FF2B5EF4-FFF2-40B4-BE49-F238E27FC236}">
-                <a16:creationId xmlns:a16="http://schemas.microsoft.com/office/drawing/2014/main" xmlns="" id="{E8CAC22F-1542-4031-BC6C-A16989886504}"/>
-              </a:ext>
-            </a:extLst>
-          </p:cNvPr>
-          <p:cNvSpPr txBox="1"/>
-          <p:nvPr/>
-        </p:nvSpPr>
-        <p:spPr>
-          <a:xfrm>
-            <a:off x="4943872" y="6550224"/>
-            <a:ext cx="3456384" cy="307777"/>
-          </a:xfrm>
-          <a:prstGeom prst="rect">
-            <a:avLst/>
-          </a:prstGeom>
-          <a:noFill/>
-        </p:spPr>
-        <p:txBody>
-          <a:bodyPr wrap="square" rtlCol="0">
-            <a:spAutoFit/>
-          </a:bodyPr>
-          <a:lstStyle/>
-          <a:p>
-            <a:pPr defTabSz="1218987">
-              <a:defRPr/>
-            </a:pPr>
-            <a:r>
-              <a:rPr lang="en-US" sz="1400" b="1" dirty="0">
-                <a:solidFill>
-                  <a:prstClr val="black"/>
-                </a:solidFill>
-                <a:latin typeface="Arial Rounded MT Bold" panose="020F0704030504030204" pitchFamily="34" charset="0"/>
-                <a:ea typeface="Arial Unicode MS" panose="020B0604020202020204" pitchFamily="34" charset="-128"/>
-                <a:cs typeface="Arial Unicode MS" panose="020B0604020202020204" pitchFamily="34" charset="-128"/>
-              </a:rPr>
-              <a:t>www.anubhavtrainings.com</a:t>
-            </a:r>
-            <a:endParaRPr lang="en-IN" sz="1400" b="1" dirty="0">
-              <a:solidFill>
-                <a:prstClr val="black"/>
-              </a:solidFill>
-              <a:latin typeface="Arial Rounded MT Bold" panose="020F0704030504030204" pitchFamily="34" charset="0"/>
-              <a:ea typeface="Arial Unicode MS" panose="020B0604020202020204" pitchFamily="34" charset="-128"/>
-              <a:cs typeface="Arial Unicode MS" panose="020B0604020202020204" pitchFamily="34" charset="-128"/>
-            </a:endParaRPr>
-          </a:p>
-        </p:txBody>
-      </p:sp>
-      <p:pic>
-        <p:nvPicPr>
-          <p:cNvPr id="40" name="Picture 39">
-            <a:extLst>
-              <a:ext uri="{FF2B5EF4-FFF2-40B4-BE49-F238E27FC236}">
-                <a16:creationId xmlns:a16="http://schemas.microsoft.com/office/drawing/2014/main" xmlns="" id="{DA60E6FB-8C44-4FEB-B6E9-83DA908565CD}"/>
-              </a:ext>
-            </a:extLst>
-          </p:cNvPr>
-          <p:cNvPicPr>
-            <a:picLocks noChangeAspect="1"/>
-          </p:cNvPicPr>
-          <p:nvPr/>
-        </p:nvPicPr>
-        <p:blipFill>
-          <a:blip r:embed="rId2">
-            <a:extLst>
-              <a:ext uri="{28A0092B-C50C-407E-A947-70E740481C1C}">
-                <a14:useLocalDpi xmlns:a14="http://schemas.microsoft.com/office/drawing/2010/main" val="0"/>
-              </a:ext>
-            </a:extLst>
-          </a:blip>
-          <a:stretch>
-            <a:fillRect/>
-          </a:stretch>
-        </p:blipFill>
-        <p:spPr>
-          <a:xfrm>
-            <a:off x="9624393" y="106009"/>
-            <a:ext cx="2335203" cy="762895"/>
-          </a:xfrm>
-          <a:prstGeom prst="rect">
-            <a:avLst/>
-          </a:prstGeom>
-        </p:spPr>
-      </p:pic>
-      <p:cxnSp>
-        <p:nvCxnSpPr>
-          <p:cNvPr id="41" name="Straight Connector 40">
-            <a:extLst>
-              <a:ext uri="{FF2B5EF4-FFF2-40B4-BE49-F238E27FC236}">
-                <a16:creationId xmlns:a16="http://schemas.microsoft.com/office/drawing/2014/main" xmlns="" id="{3B3B7D73-CAE9-45AC-ACCE-FAEF4E505C7A}"/>
+                <a16:creationId xmlns="" xmlns:a16="http://schemas.microsoft.com/office/drawing/2014/main" id="{3B3B7D73-CAE9-45AC-ACCE-FAEF4E505C7A}"/>
               </a:ext>
             </a:extLst>
           </p:cNvPr>
@@ -10624,7 +9768,7 @@
 </p:sld>
 </file>
 
-<file path=ppt/slides/slide6.xml><?xml version="1.0" encoding="utf-8"?>
+<file path=ppt/slides/slide4.xml><?xml version="1.0" encoding="utf-8"?>
 <p:sld xmlns:a="http://schemas.openxmlformats.org/drawingml/2006/main" xmlns:r="http://schemas.openxmlformats.org/officeDocument/2006/relationships" xmlns:p="http://schemas.openxmlformats.org/presentationml/2006/main">
   <p:cSld>
     <p:spTree>
@@ -10683,7 +9827,7 @@
           <p:cNvPr id="37" name="TextBox 36">
             <a:extLst>
               <a:ext uri="{FF2B5EF4-FFF2-40B4-BE49-F238E27FC236}">
-                <a16:creationId xmlns:a16="http://schemas.microsoft.com/office/drawing/2014/main" xmlns="" id="{E8CAC22F-1542-4031-BC6C-A16989886504}"/>
+                <a16:creationId xmlns="" xmlns:a16="http://schemas.microsoft.com/office/drawing/2014/main" id="{E8CAC22F-1542-4031-BC6C-A16989886504}"/>
               </a:ext>
             </a:extLst>
           </p:cNvPr>
@@ -10736,7 +9880,7 @@
           <p:cNvPr id="40" name="Picture 39">
             <a:extLst>
               <a:ext uri="{FF2B5EF4-FFF2-40B4-BE49-F238E27FC236}">
-                <a16:creationId xmlns:a16="http://schemas.microsoft.com/office/drawing/2014/main" xmlns="" id="{DA60E6FB-8C44-4FEB-B6E9-83DA908565CD}"/>
+                <a16:creationId xmlns="" xmlns:a16="http://schemas.microsoft.com/office/drawing/2014/main" id="{DA60E6FB-8C44-4FEB-B6E9-83DA908565CD}"/>
               </a:ext>
             </a:extLst>
           </p:cNvPr>
@@ -10772,7 +9916,7 @@
           <p:cNvPr id="41" name="Straight Connector 40">
             <a:extLst>
               <a:ext uri="{FF2B5EF4-FFF2-40B4-BE49-F238E27FC236}">
-                <a16:creationId xmlns:a16="http://schemas.microsoft.com/office/drawing/2014/main" xmlns="" id="{3B3B7D73-CAE9-45AC-ACCE-FAEF4E505C7A}"/>
+                <a16:creationId xmlns="" xmlns:a16="http://schemas.microsoft.com/office/drawing/2014/main" id="{3B3B7D73-CAE9-45AC-ACCE-FAEF4E505C7A}"/>
               </a:ext>
             </a:extLst>
           </p:cNvPr>
@@ -10808,7 +9952,7 @@
           <p:cNvPr id="4" name="Content Placeholder 3">
             <a:extLst>
               <a:ext uri="{FF2B5EF4-FFF2-40B4-BE49-F238E27FC236}">
-                <a16:creationId xmlns:a16="http://schemas.microsoft.com/office/drawing/2014/main" xmlns="" id="{CBEDC674-543C-4D80-800A-9884F43347D6}"/>
+                <a16:creationId xmlns="" xmlns:a16="http://schemas.microsoft.com/office/drawing/2014/main" id="{CBEDC674-543C-4D80-800A-9884F43347D6}"/>
               </a:ext>
             </a:extLst>
           </p:cNvPr>
@@ -10868,7 +10012,7 @@
           <p:cNvPr id="2" name="Rectangle 1">
             <a:extLst>
               <a:ext uri="{FF2B5EF4-FFF2-40B4-BE49-F238E27FC236}">
-                <a16:creationId xmlns:a16="http://schemas.microsoft.com/office/drawing/2014/main" xmlns="" id="{037C36F8-BD94-4AF7-B045-22902851CE18}"/>
+                <a16:creationId xmlns="" xmlns:a16="http://schemas.microsoft.com/office/drawing/2014/main" id="{037C36F8-BD94-4AF7-B045-22902851CE18}"/>
               </a:ext>
             </a:extLst>
           </p:cNvPr>
@@ -10914,7 +10058,7 @@
           <p:cNvPr id="5" name="Straight Arrow Connector 4">
             <a:extLst>
               <a:ext uri="{FF2B5EF4-FFF2-40B4-BE49-F238E27FC236}">
-                <a16:creationId xmlns:a16="http://schemas.microsoft.com/office/drawing/2014/main" xmlns="" id="{4CD5F51D-CFE9-407C-A5BD-9F241F269190}"/>
+                <a16:creationId xmlns="" xmlns:a16="http://schemas.microsoft.com/office/drawing/2014/main" id="{4CD5F51D-CFE9-407C-A5BD-9F241F269190}"/>
               </a:ext>
             </a:extLst>
           </p:cNvPr>
@@ -10953,7 +10097,7 @@
           <p:cNvPr id="6" name="Rectangle 5">
             <a:extLst>
               <a:ext uri="{FF2B5EF4-FFF2-40B4-BE49-F238E27FC236}">
-                <a16:creationId xmlns:a16="http://schemas.microsoft.com/office/drawing/2014/main" xmlns="" id="{C0A56AD8-D4C4-44F2-BC7E-647E390D7D61}"/>
+                <a16:creationId xmlns="" xmlns:a16="http://schemas.microsoft.com/office/drawing/2014/main" id="{C0A56AD8-D4C4-44F2-BC7E-647E390D7D61}"/>
               </a:ext>
             </a:extLst>
           </p:cNvPr>
@@ -11002,7 +10146,7 @@
           <p:cNvPr id="7" name="Rectangle 6">
             <a:extLst>
               <a:ext uri="{FF2B5EF4-FFF2-40B4-BE49-F238E27FC236}">
-                <a16:creationId xmlns:a16="http://schemas.microsoft.com/office/drawing/2014/main" xmlns="" id="{B2483A8E-B645-449B-9D3A-FC709053DBCF}"/>
+                <a16:creationId xmlns="" xmlns:a16="http://schemas.microsoft.com/office/drawing/2014/main" id="{B2483A8E-B645-449B-9D3A-FC709053DBCF}"/>
               </a:ext>
             </a:extLst>
           </p:cNvPr>
@@ -11051,7 +10195,7 @@
           <p:cNvPr id="13" name="Straight Arrow Connector 12">
             <a:extLst>
               <a:ext uri="{FF2B5EF4-FFF2-40B4-BE49-F238E27FC236}">
-                <a16:creationId xmlns:a16="http://schemas.microsoft.com/office/drawing/2014/main" xmlns="" id="{323D7B94-52FA-48EA-AC6B-95BAE93D31CD}"/>
+                <a16:creationId xmlns="" xmlns:a16="http://schemas.microsoft.com/office/drawing/2014/main" id="{323D7B94-52FA-48EA-AC6B-95BAE93D31CD}"/>
               </a:ext>
             </a:extLst>
           </p:cNvPr>
@@ -11093,7 +10237,7 @@
           <p:cNvPr id="36" name="Straight Arrow Connector 35">
             <a:extLst>
               <a:ext uri="{FF2B5EF4-FFF2-40B4-BE49-F238E27FC236}">
-                <a16:creationId xmlns:a16="http://schemas.microsoft.com/office/drawing/2014/main" xmlns="" id="{3CDDCFF6-C654-48A2-80F1-E5E444D59F54}"/>
+                <a16:creationId xmlns="" xmlns:a16="http://schemas.microsoft.com/office/drawing/2014/main" id="{3CDDCFF6-C654-48A2-80F1-E5E444D59F54}"/>
               </a:ext>
             </a:extLst>
           </p:cNvPr>
@@ -11134,7 +10278,7 @@
           <p:cNvPr id="38" name="Rectangle 37">
             <a:extLst>
               <a:ext uri="{FF2B5EF4-FFF2-40B4-BE49-F238E27FC236}">
-                <a16:creationId xmlns:a16="http://schemas.microsoft.com/office/drawing/2014/main" xmlns="" id="{C8E36453-D393-4D03-BECE-C3CA294B8AD2}"/>
+                <a16:creationId xmlns="" xmlns:a16="http://schemas.microsoft.com/office/drawing/2014/main" id="{C8E36453-D393-4D03-BECE-C3CA294B8AD2}"/>
               </a:ext>
             </a:extLst>
           </p:cNvPr>
@@ -11183,7 +10327,7 @@
           <p:cNvPr id="43" name="Straight Arrow Connector 42">
             <a:extLst>
               <a:ext uri="{FF2B5EF4-FFF2-40B4-BE49-F238E27FC236}">
-                <a16:creationId xmlns:a16="http://schemas.microsoft.com/office/drawing/2014/main" xmlns="" id="{2DA78E7E-6A5C-4634-AF75-894AB016D2DA}"/>
+                <a16:creationId xmlns="" xmlns:a16="http://schemas.microsoft.com/office/drawing/2014/main" id="{2DA78E7E-6A5C-4634-AF75-894AB016D2DA}"/>
               </a:ext>
             </a:extLst>
           </p:cNvPr>
@@ -11235,7 +10379,7 @@
 </p:sld>
 </file>
 
-<file path=ppt/slides/slide7.xml><?xml version="1.0" encoding="utf-8"?>
+<file path=ppt/slides/slide5.xml><?xml version="1.0" encoding="utf-8"?>
 <p:sld xmlns:a="http://schemas.openxmlformats.org/drawingml/2006/main" xmlns:r="http://schemas.openxmlformats.org/officeDocument/2006/relationships" xmlns:p="http://schemas.openxmlformats.org/presentationml/2006/main">
   <p:cSld>
     <p:spTree>
@@ -11294,7 +10438,7 @@
           <p:cNvPr id="37" name="TextBox 36">
             <a:extLst>
               <a:ext uri="{FF2B5EF4-FFF2-40B4-BE49-F238E27FC236}">
-                <a16:creationId xmlns:a16="http://schemas.microsoft.com/office/drawing/2014/main" xmlns="" id="{E8CAC22F-1542-4031-BC6C-A16989886504}"/>
+                <a16:creationId xmlns="" xmlns:a16="http://schemas.microsoft.com/office/drawing/2014/main" id="{E8CAC22F-1542-4031-BC6C-A16989886504}"/>
               </a:ext>
             </a:extLst>
           </p:cNvPr>
@@ -11347,7 +10491,7 @@
           <p:cNvPr id="40" name="Picture 39">
             <a:extLst>
               <a:ext uri="{FF2B5EF4-FFF2-40B4-BE49-F238E27FC236}">
-                <a16:creationId xmlns:a16="http://schemas.microsoft.com/office/drawing/2014/main" xmlns="" id="{DA60E6FB-8C44-4FEB-B6E9-83DA908565CD}"/>
+                <a16:creationId xmlns="" xmlns:a16="http://schemas.microsoft.com/office/drawing/2014/main" id="{DA60E6FB-8C44-4FEB-B6E9-83DA908565CD}"/>
               </a:ext>
             </a:extLst>
           </p:cNvPr>
@@ -11383,7 +10527,7 @@
           <p:cNvPr id="41" name="Straight Connector 40">
             <a:extLst>
               <a:ext uri="{FF2B5EF4-FFF2-40B4-BE49-F238E27FC236}">
-                <a16:creationId xmlns:a16="http://schemas.microsoft.com/office/drawing/2014/main" xmlns="" id="{3B3B7D73-CAE9-45AC-ACCE-FAEF4E505C7A}"/>
+                <a16:creationId xmlns="" xmlns:a16="http://schemas.microsoft.com/office/drawing/2014/main" id="{3B3B7D73-CAE9-45AC-ACCE-FAEF4E505C7A}"/>
               </a:ext>
             </a:extLst>
           </p:cNvPr>
@@ -11419,7 +10563,7 @@
           <p:cNvPr id="7" name="TextBox 6">
             <a:extLst>
               <a:ext uri="{FF2B5EF4-FFF2-40B4-BE49-F238E27FC236}">
-                <a16:creationId xmlns:a16="http://schemas.microsoft.com/office/drawing/2014/main" xmlns="" id="{8F13B9DB-B6C9-4C0D-95D8-6D1E04BB64DB}"/>
+                <a16:creationId xmlns="" xmlns:a16="http://schemas.microsoft.com/office/drawing/2014/main" id="{8F13B9DB-B6C9-4C0D-95D8-6D1E04BB64DB}"/>
               </a:ext>
             </a:extLst>
           </p:cNvPr>
@@ -11454,7 +10598,7 @@
           <p:cNvPr id="2" name="TextBox 1">
             <a:extLst>
               <a:ext uri="{FF2B5EF4-FFF2-40B4-BE49-F238E27FC236}">
-                <a16:creationId xmlns:a16="http://schemas.microsoft.com/office/drawing/2014/main" xmlns="" id="{EB9D4EE7-D3FD-45F4-96B6-92DEBAFDFD2B}"/>
+                <a16:creationId xmlns="" xmlns:a16="http://schemas.microsoft.com/office/drawing/2014/main" id="{EB9D4EE7-D3FD-45F4-96B6-92DEBAFDFD2B}"/>
               </a:ext>
             </a:extLst>
           </p:cNvPr>
@@ -11580,7 +10724,7 @@
 </p:sld>
 </file>
 
-<file path=ppt/slides/slide8.xml><?xml version="1.0" encoding="utf-8"?>
+<file path=ppt/slides/slide6.xml><?xml version="1.0" encoding="utf-8"?>
 <p:sld xmlns:a="http://schemas.openxmlformats.org/drawingml/2006/main" xmlns:r="http://schemas.openxmlformats.org/officeDocument/2006/relationships" xmlns:p="http://schemas.openxmlformats.org/presentationml/2006/main">
   <p:cSld>
     <p:spTree>
@@ -11663,7 +10807,7 @@
           <p:cNvPr id="37" name="TextBox 36">
             <a:extLst>
               <a:ext uri="{FF2B5EF4-FFF2-40B4-BE49-F238E27FC236}">
-                <a16:creationId xmlns:a16="http://schemas.microsoft.com/office/drawing/2014/main" xmlns="" id="{E8CAC22F-1542-4031-BC6C-A16989886504}"/>
+                <a16:creationId xmlns="" xmlns:a16="http://schemas.microsoft.com/office/drawing/2014/main" id="{E8CAC22F-1542-4031-BC6C-A16989886504}"/>
               </a:ext>
             </a:extLst>
           </p:cNvPr>
@@ -11716,7 +10860,7 @@
           <p:cNvPr id="40" name="Picture 39">
             <a:extLst>
               <a:ext uri="{FF2B5EF4-FFF2-40B4-BE49-F238E27FC236}">
-                <a16:creationId xmlns:a16="http://schemas.microsoft.com/office/drawing/2014/main" xmlns="" id="{DA60E6FB-8C44-4FEB-B6E9-83DA908565CD}"/>
+                <a16:creationId xmlns="" xmlns:a16="http://schemas.microsoft.com/office/drawing/2014/main" id="{DA60E6FB-8C44-4FEB-B6E9-83DA908565CD}"/>
               </a:ext>
             </a:extLst>
           </p:cNvPr>
@@ -11752,7 +10896,7 @@
           <p:cNvPr id="41" name="Straight Connector 40">
             <a:extLst>
               <a:ext uri="{FF2B5EF4-FFF2-40B4-BE49-F238E27FC236}">
-                <a16:creationId xmlns:a16="http://schemas.microsoft.com/office/drawing/2014/main" xmlns="" id="{3B3B7D73-CAE9-45AC-ACCE-FAEF4E505C7A}"/>
+                <a16:creationId xmlns="" xmlns:a16="http://schemas.microsoft.com/office/drawing/2014/main" id="{3B3B7D73-CAE9-45AC-ACCE-FAEF4E505C7A}"/>
               </a:ext>
             </a:extLst>
           </p:cNvPr>
@@ -11825,6 +10969,253 @@
 </p:sld>
 </file>
 
+<file path=ppt/slides/slide7.xml><?xml version="1.0" encoding="utf-8"?>
+<p:sld xmlns:a="http://schemas.openxmlformats.org/drawingml/2006/main" xmlns:r="http://schemas.openxmlformats.org/officeDocument/2006/relationships" xmlns:p="http://schemas.openxmlformats.org/presentationml/2006/main">
+  <p:cSld>
+    <p:spTree>
+      <p:nvGrpSpPr>
+        <p:cNvPr id="1" name=""/>
+        <p:cNvGrpSpPr/>
+        <p:nvPr/>
+      </p:nvGrpSpPr>
+      <p:grpSpPr>
+        <a:xfrm>
+          <a:off x="0" y="0"/>
+          <a:ext cx="0" cy="0"/>
+          <a:chOff x="0" y="0"/>
+          <a:chExt cx="0" cy="0"/>
+        </a:xfrm>
+      </p:grpSpPr>
+      <p:sp>
+        <p:nvSpPr>
+          <p:cNvPr id="2" name="Title 3">
+            <a:extLst>
+              <a:ext uri="{FF2B5EF4-FFF2-40B4-BE49-F238E27FC236}">
+                <a16:creationId xmlns="" xmlns:a16="http://schemas.microsoft.com/office/drawing/2014/main" id="{F07FC580-E2AB-4C55-8C95-D5E077A1D127}"/>
+              </a:ext>
+            </a:extLst>
+          </p:cNvPr>
+          <p:cNvSpPr txBox="1">
+            <a:spLocks/>
+          </p:cNvSpPr>
+          <p:nvPr/>
+        </p:nvSpPr>
+        <p:spPr>
+          <a:xfrm>
+            <a:off x="261764" y="188640"/>
+            <a:ext cx="11292008" cy="711081"/>
+          </a:xfrm>
+          <a:prstGeom prst="rect">
+            <a:avLst/>
+          </a:prstGeom>
+        </p:spPr>
+        <p:txBody>
+          <a:bodyPr/>
+          <a:lstStyle>
+            <a:lvl1pPr algn="l" defTabSz="914400" rtl="0" eaLnBrk="1" latinLnBrk="0" hangingPunct="1">
+              <a:lnSpc>
+                <a:spcPct val="90000"/>
+              </a:lnSpc>
+              <a:spcBef>
+                <a:spcPct val="0"/>
+              </a:spcBef>
+              <a:buNone/>
+              <a:defRPr sz="4400" kern="1200">
+                <a:solidFill>
+                  <a:schemeClr val="tx1"/>
+                </a:solidFill>
+                <a:latin typeface="+mj-lt"/>
+                <a:ea typeface="+mj-ea"/>
+                <a:cs typeface="+mj-cs"/>
+              </a:defRPr>
+            </a:lvl1pPr>
+          </a:lstStyle>
+          <a:p>
+            <a:endParaRPr lang="en-US" b="1" dirty="0"/>
+          </a:p>
+        </p:txBody>
+      </p:sp>
+      <p:sp>
+        <p:nvSpPr>
+          <p:cNvPr id="7" name="TextBox 6">
+            <a:extLst>
+              <a:ext uri="{FF2B5EF4-FFF2-40B4-BE49-F238E27FC236}">
+                <a16:creationId xmlns="" xmlns:a16="http://schemas.microsoft.com/office/drawing/2014/main" id="{17EB74BE-8011-4153-8F37-3BEF9C1F4CC0}"/>
+              </a:ext>
+            </a:extLst>
+          </p:cNvPr>
+          <p:cNvSpPr txBox="1"/>
+          <p:nvPr/>
+        </p:nvSpPr>
+        <p:spPr>
+          <a:xfrm>
+            <a:off x="3512128" y="2507734"/>
+            <a:ext cx="6174508" cy="1323439"/>
+          </a:xfrm>
+          <a:prstGeom prst="rect">
+            <a:avLst/>
+          </a:prstGeom>
+          <a:noFill/>
+        </p:spPr>
+        <p:txBody>
+          <a:bodyPr wrap="square">
+            <a:spAutoFit/>
+          </a:bodyPr>
+          <a:lstStyle/>
+          <a:p>
+            <a:r>
+              <a:rPr lang="en-US" sz="8000" b="1" dirty="0"/>
+              <a:t>End of Day 9</a:t>
+            </a:r>
+          </a:p>
+        </p:txBody>
+      </p:sp>
+      <p:sp>
+        <p:nvSpPr>
+          <p:cNvPr id="4" name="TextBox 3">
+            <a:extLst>
+              <a:ext uri="{FF2B5EF4-FFF2-40B4-BE49-F238E27FC236}">
+                <a16:creationId xmlns="" xmlns:a16="http://schemas.microsoft.com/office/drawing/2014/main" id="{E8CAC22F-1542-4031-BC6C-A16989886504}"/>
+              </a:ext>
+            </a:extLst>
+          </p:cNvPr>
+          <p:cNvSpPr txBox="1"/>
+          <p:nvPr/>
+        </p:nvSpPr>
+        <p:spPr>
+          <a:xfrm>
+            <a:off x="4943872" y="6536777"/>
+            <a:ext cx="3456384" cy="307777"/>
+          </a:xfrm>
+          <a:prstGeom prst="rect">
+            <a:avLst/>
+          </a:prstGeom>
+          <a:noFill/>
+        </p:spPr>
+        <p:txBody>
+          <a:bodyPr wrap="square" rtlCol="0">
+            <a:spAutoFit/>
+          </a:bodyPr>
+          <a:lstStyle/>
+          <a:p>
+            <a:pPr defTabSz="1218987">
+              <a:defRPr/>
+            </a:pPr>
+            <a:r>
+              <a:rPr lang="en-US" sz="1400" b="1" dirty="0">
+                <a:solidFill>
+                  <a:prstClr val="black"/>
+                </a:solidFill>
+                <a:latin typeface="Arial Rounded MT Bold" panose="020F0704030504030204" pitchFamily="34" charset="0"/>
+                <a:ea typeface="Arial Unicode MS" panose="020B0604020202020204" pitchFamily="34" charset="-128"/>
+                <a:cs typeface="Arial Unicode MS" panose="020B0604020202020204" pitchFamily="34" charset="-128"/>
+              </a:rPr>
+              <a:t>www.anubhavtrainings.com</a:t>
+            </a:r>
+            <a:endParaRPr lang="en-IN" sz="1400" b="1" dirty="0">
+              <a:solidFill>
+                <a:prstClr val="black"/>
+              </a:solidFill>
+              <a:latin typeface="Arial Rounded MT Bold" panose="020F0704030504030204" pitchFamily="34" charset="0"/>
+              <a:ea typeface="Arial Unicode MS" panose="020B0604020202020204" pitchFamily="34" charset="-128"/>
+              <a:cs typeface="Arial Unicode MS" panose="020B0604020202020204" pitchFamily="34" charset="-128"/>
+            </a:endParaRPr>
+          </a:p>
+        </p:txBody>
+      </p:sp>
+    </p:spTree>
+    <p:extLst>
+      <p:ext uri="{BB962C8B-B14F-4D97-AF65-F5344CB8AC3E}">
+        <p14:creationId xmlns:p14="http://schemas.microsoft.com/office/powerpoint/2010/main" val="3867772902"/>
+      </p:ext>
+    </p:extLst>
+  </p:cSld>
+  <p:clrMapOvr>
+    <a:masterClrMapping/>
+  </p:clrMapOvr>
+</p:sld>
+</file>
+
+<file path=ppt/slides/slide8.xml><?xml version="1.0" encoding="utf-8"?>
+<p:sld xmlns:a="http://schemas.openxmlformats.org/drawingml/2006/main" xmlns:r="http://schemas.openxmlformats.org/officeDocument/2006/relationships" xmlns:p="http://schemas.openxmlformats.org/presentationml/2006/main">
+  <p:cSld>
+    <p:spTree>
+      <p:nvGrpSpPr>
+        <p:cNvPr id="1" name=""/>
+        <p:cNvGrpSpPr/>
+        <p:nvPr/>
+      </p:nvGrpSpPr>
+      <p:grpSpPr>
+        <a:xfrm>
+          <a:off x="0" y="0"/>
+          <a:ext cx="0" cy="0"/>
+          <a:chOff x="0" y="0"/>
+          <a:chExt cx="0" cy="0"/>
+        </a:xfrm>
+      </p:grpSpPr>
+      <p:sp>
+        <p:nvSpPr>
+          <p:cNvPr id="2" name="Title 1">
+            <a:extLst>
+              <a:ext uri="{FF2B5EF4-FFF2-40B4-BE49-F238E27FC236}">
+                <a16:creationId xmlns="" xmlns:a16="http://schemas.microsoft.com/office/drawing/2014/main" id="{29CB9E00-0397-4178-9E57-32DC82D3A8F7}"/>
+              </a:ext>
+            </a:extLst>
+          </p:cNvPr>
+          <p:cNvSpPr>
+            <a:spLocks noGrp="1"/>
+          </p:cNvSpPr>
+          <p:nvPr>
+            <p:ph type="title"/>
+          </p:nvPr>
+        </p:nvSpPr>
+        <p:spPr/>
+        <p:txBody>
+          <a:bodyPr/>
+          <a:lstStyle/>
+          <a:p>
+            <a:endParaRPr lang="en-US"/>
+          </a:p>
+        </p:txBody>
+      </p:sp>
+      <p:sp>
+        <p:nvSpPr>
+          <p:cNvPr id="3" name="Content Placeholder 2">
+            <a:extLst>
+              <a:ext uri="{FF2B5EF4-FFF2-40B4-BE49-F238E27FC236}">
+                <a16:creationId xmlns="" xmlns:a16="http://schemas.microsoft.com/office/drawing/2014/main" id="{73A078A5-4F35-4958-8384-CBBBD3DED2C3}"/>
+              </a:ext>
+            </a:extLst>
+          </p:cNvPr>
+          <p:cNvSpPr>
+            <a:spLocks noGrp="1"/>
+          </p:cNvSpPr>
+          <p:nvPr>
+            <p:ph sz="quarter" idx="13"/>
+          </p:nvPr>
+        </p:nvSpPr>
+        <p:spPr/>
+        <p:txBody>
+          <a:bodyPr/>
+          <a:lstStyle/>
+          <a:p>
+            <a:endParaRPr lang="en-US"/>
+          </a:p>
+        </p:txBody>
+      </p:sp>
+    </p:spTree>
+    <p:extLst>
+      <p:ext uri="{BB962C8B-B14F-4D97-AF65-F5344CB8AC3E}">
+        <p14:creationId xmlns:p14="http://schemas.microsoft.com/office/powerpoint/2010/main" val="3265325021"/>
+      </p:ext>
+    </p:extLst>
+  </p:cSld>
+  <p:clrMapOvr>
+    <a:masterClrMapping/>
+  </p:clrMapOvr>
+</p:sld>
+</file>
+
 <file path=ppt/slides/slide9.xml><?xml version="1.0" encoding="utf-8"?>
 <p:sld xmlns:a="http://schemas.openxmlformats.org/drawingml/2006/main" xmlns:r="http://schemas.openxmlformats.org/officeDocument/2006/relationships" xmlns:p="http://schemas.openxmlformats.org/presentationml/2006/main">
   <p:cSld>
@@ -11842,61 +11233,57 @@
           <a:chExt cx="0" cy="0"/>
         </a:xfrm>
       </p:grpSpPr>
-      <p:sp>
-        <p:nvSpPr>
-          <p:cNvPr id="2" name="Title 3">
+      <p:pic>
+        <p:nvPicPr>
+          <p:cNvPr id="1028" name="Picture 4" descr="Free Vector | Flat people with question marks background">
             <a:extLst>
               <a:ext uri="{FF2B5EF4-FFF2-40B4-BE49-F238E27FC236}">
-                <a16:creationId xmlns:a16="http://schemas.microsoft.com/office/drawing/2014/main" xmlns="" id="{F07FC580-E2AB-4C55-8C95-D5E077A1D127}"/>
+                <a16:creationId xmlns="" xmlns:a16="http://schemas.microsoft.com/office/drawing/2014/main" id="{E158EC70-4769-4E41-A278-C90EC4E480C7}"/>
               </a:ext>
             </a:extLst>
           </p:cNvPr>
-          <p:cNvSpPr txBox="1">
-            <a:spLocks/>
-          </p:cNvSpPr>
+          <p:cNvPicPr>
+            <a:picLocks noChangeAspect="1" noChangeArrowheads="1"/>
+          </p:cNvPicPr>
           <p:nvPr/>
-        </p:nvSpPr>
-        <p:spPr>
+        </p:nvPicPr>
+        <p:blipFill rotWithShape="1">
+          <a:blip r:embed="rId2">
+            <a:extLst>
+              <a:ext uri="{28A0092B-C50C-407E-A947-70E740481C1C}">
+                <a14:useLocalDpi xmlns:a14="http://schemas.microsoft.com/office/drawing/2010/main" val="0"/>
+              </a:ext>
+            </a:extLst>
+          </a:blip>
+          <a:srcRect t="1" b="22246"/>
+          <a:stretch/>
+        </p:blipFill>
+        <p:spPr bwMode="auto">
           <a:xfrm>
-            <a:off x="261764" y="188640"/>
-            <a:ext cx="11292008" cy="711081"/>
+            <a:off x="1848418" y="639706"/>
+            <a:ext cx="7599507" cy="5908876"/>
           </a:xfrm>
           <a:prstGeom prst="rect">
             <a:avLst/>
           </a:prstGeom>
+          <a:noFill/>
+          <a:extLst>
+            <a:ext uri="{909E8E84-426E-40DD-AFC4-6F175D3DCCD1}">
+              <a14:hiddenFill xmlns:a14="http://schemas.microsoft.com/office/drawing/2010/main">
+                <a:solidFill>
+                  <a:srgbClr val="FFFFFF"/>
+                </a:solidFill>
+              </a14:hiddenFill>
+            </a:ext>
+          </a:extLst>
         </p:spPr>
-        <p:txBody>
-          <a:bodyPr/>
-          <a:lstStyle>
-            <a:lvl1pPr algn="l" defTabSz="914400" rtl="0" eaLnBrk="1" latinLnBrk="0" hangingPunct="1">
-              <a:lnSpc>
-                <a:spcPct val="90000"/>
-              </a:lnSpc>
-              <a:spcBef>
-                <a:spcPct val="0"/>
-              </a:spcBef>
-              <a:buNone/>
-              <a:defRPr sz="4400" kern="1200">
-                <a:solidFill>
-                  <a:schemeClr val="tx1"/>
-                </a:solidFill>
-                <a:latin typeface="+mj-lt"/>
-                <a:ea typeface="+mj-ea"/>
-                <a:cs typeface="+mj-cs"/>
-              </a:defRPr>
-            </a:lvl1pPr>
-          </a:lstStyle>
-          <a:p>
-            <a:endParaRPr lang="en-US" b="1" dirty="0"/>
-          </a:p>
-        </p:txBody>
-      </p:sp>
-      <p:sp>
-        <p:nvSpPr>
-          <p:cNvPr id="7" name="TextBox 6">
+      </p:pic>
+      <p:sp>
+        <p:nvSpPr>
+          <p:cNvPr id="2" name="TextBox 1">
             <a:extLst>
               <a:ext uri="{FF2B5EF4-FFF2-40B4-BE49-F238E27FC236}">
-                <a16:creationId xmlns:a16="http://schemas.microsoft.com/office/drawing/2014/main" xmlns="" id="{17EB74BE-8011-4153-8F37-3BEF9C1F4CC0}"/>
+                <a16:creationId xmlns="" xmlns:a16="http://schemas.microsoft.com/office/drawing/2014/main" id="{994C3DB2-D47E-4B94-804B-87AF1FDEF86E}"/>
               </a:ext>
             </a:extLst>
           </p:cNvPr>
@@ -11905,8 +11292,8 @@
         </p:nvSpPr>
         <p:spPr>
           <a:xfrm>
-            <a:off x="3512128" y="2507734"/>
-            <a:ext cx="6174508" cy="1323439"/>
+            <a:off x="4535055" y="1052946"/>
+            <a:ext cx="5588000" cy="769441"/>
           </a:xfrm>
           <a:prstGeom prst="rect">
             <a:avLst/>
@@ -11914,14 +11301,14 @@
           <a:noFill/>
         </p:spPr>
         <p:txBody>
-          <a:bodyPr wrap="square">
+          <a:bodyPr wrap="square" rtlCol="0">
             <a:spAutoFit/>
           </a:bodyPr>
           <a:lstStyle/>
           <a:p>
             <a:r>
-              <a:rPr lang="en-US" sz="8000" b="1" dirty="0"/>
-              <a:t>End of Day 9</a:t>
+              <a:rPr lang="en-US" sz="4400" b="1" dirty="0"/>
+              <a:t>Questions</a:t>
             </a:r>
           </a:p>
         </p:txBody>
@@ -11931,7 +11318,7 @@
           <p:cNvPr id="4" name="TextBox 3">
             <a:extLst>
               <a:ext uri="{FF2B5EF4-FFF2-40B4-BE49-F238E27FC236}">
-                <a16:creationId xmlns:a16="http://schemas.microsoft.com/office/drawing/2014/main" xmlns="" id="{E8CAC22F-1542-4031-BC6C-A16989886504}"/>
+                <a16:creationId xmlns="" xmlns:a16="http://schemas.microsoft.com/office/drawing/2014/main" id="{E8CAC22F-1542-4031-BC6C-A16989886504}"/>
               </a:ext>
             </a:extLst>
           </p:cNvPr>
@@ -11940,7 +11327,7 @@
         </p:nvSpPr>
         <p:spPr>
           <a:xfrm>
-            <a:off x="4943872" y="6536777"/>
+            <a:off x="4943872" y="6523330"/>
             <a:ext cx="3456384" cy="307777"/>
           </a:xfrm>
           <a:prstGeom prst="rect">
@@ -11982,7 +11369,7 @@
     </p:spTree>
     <p:extLst>
       <p:ext uri="{BB962C8B-B14F-4D97-AF65-F5344CB8AC3E}">
-        <p14:creationId xmlns:p14="http://schemas.microsoft.com/office/powerpoint/2010/main" val="3867772902"/>
+        <p14:creationId xmlns:p14="http://schemas.microsoft.com/office/powerpoint/2010/main" val="1308118299"/>
       </p:ext>
     </p:extLst>
   </p:cSld>

--- a/day 9/SAC_Training Day 9.pptx
+++ b/day 9/SAC_Training Day 9.pptx
@@ -8727,7 +8727,7 @@
           <p:cNvPr id="2052" name="Picture 4" descr="Ski Jumping Arena - Free Presentation Templates">
             <a:extLst>
               <a:ext uri="{FF2B5EF4-FFF2-40B4-BE49-F238E27FC236}">
-                <a16:creationId xmlns="" xmlns:a16="http://schemas.microsoft.com/office/drawing/2014/main" id="{B0D7E6A1-F72A-4F69-B4FB-A4ED7A0C6CED}"/>
+                <a16:creationId xmlns:a16="http://schemas.microsoft.com/office/drawing/2014/main" xmlns="" id="{B0D7E6A1-F72A-4F69-B4FB-A4ED7A0C6CED}"/>
               </a:ext>
             </a:extLst>
           </p:cNvPr>
@@ -8915,7 +8915,7 @@
           <p:cNvPr id="2" name="Title 3">
             <a:extLst>
               <a:ext uri="{FF2B5EF4-FFF2-40B4-BE49-F238E27FC236}">
-                <a16:creationId xmlns="" xmlns:a16="http://schemas.microsoft.com/office/drawing/2014/main" id="{F07FC580-E2AB-4C55-8C95-D5E077A1D127}"/>
+                <a16:creationId xmlns:a16="http://schemas.microsoft.com/office/drawing/2014/main" xmlns="" id="{F07FC580-E2AB-4C55-8C95-D5E077A1D127}"/>
               </a:ext>
             </a:extLst>
           </p:cNvPr>
@@ -8997,7 +8997,7 @@
           <p:cNvPr id="5" name="TextBox 4">
             <a:extLst>
               <a:ext uri="{FF2B5EF4-FFF2-40B4-BE49-F238E27FC236}">
-                <a16:creationId xmlns="" xmlns:a16="http://schemas.microsoft.com/office/drawing/2014/main" id="{27E5B41D-1DDF-48C9-A5AF-075F84492B68}"/>
+                <a16:creationId xmlns:a16="http://schemas.microsoft.com/office/drawing/2014/main" xmlns="" id="{27E5B41D-1DDF-48C9-A5AF-075F84492B68}"/>
               </a:ext>
             </a:extLst>
           </p:cNvPr>
@@ -9486,7 +9486,7 @@
           <p:cNvPr id="6" name="TextBox 5">
             <a:extLst>
               <a:ext uri="{FF2B5EF4-FFF2-40B4-BE49-F238E27FC236}">
-                <a16:creationId xmlns="" xmlns:a16="http://schemas.microsoft.com/office/drawing/2014/main" id="{E8CAC22F-1542-4031-BC6C-A16989886504}"/>
+                <a16:creationId xmlns:a16="http://schemas.microsoft.com/office/drawing/2014/main" xmlns="" id="{E8CAC22F-1542-4031-BC6C-A16989886504}"/>
               </a:ext>
             </a:extLst>
           </p:cNvPr>
@@ -9606,7 +9606,7 @@
           <p:cNvPr id="37" name="TextBox 36">
             <a:extLst>
               <a:ext uri="{FF2B5EF4-FFF2-40B4-BE49-F238E27FC236}">
-                <a16:creationId xmlns="" xmlns:a16="http://schemas.microsoft.com/office/drawing/2014/main" id="{E8CAC22F-1542-4031-BC6C-A16989886504}"/>
+                <a16:creationId xmlns:a16="http://schemas.microsoft.com/office/drawing/2014/main" xmlns="" id="{E8CAC22F-1542-4031-BC6C-A16989886504}"/>
               </a:ext>
             </a:extLst>
           </p:cNvPr>
@@ -9659,7 +9659,7 @@
           <p:cNvPr id="40" name="Picture 39">
             <a:extLst>
               <a:ext uri="{FF2B5EF4-FFF2-40B4-BE49-F238E27FC236}">
-                <a16:creationId xmlns="" xmlns:a16="http://schemas.microsoft.com/office/drawing/2014/main" id="{DA60E6FB-8C44-4FEB-B6E9-83DA908565CD}"/>
+                <a16:creationId xmlns:a16="http://schemas.microsoft.com/office/drawing/2014/main" xmlns="" id="{DA60E6FB-8C44-4FEB-B6E9-83DA908565CD}"/>
               </a:ext>
             </a:extLst>
           </p:cNvPr>
@@ -9695,7 +9695,7 @@
           <p:cNvPr id="41" name="Straight Connector 40">
             <a:extLst>
               <a:ext uri="{FF2B5EF4-FFF2-40B4-BE49-F238E27FC236}">
-                <a16:creationId xmlns="" xmlns:a16="http://schemas.microsoft.com/office/drawing/2014/main" id="{3B3B7D73-CAE9-45AC-ACCE-FAEF4E505C7A}"/>
+                <a16:creationId xmlns:a16="http://schemas.microsoft.com/office/drawing/2014/main" xmlns="" id="{3B3B7D73-CAE9-45AC-ACCE-FAEF4E505C7A}"/>
               </a:ext>
             </a:extLst>
           </p:cNvPr>
@@ -9827,7 +9827,7 @@
           <p:cNvPr id="37" name="TextBox 36">
             <a:extLst>
               <a:ext uri="{FF2B5EF4-FFF2-40B4-BE49-F238E27FC236}">
-                <a16:creationId xmlns="" xmlns:a16="http://schemas.microsoft.com/office/drawing/2014/main" id="{E8CAC22F-1542-4031-BC6C-A16989886504}"/>
+                <a16:creationId xmlns:a16="http://schemas.microsoft.com/office/drawing/2014/main" xmlns="" id="{E8CAC22F-1542-4031-BC6C-A16989886504}"/>
               </a:ext>
             </a:extLst>
           </p:cNvPr>
@@ -9880,7 +9880,7 @@
           <p:cNvPr id="40" name="Picture 39">
             <a:extLst>
               <a:ext uri="{FF2B5EF4-FFF2-40B4-BE49-F238E27FC236}">
-                <a16:creationId xmlns="" xmlns:a16="http://schemas.microsoft.com/office/drawing/2014/main" id="{DA60E6FB-8C44-4FEB-B6E9-83DA908565CD}"/>
+                <a16:creationId xmlns:a16="http://schemas.microsoft.com/office/drawing/2014/main" xmlns="" id="{DA60E6FB-8C44-4FEB-B6E9-83DA908565CD}"/>
               </a:ext>
             </a:extLst>
           </p:cNvPr>
@@ -9916,7 +9916,7 @@
           <p:cNvPr id="41" name="Straight Connector 40">
             <a:extLst>
               <a:ext uri="{FF2B5EF4-FFF2-40B4-BE49-F238E27FC236}">
-                <a16:creationId xmlns="" xmlns:a16="http://schemas.microsoft.com/office/drawing/2014/main" id="{3B3B7D73-CAE9-45AC-ACCE-FAEF4E505C7A}"/>
+                <a16:creationId xmlns:a16="http://schemas.microsoft.com/office/drawing/2014/main" xmlns="" id="{3B3B7D73-CAE9-45AC-ACCE-FAEF4E505C7A}"/>
               </a:ext>
             </a:extLst>
           </p:cNvPr>
@@ -9952,7 +9952,7 @@
           <p:cNvPr id="4" name="Content Placeholder 3">
             <a:extLst>
               <a:ext uri="{FF2B5EF4-FFF2-40B4-BE49-F238E27FC236}">
-                <a16:creationId xmlns="" xmlns:a16="http://schemas.microsoft.com/office/drawing/2014/main" id="{CBEDC674-543C-4D80-800A-9884F43347D6}"/>
+                <a16:creationId xmlns:a16="http://schemas.microsoft.com/office/drawing/2014/main" xmlns="" id="{CBEDC674-543C-4D80-800A-9884F43347D6}"/>
               </a:ext>
             </a:extLst>
           </p:cNvPr>
@@ -10012,7 +10012,7 @@
           <p:cNvPr id="2" name="Rectangle 1">
             <a:extLst>
               <a:ext uri="{FF2B5EF4-FFF2-40B4-BE49-F238E27FC236}">
-                <a16:creationId xmlns="" xmlns:a16="http://schemas.microsoft.com/office/drawing/2014/main" id="{037C36F8-BD94-4AF7-B045-22902851CE18}"/>
+                <a16:creationId xmlns:a16="http://schemas.microsoft.com/office/drawing/2014/main" xmlns="" id="{037C36F8-BD94-4AF7-B045-22902851CE18}"/>
               </a:ext>
             </a:extLst>
           </p:cNvPr>
@@ -10058,7 +10058,7 @@
           <p:cNvPr id="5" name="Straight Arrow Connector 4">
             <a:extLst>
               <a:ext uri="{FF2B5EF4-FFF2-40B4-BE49-F238E27FC236}">
-                <a16:creationId xmlns="" xmlns:a16="http://schemas.microsoft.com/office/drawing/2014/main" id="{4CD5F51D-CFE9-407C-A5BD-9F241F269190}"/>
+                <a16:creationId xmlns:a16="http://schemas.microsoft.com/office/drawing/2014/main" xmlns="" id="{4CD5F51D-CFE9-407C-A5BD-9F241F269190}"/>
               </a:ext>
             </a:extLst>
           </p:cNvPr>
@@ -10097,7 +10097,7 @@
           <p:cNvPr id="6" name="Rectangle 5">
             <a:extLst>
               <a:ext uri="{FF2B5EF4-FFF2-40B4-BE49-F238E27FC236}">
-                <a16:creationId xmlns="" xmlns:a16="http://schemas.microsoft.com/office/drawing/2014/main" id="{C0A56AD8-D4C4-44F2-BC7E-647E390D7D61}"/>
+                <a16:creationId xmlns:a16="http://schemas.microsoft.com/office/drawing/2014/main" xmlns="" id="{C0A56AD8-D4C4-44F2-BC7E-647E390D7D61}"/>
               </a:ext>
             </a:extLst>
           </p:cNvPr>
@@ -10146,7 +10146,7 @@
           <p:cNvPr id="7" name="Rectangle 6">
             <a:extLst>
               <a:ext uri="{FF2B5EF4-FFF2-40B4-BE49-F238E27FC236}">
-                <a16:creationId xmlns="" xmlns:a16="http://schemas.microsoft.com/office/drawing/2014/main" id="{B2483A8E-B645-449B-9D3A-FC709053DBCF}"/>
+                <a16:creationId xmlns:a16="http://schemas.microsoft.com/office/drawing/2014/main" xmlns="" id="{B2483A8E-B645-449B-9D3A-FC709053DBCF}"/>
               </a:ext>
             </a:extLst>
           </p:cNvPr>
@@ -10195,7 +10195,7 @@
           <p:cNvPr id="13" name="Straight Arrow Connector 12">
             <a:extLst>
               <a:ext uri="{FF2B5EF4-FFF2-40B4-BE49-F238E27FC236}">
-                <a16:creationId xmlns="" xmlns:a16="http://schemas.microsoft.com/office/drawing/2014/main" id="{323D7B94-52FA-48EA-AC6B-95BAE93D31CD}"/>
+                <a16:creationId xmlns:a16="http://schemas.microsoft.com/office/drawing/2014/main" xmlns="" id="{323D7B94-52FA-48EA-AC6B-95BAE93D31CD}"/>
               </a:ext>
             </a:extLst>
           </p:cNvPr>
@@ -10237,7 +10237,7 @@
           <p:cNvPr id="36" name="Straight Arrow Connector 35">
             <a:extLst>
               <a:ext uri="{FF2B5EF4-FFF2-40B4-BE49-F238E27FC236}">
-                <a16:creationId xmlns="" xmlns:a16="http://schemas.microsoft.com/office/drawing/2014/main" id="{3CDDCFF6-C654-48A2-80F1-E5E444D59F54}"/>
+                <a16:creationId xmlns:a16="http://schemas.microsoft.com/office/drawing/2014/main" xmlns="" id="{3CDDCFF6-C654-48A2-80F1-E5E444D59F54}"/>
               </a:ext>
             </a:extLst>
           </p:cNvPr>
@@ -10278,7 +10278,7 @@
           <p:cNvPr id="38" name="Rectangle 37">
             <a:extLst>
               <a:ext uri="{FF2B5EF4-FFF2-40B4-BE49-F238E27FC236}">
-                <a16:creationId xmlns="" xmlns:a16="http://schemas.microsoft.com/office/drawing/2014/main" id="{C8E36453-D393-4D03-BECE-C3CA294B8AD2}"/>
+                <a16:creationId xmlns:a16="http://schemas.microsoft.com/office/drawing/2014/main" xmlns="" id="{C8E36453-D393-4D03-BECE-C3CA294B8AD2}"/>
               </a:ext>
             </a:extLst>
           </p:cNvPr>
@@ -10327,7 +10327,7 @@
           <p:cNvPr id="43" name="Straight Arrow Connector 42">
             <a:extLst>
               <a:ext uri="{FF2B5EF4-FFF2-40B4-BE49-F238E27FC236}">
-                <a16:creationId xmlns="" xmlns:a16="http://schemas.microsoft.com/office/drawing/2014/main" id="{2DA78E7E-6A5C-4634-AF75-894AB016D2DA}"/>
+                <a16:creationId xmlns:a16="http://schemas.microsoft.com/office/drawing/2014/main" xmlns="" id="{2DA78E7E-6A5C-4634-AF75-894AB016D2DA}"/>
               </a:ext>
             </a:extLst>
           </p:cNvPr>
@@ -10438,7 +10438,7 @@
           <p:cNvPr id="37" name="TextBox 36">
             <a:extLst>
               <a:ext uri="{FF2B5EF4-FFF2-40B4-BE49-F238E27FC236}">
-                <a16:creationId xmlns="" xmlns:a16="http://schemas.microsoft.com/office/drawing/2014/main" id="{E8CAC22F-1542-4031-BC6C-A16989886504}"/>
+                <a16:creationId xmlns:a16="http://schemas.microsoft.com/office/drawing/2014/main" xmlns="" id="{E8CAC22F-1542-4031-BC6C-A16989886504}"/>
               </a:ext>
             </a:extLst>
           </p:cNvPr>
@@ -10491,7 +10491,7 @@
           <p:cNvPr id="40" name="Picture 39">
             <a:extLst>
               <a:ext uri="{FF2B5EF4-FFF2-40B4-BE49-F238E27FC236}">
-                <a16:creationId xmlns="" xmlns:a16="http://schemas.microsoft.com/office/drawing/2014/main" id="{DA60E6FB-8C44-4FEB-B6E9-83DA908565CD}"/>
+                <a16:creationId xmlns:a16="http://schemas.microsoft.com/office/drawing/2014/main" xmlns="" id="{DA60E6FB-8C44-4FEB-B6E9-83DA908565CD}"/>
               </a:ext>
             </a:extLst>
           </p:cNvPr>
@@ -10527,7 +10527,7 @@
           <p:cNvPr id="41" name="Straight Connector 40">
             <a:extLst>
               <a:ext uri="{FF2B5EF4-FFF2-40B4-BE49-F238E27FC236}">
-                <a16:creationId xmlns="" xmlns:a16="http://schemas.microsoft.com/office/drawing/2014/main" id="{3B3B7D73-CAE9-45AC-ACCE-FAEF4E505C7A}"/>
+                <a16:creationId xmlns:a16="http://schemas.microsoft.com/office/drawing/2014/main" xmlns="" id="{3B3B7D73-CAE9-45AC-ACCE-FAEF4E505C7A}"/>
               </a:ext>
             </a:extLst>
           </p:cNvPr>
@@ -10563,7 +10563,7 @@
           <p:cNvPr id="7" name="TextBox 6">
             <a:extLst>
               <a:ext uri="{FF2B5EF4-FFF2-40B4-BE49-F238E27FC236}">
-                <a16:creationId xmlns="" xmlns:a16="http://schemas.microsoft.com/office/drawing/2014/main" id="{8F13B9DB-B6C9-4C0D-95D8-6D1E04BB64DB}"/>
+                <a16:creationId xmlns:a16="http://schemas.microsoft.com/office/drawing/2014/main" xmlns="" id="{8F13B9DB-B6C9-4C0D-95D8-6D1E04BB64DB}"/>
               </a:ext>
             </a:extLst>
           </p:cNvPr>
@@ -10598,7 +10598,7 @@
           <p:cNvPr id="2" name="TextBox 1">
             <a:extLst>
               <a:ext uri="{FF2B5EF4-FFF2-40B4-BE49-F238E27FC236}">
-                <a16:creationId xmlns="" xmlns:a16="http://schemas.microsoft.com/office/drawing/2014/main" id="{EB9D4EE7-D3FD-45F4-96B6-92DEBAFDFD2B}"/>
+                <a16:creationId xmlns:a16="http://schemas.microsoft.com/office/drawing/2014/main" xmlns="" id="{EB9D4EE7-D3FD-45F4-96B6-92DEBAFDFD2B}"/>
               </a:ext>
             </a:extLst>
           </p:cNvPr>
@@ -10807,7 +10807,7 @@
           <p:cNvPr id="37" name="TextBox 36">
             <a:extLst>
               <a:ext uri="{FF2B5EF4-FFF2-40B4-BE49-F238E27FC236}">
-                <a16:creationId xmlns="" xmlns:a16="http://schemas.microsoft.com/office/drawing/2014/main" id="{E8CAC22F-1542-4031-BC6C-A16989886504}"/>
+                <a16:creationId xmlns:a16="http://schemas.microsoft.com/office/drawing/2014/main" xmlns="" id="{E8CAC22F-1542-4031-BC6C-A16989886504}"/>
               </a:ext>
             </a:extLst>
           </p:cNvPr>
@@ -10860,7 +10860,7 @@
           <p:cNvPr id="40" name="Picture 39">
             <a:extLst>
               <a:ext uri="{FF2B5EF4-FFF2-40B4-BE49-F238E27FC236}">
-                <a16:creationId xmlns="" xmlns:a16="http://schemas.microsoft.com/office/drawing/2014/main" id="{DA60E6FB-8C44-4FEB-B6E9-83DA908565CD}"/>
+                <a16:creationId xmlns:a16="http://schemas.microsoft.com/office/drawing/2014/main" xmlns="" id="{DA60E6FB-8C44-4FEB-B6E9-83DA908565CD}"/>
               </a:ext>
             </a:extLst>
           </p:cNvPr>
@@ -10896,7 +10896,7 @@
           <p:cNvPr id="41" name="Straight Connector 40">
             <a:extLst>
               <a:ext uri="{FF2B5EF4-FFF2-40B4-BE49-F238E27FC236}">
-                <a16:creationId xmlns="" xmlns:a16="http://schemas.microsoft.com/office/drawing/2014/main" id="{3B3B7D73-CAE9-45AC-ACCE-FAEF4E505C7A}"/>
+                <a16:creationId xmlns:a16="http://schemas.microsoft.com/office/drawing/2014/main" xmlns="" id="{3B3B7D73-CAE9-45AC-ACCE-FAEF4E505C7A}"/>
               </a:ext>
             </a:extLst>
           </p:cNvPr>
@@ -10991,7 +10991,7 @@
           <p:cNvPr id="2" name="Title 3">
             <a:extLst>
               <a:ext uri="{FF2B5EF4-FFF2-40B4-BE49-F238E27FC236}">
-                <a16:creationId xmlns="" xmlns:a16="http://schemas.microsoft.com/office/drawing/2014/main" id="{F07FC580-E2AB-4C55-8C95-D5E077A1D127}"/>
+                <a16:creationId xmlns:a16="http://schemas.microsoft.com/office/drawing/2014/main" xmlns="" id="{F07FC580-E2AB-4C55-8C95-D5E077A1D127}"/>
               </a:ext>
             </a:extLst>
           </p:cNvPr>
@@ -11040,7 +11040,7 @@
           <p:cNvPr id="7" name="TextBox 6">
             <a:extLst>
               <a:ext uri="{FF2B5EF4-FFF2-40B4-BE49-F238E27FC236}">
-                <a16:creationId xmlns="" xmlns:a16="http://schemas.microsoft.com/office/drawing/2014/main" id="{17EB74BE-8011-4153-8F37-3BEF9C1F4CC0}"/>
+                <a16:creationId xmlns:a16="http://schemas.microsoft.com/office/drawing/2014/main" xmlns="" id="{17EB74BE-8011-4153-8F37-3BEF9C1F4CC0}"/>
               </a:ext>
             </a:extLst>
           </p:cNvPr>
@@ -11075,7 +11075,7 @@
           <p:cNvPr id="4" name="TextBox 3">
             <a:extLst>
               <a:ext uri="{FF2B5EF4-FFF2-40B4-BE49-F238E27FC236}">
-                <a16:creationId xmlns="" xmlns:a16="http://schemas.microsoft.com/office/drawing/2014/main" id="{E8CAC22F-1542-4031-BC6C-A16989886504}"/>
+                <a16:creationId xmlns:a16="http://schemas.microsoft.com/office/drawing/2014/main" xmlns="" id="{E8CAC22F-1542-4031-BC6C-A16989886504}"/>
               </a:ext>
             </a:extLst>
           </p:cNvPr>
@@ -11158,7 +11158,7 @@
           <p:cNvPr id="2" name="Title 1">
             <a:extLst>
               <a:ext uri="{FF2B5EF4-FFF2-40B4-BE49-F238E27FC236}">
-                <a16:creationId xmlns="" xmlns:a16="http://schemas.microsoft.com/office/drawing/2014/main" id="{29CB9E00-0397-4178-9E57-32DC82D3A8F7}"/>
+                <a16:creationId xmlns:a16="http://schemas.microsoft.com/office/drawing/2014/main" xmlns="" id="{29CB9E00-0397-4178-9E57-32DC82D3A8F7}"/>
               </a:ext>
             </a:extLst>
           </p:cNvPr>
@@ -11183,7 +11183,7 @@
           <p:cNvPr id="3" name="Content Placeholder 2">
             <a:extLst>
               <a:ext uri="{FF2B5EF4-FFF2-40B4-BE49-F238E27FC236}">
-                <a16:creationId xmlns="" xmlns:a16="http://schemas.microsoft.com/office/drawing/2014/main" id="{73A078A5-4F35-4958-8384-CBBBD3DED2C3}"/>
+                <a16:creationId xmlns:a16="http://schemas.microsoft.com/office/drawing/2014/main" xmlns="" id="{73A078A5-4F35-4958-8384-CBBBD3DED2C3}"/>
               </a:ext>
             </a:extLst>
           </p:cNvPr>
@@ -11238,7 +11238,7 @@
           <p:cNvPr id="1028" name="Picture 4" descr="Free Vector | Flat people with question marks background">
             <a:extLst>
               <a:ext uri="{FF2B5EF4-FFF2-40B4-BE49-F238E27FC236}">
-                <a16:creationId xmlns="" xmlns:a16="http://schemas.microsoft.com/office/drawing/2014/main" id="{E158EC70-4769-4E41-A278-C90EC4E480C7}"/>
+                <a16:creationId xmlns:a16="http://schemas.microsoft.com/office/drawing/2014/main" xmlns="" id="{E158EC70-4769-4E41-A278-C90EC4E480C7}"/>
               </a:ext>
             </a:extLst>
           </p:cNvPr>
@@ -11283,7 +11283,7 @@
           <p:cNvPr id="2" name="TextBox 1">
             <a:extLst>
               <a:ext uri="{FF2B5EF4-FFF2-40B4-BE49-F238E27FC236}">
-                <a16:creationId xmlns="" xmlns:a16="http://schemas.microsoft.com/office/drawing/2014/main" id="{994C3DB2-D47E-4B94-804B-87AF1FDEF86E}"/>
+                <a16:creationId xmlns:a16="http://schemas.microsoft.com/office/drawing/2014/main" xmlns="" id="{994C3DB2-D47E-4B94-804B-87AF1FDEF86E}"/>
               </a:ext>
             </a:extLst>
           </p:cNvPr>
@@ -11318,7 +11318,7 @@
           <p:cNvPr id="4" name="TextBox 3">
             <a:extLst>
               <a:ext uri="{FF2B5EF4-FFF2-40B4-BE49-F238E27FC236}">
-                <a16:creationId xmlns="" xmlns:a16="http://schemas.microsoft.com/office/drawing/2014/main" id="{E8CAC22F-1542-4031-BC6C-A16989886504}"/>
+                <a16:creationId xmlns:a16="http://schemas.microsoft.com/office/drawing/2014/main" xmlns="" id="{E8CAC22F-1542-4031-BC6C-A16989886504}"/>
               </a:ext>
             </a:extLst>
           </p:cNvPr>
